--- a/Yu Feng CRC-fungi-Re1 (JY)/S_fig4-Re1 (JY).pptx
+++ b/Yu Feng CRC-fungi-Re1 (JY)/S_fig4-Re1 (JY).pptx
@@ -2,7 +2,7 @@
 <file path=ppt/presentation.xml><?xml version="1.0" encoding="utf-8"?>
 <p:presentation xmlns:a="http://schemas.openxmlformats.org/drawingml/2006/main" xmlns:r="http://schemas.openxmlformats.org/officeDocument/2006/relationships" xmlns:p="http://schemas.openxmlformats.org/presentationml/2006/main" saveSubsetFonts="1">
   <p:sldMasterIdLst>
-    <p:sldMasterId id="2147483720" r:id="rId1"/>
+    <p:sldMasterId id="2147483648" r:id="rId1"/>
   </p:sldMasterIdLst>
   <p:notesMasterIdLst>
     <p:notesMasterId r:id="rId3"/>
@@ -10,13 +10,13 @@
   <p:sldIdLst>
     <p:sldId id="256" r:id="rId2"/>
   </p:sldIdLst>
-  <p:sldSz cx="32399288" cy="12599988"/>
+  <p:sldSz cx="12192000" cy="6858000"/>
   <p:notesSz cx="6858000" cy="9144000"/>
   <p:defaultTextStyle>
     <a:defPPr>
-      <a:defRPr lang="en-US"/>
+      <a:defRPr lang="zh-CN"/>
     </a:defPPr>
-    <a:lvl1pPr marL="0" algn="l" defTabSz="457200" rtl="0" eaLnBrk="1" latinLnBrk="0" hangingPunct="1">
+    <a:lvl1pPr marL="0" algn="l" defTabSz="914400" rtl="0" eaLnBrk="1" latinLnBrk="0" hangingPunct="1">
       <a:defRPr sz="1800" kern="1200">
         <a:solidFill>
           <a:schemeClr val="tx1"/>
@@ -26,7 +26,7 @@
         <a:cs typeface="+mn-cs"/>
       </a:defRPr>
     </a:lvl1pPr>
-    <a:lvl2pPr marL="457200" algn="l" defTabSz="457200" rtl="0" eaLnBrk="1" latinLnBrk="0" hangingPunct="1">
+    <a:lvl2pPr marL="457200" algn="l" defTabSz="914400" rtl="0" eaLnBrk="1" latinLnBrk="0" hangingPunct="1">
       <a:defRPr sz="1800" kern="1200">
         <a:solidFill>
           <a:schemeClr val="tx1"/>
@@ -36,7 +36,7 @@
         <a:cs typeface="+mn-cs"/>
       </a:defRPr>
     </a:lvl2pPr>
-    <a:lvl3pPr marL="914400" algn="l" defTabSz="457200" rtl="0" eaLnBrk="1" latinLnBrk="0" hangingPunct="1">
+    <a:lvl3pPr marL="914400" algn="l" defTabSz="914400" rtl="0" eaLnBrk="1" latinLnBrk="0" hangingPunct="1">
       <a:defRPr sz="1800" kern="1200">
         <a:solidFill>
           <a:schemeClr val="tx1"/>
@@ -46,7 +46,7 @@
         <a:cs typeface="+mn-cs"/>
       </a:defRPr>
     </a:lvl3pPr>
-    <a:lvl4pPr marL="1371600" algn="l" defTabSz="457200" rtl="0" eaLnBrk="1" latinLnBrk="0" hangingPunct="1">
+    <a:lvl4pPr marL="1371600" algn="l" defTabSz="914400" rtl="0" eaLnBrk="1" latinLnBrk="0" hangingPunct="1">
       <a:defRPr sz="1800" kern="1200">
         <a:solidFill>
           <a:schemeClr val="tx1"/>
@@ -56,7 +56,7 @@
         <a:cs typeface="+mn-cs"/>
       </a:defRPr>
     </a:lvl4pPr>
-    <a:lvl5pPr marL="1828800" algn="l" defTabSz="457200" rtl="0" eaLnBrk="1" latinLnBrk="0" hangingPunct="1">
+    <a:lvl5pPr marL="1828800" algn="l" defTabSz="914400" rtl="0" eaLnBrk="1" latinLnBrk="0" hangingPunct="1">
       <a:defRPr sz="1800" kern="1200">
         <a:solidFill>
           <a:schemeClr val="tx1"/>
@@ -66,7 +66,7 @@
         <a:cs typeface="+mn-cs"/>
       </a:defRPr>
     </a:lvl5pPr>
-    <a:lvl6pPr marL="2286000" algn="l" defTabSz="457200" rtl="0" eaLnBrk="1" latinLnBrk="0" hangingPunct="1">
+    <a:lvl6pPr marL="2286000" algn="l" defTabSz="914400" rtl="0" eaLnBrk="1" latinLnBrk="0" hangingPunct="1">
       <a:defRPr sz="1800" kern="1200">
         <a:solidFill>
           <a:schemeClr val="tx1"/>
@@ -76,7 +76,7 @@
         <a:cs typeface="+mn-cs"/>
       </a:defRPr>
     </a:lvl6pPr>
-    <a:lvl7pPr marL="2743200" algn="l" defTabSz="457200" rtl="0" eaLnBrk="1" latinLnBrk="0" hangingPunct="1">
+    <a:lvl7pPr marL="2743200" algn="l" defTabSz="914400" rtl="0" eaLnBrk="1" latinLnBrk="0" hangingPunct="1">
       <a:defRPr sz="1800" kern="1200">
         <a:solidFill>
           <a:schemeClr val="tx1"/>
@@ -86,7 +86,7 @@
         <a:cs typeface="+mn-cs"/>
       </a:defRPr>
     </a:lvl7pPr>
-    <a:lvl8pPr marL="3200400" algn="l" defTabSz="457200" rtl="0" eaLnBrk="1" latinLnBrk="0" hangingPunct="1">
+    <a:lvl8pPr marL="3200400" algn="l" defTabSz="914400" rtl="0" eaLnBrk="1" latinLnBrk="0" hangingPunct="1">
       <a:defRPr sz="1800" kern="1200">
         <a:solidFill>
           <a:schemeClr val="tx1"/>
@@ -96,7 +96,7 @@
         <a:cs typeface="+mn-cs"/>
       </a:defRPr>
     </a:lvl8pPr>
-    <a:lvl9pPr marL="3657600" algn="l" defTabSz="457200" rtl="0" eaLnBrk="1" latinLnBrk="0" hangingPunct="1">
+    <a:lvl9pPr marL="3657600" algn="l" defTabSz="914400" rtl="0" eaLnBrk="1" latinLnBrk="0" hangingPunct="1">
       <a:defRPr sz="1800" kern="1200">
         <a:solidFill>
           <a:schemeClr val="tx1"/>
@@ -117,7 +117,7 @@
 
 <file path=ppt/commentAuthors.xml><?xml version="1.0" encoding="utf-8"?>
 <p:cmAuthorLst xmlns:a="http://schemas.openxmlformats.org/drawingml/2006/main" xmlns:r="http://schemas.openxmlformats.org/officeDocument/2006/relationships" xmlns:p="http://schemas.openxmlformats.org/presentationml/2006/main">
-  <p:cmAuthor id="1" name="Jun Yu (MEDT)" initials="JY(" lastIdx="1" clrIdx="0">
+  <p:cmAuthor id="1" name="Jun Yu (MEDT)" initials="JY(" lastIdx="2" clrIdx="0">
     <p:extLst>
       <p:ext uri="{19B8F6BF-5375-455C-9EA6-DF929625EA0E}">
         <p15:presenceInfo xmlns:p15="http://schemas.microsoft.com/office/powerpoint/2012/main" userId="Jun Yu (MEDT)" providerId="None"/>
@@ -129,9 +129,9 @@
 
 <file path=ppt/comments/comment1.xml><?xml version="1.0" encoding="utf-8"?>
 <p:cmLst xmlns:a="http://schemas.openxmlformats.org/drawingml/2006/main" xmlns:r="http://schemas.openxmlformats.org/officeDocument/2006/relationships" xmlns:p="http://schemas.openxmlformats.org/presentationml/2006/main">
-  <p:cm authorId="1" dt="2021-10-19T10:21:42.308" idx="1">
-    <p:pos x="1753" y="6103"/>
-    <p:text>add S fig legend</p:text>
+  <p:cm authorId="1" dt="2021-10-19T10:12:05.899" idx="2">
+    <p:pos x="3582" y="449"/>
+    <p:text>Increase the fond size for all the p value and x y lables</p:text>
     <p:extLst>
       <p:ext uri="{C676402C-5697-4E1C-873F-D02D1690AC5C}">
         <p15:threadingInfo xmlns:p15="http://schemas.microsoft.com/office/powerpoint/2012/main" timeZoneBias="-480"/>
@@ -223,7 +223,7 @@
           <a:p>
             <a:fld id="{AA548A79-DF5C-42BC-A964-9ADB8699366B}" type="datetimeFigureOut">
               <a:rPr lang="zh-CN" altLang="en-US" smtClean="0"/>
-              <a:t>2021/10/19</a:t>
+              <a:t>2021/10/22</a:t>
             </a:fld>
             <a:endParaRPr lang="zh-CN" altLang="en-US"/>
           </a:p>
@@ -241,8 +241,8 @@
         </p:nvSpPr>
         <p:spPr>
           <a:xfrm>
-            <a:off x="-538163" y="1143000"/>
-            <a:ext cx="7934326" cy="3086100"/>
+            <a:off x="685800" y="1143000"/>
+            <a:ext cx="5486400" cy="3086100"/>
           </a:xfrm>
           <a:prstGeom prst="rect">
             <a:avLst/>
@@ -397,8 +397,8 @@
   </p:cSld>
   <p:clrMap bg1="lt1" tx1="dk1" bg2="lt2" tx2="dk2" accent1="accent1" accent2="accent2" accent3="accent3" accent4="accent4" accent5="accent5" accent6="accent6" hlink="hlink" folHlink="folHlink"/>
   <p:notesStyle>
-    <a:lvl1pPr marL="0" algn="l" defTabSz="2246384" rtl="0" eaLnBrk="1" latinLnBrk="0" hangingPunct="1">
-      <a:defRPr sz="2948" kern="1200">
+    <a:lvl1pPr marL="0" algn="l" defTabSz="914400" rtl="0" eaLnBrk="1" latinLnBrk="0" hangingPunct="1">
+      <a:defRPr sz="1200" kern="1200">
         <a:solidFill>
           <a:schemeClr val="tx1"/>
         </a:solidFill>
@@ -407,8 +407,8 @@
         <a:cs typeface="+mn-cs"/>
       </a:defRPr>
     </a:lvl1pPr>
-    <a:lvl2pPr marL="1123192" algn="l" defTabSz="2246384" rtl="0" eaLnBrk="1" latinLnBrk="0" hangingPunct="1">
-      <a:defRPr sz="2948" kern="1200">
+    <a:lvl2pPr marL="457200" algn="l" defTabSz="914400" rtl="0" eaLnBrk="1" latinLnBrk="0" hangingPunct="1">
+      <a:defRPr sz="1200" kern="1200">
         <a:solidFill>
           <a:schemeClr val="tx1"/>
         </a:solidFill>
@@ -417,8 +417,8 @@
         <a:cs typeface="+mn-cs"/>
       </a:defRPr>
     </a:lvl2pPr>
-    <a:lvl3pPr marL="2246384" algn="l" defTabSz="2246384" rtl="0" eaLnBrk="1" latinLnBrk="0" hangingPunct="1">
-      <a:defRPr sz="2948" kern="1200">
+    <a:lvl3pPr marL="914400" algn="l" defTabSz="914400" rtl="0" eaLnBrk="1" latinLnBrk="0" hangingPunct="1">
+      <a:defRPr sz="1200" kern="1200">
         <a:solidFill>
           <a:schemeClr val="tx1"/>
         </a:solidFill>
@@ -427,8 +427,8 @@
         <a:cs typeface="+mn-cs"/>
       </a:defRPr>
     </a:lvl3pPr>
-    <a:lvl4pPr marL="3369576" algn="l" defTabSz="2246384" rtl="0" eaLnBrk="1" latinLnBrk="0" hangingPunct="1">
-      <a:defRPr sz="2948" kern="1200">
+    <a:lvl4pPr marL="1371600" algn="l" defTabSz="914400" rtl="0" eaLnBrk="1" latinLnBrk="0" hangingPunct="1">
+      <a:defRPr sz="1200" kern="1200">
         <a:solidFill>
           <a:schemeClr val="tx1"/>
         </a:solidFill>
@@ -437,8 +437,8 @@
         <a:cs typeface="+mn-cs"/>
       </a:defRPr>
     </a:lvl4pPr>
-    <a:lvl5pPr marL="4492768" algn="l" defTabSz="2246384" rtl="0" eaLnBrk="1" latinLnBrk="0" hangingPunct="1">
-      <a:defRPr sz="2948" kern="1200">
+    <a:lvl5pPr marL="1828800" algn="l" defTabSz="914400" rtl="0" eaLnBrk="1" latinLnBrk="0" hangingPunct="1">
+      <a:defRPr sz="1200" kern="1200">
         <a:solidFill>
           <a:schemeClr val="tx1"/>
         </a:solidFill>
@@ -447,8 +447,8 @@
         <a:cs typeface="+mn-cs"/>
       </a:defRPr>
     </a:lvl5pPr>
-    <a:lvl6pPr marL="5615959" algn="l" defTabSz="2246384" rtl="0" eaLnBrk="1" latinLnBrk="0" hangingPunct="1">
-      <a:defRPr sz="2948" kern="1200">
+    <a:lvl6pPr marL="2286000" algn="l" defTabSz="914400" rtl="0" eaLnBrk="1" latinLnBrk="0" hangingPunct="1">
+      <a:defRPr sz="1200" kern="1200">
         <a:solidFill>
           <a:schemeClr val="tx1"/>
         </a:solidFill>
@@ -457,8 +457,8 @@
         <a:cs typeface="+mn-cs"/>
       </a:defRPr>
     </a:lvl6pPr>
-    <a:lvl7pPr marL="6739151" algn="l" defTabSz="2246384" rtl="0" eaLnBrk="1" latinLnBrk="0" hangingPunct="1">
-      <a:defRPr sz="2948" kern="1200">
+    <a:lvl7pPr marL="2743200" algn="l" defTabSz="914400" rtl="0" eaLnBrk="1" latinLnBrk="0" hangingPunct="1">
+      <a:defRPr sz="1200" kern="1200">
         <a:solidFill>
           <a:schemeClr val="tx1"/>
         </a:solidFill>
@@ -467,8 +467,8 @@
         <a:cs typeface="+mn-cs"/>
       </a:defRPr>
     </a:lvl7pPr>
-    <a:lvl8pPr marL="7862343" algn="l" defTabSz="2246384" rtl="0" eaLnBrk="1" latinLnBrk="0" hangingPunct="1">
-      <a:defRPr sz="2948" kern="1200">
+    <a:lvl8pPr marL="3200400" algn="l" defTabSz="914400" rtl="0" eaLnBrk="1" latinLnBrk="0" hangingPunct="1">
+      <a:defRPr sz="1200" kern="1200">
         <a:solidFill>
           <a:schemeClr val="tx1"/>
         </a:solidFill>
@@ -477,8 +477,8 @@
         <a:cs typeface="+mn-cs"/>
       </a:defRPr>
     </a:lvl8pPr>
-    <a:lvl9pPr marL="8985535" algn="l" defTabSz="2246384" rtl="0" eaLnBrk="1" latinLnBrk="0" hangingPunct="1">
-      <a:defRPr sz="2948" kern="1200">
+    <a:lvl9pPr marL="3657600" algn="l" defTabSz="914400" rtl="0" eaLnBrk="1" latinLnBrk="0" hangingPunct="1">
+      <a:defRPr sz="1200" kern="1200">
         <a:solidFill>
           <a:schemeClr val="tx1"/>
         </a:solidFill>
@@ -518,12 +518,7 @@
             <p:ph type="sldImg"/>
           </p:nvPr>
         </p:nvSpPr>
-        <p:spPr>
-          <a:xfrm>
-            <a:off x="-538163" y="1143000"/>
-            <a:ext cx="7934326" cy="3086100"/>
-          </a:xfrm>
-        </p:spPr>
+        <p:spPr/>
       </p:sp>
       <p:sp>
         <p:nvSpPr>
@@ -599,7 +594,13 @@
       </p:grpSpPr>
       <p:sp>
         <p:nvSpPr>
-          <p:cNvPr id="2" name="Title 1"/>
+          <p:cNvPr id="2" name="Title 1">
+            <a:extLst>
+              <a:ext uri="{FF2B5EF4-FFF2-40B4-BE49-F238E27FC236}">
+                <a16:creationId xmlns:a16="http://schemas.microsoft.com/office/drawing/2014/main" id="{53B1D680-7138-45B2-BA66-688654A2FB6B}"/>
+              </a:ext>
+            </a:extLst>
+          </p:cNvPr>
           <p:cNvSpPr>
             <a:spLocks noGrp="1"/>
           </p:cNvSpPr>
@@ -609,29 +610,35 @@
         </p:nvSpPr>
         <p:spPr>
           <a:xfrm>
-            <a:off x="4049911" y="2062083"/>
-            <a:ext cx="24299466" cy="4386662"/>
+            <a:off x="1524000" y="1122363"/>
+            <a:ext cx="9144000" cy="2387600"/>
           </a:xfrm>
         </p:spPr>
         <p:txBody>
           <a:bodyPr anchor="b"/>
           <a:lstStyle>
             <a:lvl1pPr algn="ctr">
-              <a:defRPr sz="11024"/>
+              <a:defRPr sz="6000"/>
             </a:lvl1pPr>
           </a:lstStyle>
           <a:p>
             <a:r>
-              <a:rPr lang="en-US"/>
+              <a:rPr lang="en-US" altLang="zh-CN"/>
               <a:t>Click to edit Master title style</a:t>
             </a:r>
-            <a:endParaRPr lang="en-US" dirty="0"/>
-          </a:p>
-        </p:txBody>
-      </p:sp>
-      <p:sp>
-        <p:nvSpPr>
-          <p:cNvPr id="3" name="Subtitle 2"/>
+            <a:endParaRPr lang="zh-CN" altLang="en-US"/>
+          </a:p>
+        </p:txBody>
+      </p:sp>
+      <p:sp>
+        <p:nvSpPr>
+          <p:cNvPr id="3" name="Subtitle 2">
+            <a:extLst>
+              <a:ext uri="{FF2B5EF4-FFF2-40B4-BE49-F238E27FC236}">
+                <a16:creationId xmlns:a16="http://schemas.microsoft.com/office/drawing/2014/main" id="{B7118576-0342-4C65-82C1-0B0BC2422107}"/>
+              </a:ext>
+            </a:extLst>
+          </p:cNvPr>
           <p:cNvSpPr>
             <a:spLocks noGrp="1"/>
           </p:cNvSpPr>
@@ -641,8 +648,8 @@
         </p:nvSpPr>
         <p:spPr>
           <a:xfrm>
-            <a:off x="4049911" y="6617911"/>
-            <a:ext cx="24299466" cy="3042080"/>
+            <a:off x="1524000" y="3602038"/>
+            <a:ext cx="9144000" cy="1655762"/>
           </a:xfrm>
         </p:spPr>
         <p:txBody>
@@ -650,53 +657,59 @@
           <a:lstStyle>
             <a:lvl1pPr marL="0" indent="0" algn="ctr">
               <a:buNone/>
-              <a:defRPr sz="4410"/>
+              <a:defRPr sz="2400"/>
             </a:lvl1pPr>
-            <a:lvl2pPr marL="840014" indent="0" algn="ctr">
-              <a:buNone/>
-              <a:defRPr sz="3675"/>
+            <a:lvl2pPr marL="457200" indent="0" algn="ctr">
+              <a:buNone/>
+              <a:defRPr sz="2000"/>
             </a:lvl2pPr>
-            <a:lvl3pPr marL="1680027" indent="0" algn="ctr">
-              <a:buNone/>
-              <a:defRPr sz="3307"/>
+            <a:lvl3pPr marL="914400" indent="0" algn="ctr">
+              <a:buNone/>
+              <a:defRPr sz="1800"/>
             </a:lvl3pPr>
-            <a:lvl4pPr marL="2520041" indent="0" algn="ctr">
-              <a:buNone/>
-              <a:defRPr sz="2940"/>
+            <a:lvl4pPr marL="1371600" indent="0" algn="ctr">
+              <a:buNone/>
+              <a:defRPr sz="1600"/>
             </a:lvl4pPr>
-            <a:lvl5pPr marL="3360054" indent="0" algn="ctr">
-              <a:buNone/>
-              <a:defRPr sz="2940"/>
+            <a:lvl5pPr marL="1828800" indent="0" algn="ctr">
+              <a:buNone/>
+              <a:defRPr sz="1600"/>
             </a:lvl5pPr>
-            <a:lvl6pPr marL="4200068" indent="0" algn="ctr">
-              <a:buNone/>
-              <a:defRPr sz="2940"/>
+            <a:lvl6pPr marL="2286000" indent="0" algn="ctr">
+              <a:buNone/>
+              <a:defRPr sz="1600"/>
             </a:lvl6pPr>
-            <a:lvl7pPr marL="5040081" indent="0" algn="ctr">
-              <a:buNone/>
-              <a:defRPr sz="2940"/>
+            <a:lvl7pPr marL="2743200" indent="0" algn="ctr">
+              <a:buNone/>
+              <a:defRPr sz="1600"/>
             </a:lvl7pPr>
-            <a:lvl8pPr marL="5880095" indent="0" algn="ctr">
-              <a:buNone/>
-              <a:defRPr sz="2940"/>
+            <a:lvl8pPr marL="3200400" indent="0" algn="ctr">
+              <a:buNone/>
+              <a:defRPr sz="1600"/>
             </a:lvl8pPr>
-            <a:lvl9pPr marL="6720108" indent="0" algn="ctr">
-              <a:buNone/>
-              <a:defRPr sz="2940"/>
+            <a:lvl9pPr marL="3657600" indent="0" algn="ctr">
+              <a:buNone/>
+              <a:defRPr sz="1600"/>
             </a:lvl9pPr>
           </a:lstStyle>
           <a:p>
             <a:r>
-              <a:rPr lang="en-US"/>
+              <a:rPr lang="en-US" altLang="zh-CN"/>
               <a:t>Click to edit Master subtitle style</a:t>
             </a:r>
-            <a:endParaRPr lang="en-US" dirty="0"/>
-          </a:p>
-        </p:txBody>
-      </p:sp>
-      <p:sp>
-        <p:nvSpPr>
-          <p:cNvPr id="4" name="Date Placeholder 3"/>
+            <a:endParaRPr lang="zh-CN" altLang="en-US"/>
+          </a:p>
+        </p:txBody>
+      </p:sp>
+      <p:sp>
+        <p:nvSpPr>
+          <p:cNvPr id="4" name="Date Placeholder 3">
+            <a:extLst>
+              <a:ext uri="{FF2B5EF4-FFF2-40B4-BE49-F238E27FC236}">
+                <a16:creationId xmlns:a16="http://schemas.microsoft.com/office/drawing/2014/main" id="{65271E58-CC43-47D7-9AE2-9ED2BE42E0B0}"/>
+              </a:ext>
+            </a:extLst>
+          </p:cNvPr>
           <p:cNvSpPr>
             <a:spLocks noGrp="1"/>
           </p:cNvSpPr>
@@ -711,7 +724,7 @@
           <a:p>
             <a:fld id="{C21F6666-3EDE-4E8B-BC82-F371B9B084D1}" type="datetimeFigureOut">
               <a:rPr lang="zh-CN" altLang="en-US" smtClean="0"/>
-              <a:t>2021/10/19</a:t>
+              <a:t>2021/10/22</a:t>
             </a:fld>
             <a:endParaRPr lang="zh-CN" altLang="en-US"/>
           </a:p>
@@ -719,7 +732,13 @@
       </p:sp>
       <p:sp>
         <p:nvSpPr>
-          <p:cNvPr id="5" name="Footer Placeholder 4"/>
+          <p:cNvPr id="5" name="Footer Placeholder 4">
+            <a:extLst>
+              <a:ext uri="{FF2B5EF4-FFF2-40B4-BE49-F238E27FC236}">
+                <a16:creationId xmlns:a16="http://schemas.microsoft.com/office/drawing/2014/main" id="{41E497BE-7849-4454-9B9D-5110DA2AEB87}"/>
+              </a:ext>
+            </a:extLst>
+          </p:cNvPr>
           <p:cNvSpPr>
             <a:spLocks noGrp="1"/>
           </p:cNvSpPr>
@@ -738,7 +757,13 @@
       </p:sp>
       <p:sp>
         <p:nvSpPr>
-          <p:cNvPr id="6" name="Slide Number Placeholder 5"/>
+          <p:cNvPr id="6" name="Slide Number Placeholder 5">
+            <a:extLst>
+              <a:ext uri="{FF2B5EF4-FFF2-40B4-BE49-F238E27FC236}">
+                <a16:creationId xmlns:a16="http://schemas.microsoft.com/office/drawing/2014/main" id="{9CD15EAA-094C-4FCF-A5DD-AD0E52871917}"/>
+              </a:ext>
+            </a:extLst>
+          </p:cNvPr>
           <p:cNvSpPr>
             <a:spLocks noGrp="1"/>
           </p:cNvSpPr>
@@ -762,7 +787,7 @@
     </p:spTree>
     <p:extLst>
       <p:ext uri="{BB962C8B-B14F-4D97-AF65-F5344CB8AC3E}">
-        <p14:creationId xmlns:p14="http://schemas.microsoft.com/office/powerpoint/2010/main" val="1503245140"/>
+        <p14:creationId xmlns:p14="http://schemas.microsoft.com/office/powerpoint/2010/main" val="2138938514"/>
       </p:ext>
     </p:extLst>
   </p:cSld>
@@ -791,7 +816,13 @@
       </p:grpSpPr>
       <p:sp>
         <p:nvSpPr>
-          <p:cNvPr id="2" name="Title 1"/>
+          <p:cNvPr id="2" name="Title 1">
+            <a:extLst>
+              <a:ext uri="{FF2B5EF4-FFF2-40B4-BE49-F238E27FC236}">
+                <a16:creationId xmlns:a16="http://schemas.microsoft.com/office/drawing/2014/main" id="{FD7EBEC5-2614-4A51-A8CB-F9040920C9A0}"/>
+              </a:ext>
+            </a:extLst>
+          </p:cNvPr>
           <p:cNvSpPr>
             <a:spLocks noGrp="1"/>
           </p:cNvSpPr>
@@ -805,16 +836,22 @@
           <a:lstStyle/>
           <a:p>
             <a:r>
-              <a:rPr lang="en-US"/>
+              <a:rPr lang="en-US" altLang="zh-CN"/>
               <a:t>Click to edit Master title style</a:t>
             </a:r>
-            <a:endParaRPr lang="en-US" dirty="0"/>
-          </a:p>
-        </p:txBody>
-      </p:sp>
-      <p:sp>
-        <p:nvSpPr>
-          <p:cNvPr id="3" name="Vertical Text Placeholder 2"/>
+            <a:endParaRPr lang="zh-CN" altLang="en-US"/>
+          </a:p>
+        </p:txBody>
+      </p:sp>
+      <p:sp>
+        <p:nvSpPr>
+          <p:cNvPr id="3" name="Vertical Text Placeholder 2">
+            <a:extLst>
+              <a:ext uri="{FF2B5EF4-FFF2-40B4-BE49-F238E27FC236}">
+                <a16:creationId xmlns:a16="http://schemas.microsoft.com/office/drawing/2014/main" id="{5DB1AF10-69FA-4634-B7C6-001B6B7596CA}"/>
+              </a:ext>
+            </a:extLst>
+          </p:cNvPr>
           <p:cNvSpPr>
             <a:spLocks noGrp="1"/>
           </p:cNvSpPr>
@@ -829,44 +866,50 @@
           <a:p>
             <a:pPr lvl="0"/>
             <a:r>
-              <a:rPr lang="en-US"/>
-              <a:t>Edit Master text styles</a:t>
+              <a:rPr lang="en-US" altLang="zh-CN"/>
+              <a:t>Click to edit Master text styles</a:t>
             </a:r>
           </a:p>
           <a:p>
             <a:pPr lvl="1"/>
             <a:r>
-              <a:rPr lang="en-US"/>
+              <a:rPr lang="en-US" altLang="zh-CN"/>
               <a:t>Second level</a:t>
             </a:r>
           </a:p>
           <a:p>
             <a:pPr lvl="2"/>
             <a:r>
-              <a:rPr lang="en-US"/>
+              <a:rPr lang="en-US" altLang="zh-CN"/>
               <a:t>Third level</a:t>
             </a:r>
           </a:p>
           <a:p>
             <a:pPr lvl="3"/>
             <a:r>
-              <a:rPr lang="en-US"/>
+              <a:rPr lang="en-US" altLang="zh-CN"/>
               <a:t>Fourth level</a:t>
             </a:r>
           </a:p>
           <a:p>
             <a:pPr lvl="4"/>
             <a:r>
-              <a:rPr lang="en-US"/>
+              <a:rPr lang="en-US" altLang="zh-CN"/>
               <a:t>Fifth level</a:t>
             </a:r>
-            <a:endParaRPr lang="en-US" dirty="0"/>
-          </a:p>
-        </p:txBody>
-      </p:sp>
-      <p:sp>
-        <p:nvSpPr>
-          <p:cNvPr id="4" name="Date Placeholder 3"/>
+            <a:endParaRPr lang="zh-CN" altLang="en-US"/>
+          </a:p>
+        </p:txBody>
+      </p:sp>
+      <p:sp>
+        <p:nvSpPr>
+          <p:cNvPr id="4" name="Date Placeholder 3">
+            <a:extLst>
+              <a:ext uri="{FF2B5EF4-FFF2-40B4-BE49-F238E27FC236}">
+                <a16:creationId xmlns:a16="http://schemas.microsoft.com/office/drawing/2014/main" id="{0B9218EB-F593-49D9-8020-ACD5AD2B9FC9}"/>
+              </a:ext>
+            </a:extLst>
+          </p:cNvPr>
           <p:cNvSpPr>
             <a:spLocks noGrp="1"/>
           </p:cNvSpPr>
@@ -881,7 +924,7 @@
           <a:p>
             <a:fld id="{C21F6666-3EDE-4E8B-BC82-F371B9B084D1}" type="datetimeFigureOut">
               <a:rPr lang="zh-CN" altLang="en-US" smtClean="0"/>
-              <a:t>2021/10/19</a:t>
+              <a:t>2021/10/22</a:t>
             </a:fld>
             <a:endParaRPr lang="zh-CN" altLang="en-US"/>
           </a:p>
@@ -889,7 +932,13 @@
       </p:sp>
       <p:sp>
         <p:nvSpPr>
-          <p:cNvPr id="5" name="Footer Placeholder 4"/>
+          <p:cNvPr id="5" name="Footer Placeholder 4">
+            <a:extLst>
+              <a:ext uri="{FF2B5EF4-FFF2-40B4-BE49-F238E27FC236}">
+                <a16:creationId xmlns:a16="http://schemas.microsoft.com/office/drawing/2014/main" id="{DBBB3384-043C-41A7-97BC-E73FA298C362}"/>
+              </a:ext>
+            </a:extLst>
+          </p:cNvPr>
           <p:cNvSpPr>
             <a:spLocks noGrp="1"/>
           </p:cNvSpPr>
@@ -908,7 +957,13 @@
       </p:sp>
       <p:sp>
         <p:nvSpPr>
-          <p:cNvPr id="6" name="Slide Number Placeholder 5"/>
+          <p:cNvPr id="6" name="Slide Number Placeholder 5">
+            <a:extLst>
+              <a:ext uri="{FF2B5EF4-FFF2-40B4-BE49-F238E27FC236}">
+                <a16:creationId xmlns:a16="http://schemas.microsoft.com/office/drawing/2014/main" id="{45985377-1338-44FD-AB41-78E4BC872E65}"/>
+              </a:ext>
+            </a:extLst>
+          </p:cNvPr>
           <p:cNvSpPr>
             <a:spLocks noGrp="1"/>
           </p:cNvSpPr>
@@ -932,7 +987,7 @@
     </p:spTree>
     <p:extLst>
       <p:ext uri="{BB962C8B-B14F-4D97-AF65-F5344CB8AC3E}">
-        <p14:creationId xmlns:p14="http://schemas.microsoft.com/office/powerpoint/2010/main" val="472876478"/>
+        <p14:creationId xmlns:p14="http://schemas.microsoft.com/office/powerpoint/2010/main" val="2348869001"/>
       </p:ext>
     </p:extLst>
   </p:cSld>
@@ -961,7 +1016,13 @@
       </p:grpSpPr>
       <p:sp>
         <p:nvSpPr>
-          <p:cNvPr id="2" name="Vertical Title 1"/>
+          <p:cNvPr id="2" name="Vertical Title 1">
+            <a:extLst>
+              <a:ext uri="{FF2B5EF4-FFF2-40B4-BE49-F238E27FC236}">
+                <a16:creationId xmlns:a16="http://schemas.microsoft.com/office/drawing/2014/main" id="{59A5564D-0DC6-4EBF-B795-7951C09BB1A9}"/>
+              </a:ext>
+            </a:extLst>
+          </p:cNvPr>
           <p:cNvSpPr>
             <a:spLocks noGrp="1"/>
           </p:cNvSpPr>
@@ -971,8 +1032,8 @@
         </p:nvSpPr>
         <p:spPr>
           <a:xfrm>
-            <a:off x="23185741" y="670833"/>
-            <a:ext cx="6986096" cy="10677907"/>
+            <a:off x="8724900" y="365125"/>
+            <a:ext cx="2628900" cy="5811838"/>
           </a:xfrm>
         </p:spPr>
         <p:txBody>
@@ -980,16 +1041,22 @@
           <a:lstStyle/>
           <a:p>
             <a:r>
-              <a:rPr lang="en-US"/>
+              <a:rPr lang="en-US" altLang="zh-CN"/>
               <a:t>Click to edit Master title style</a:t>
             </a:r>
-            <a:endParaRPr lang="en-US" dirty="0"/>
-          </a:p>
-        </p:txBody>
-      </p:sp>
-      <p:sp>
-        <p:nvSpPr>
-          <p:cNvPr id="3" name="Vertical Text Placeholder 2"/>
+            <a:endParaRPr lang="zh-CN" altLang="en-US"/>
+          </a:p>
+        </p:txBody>
+      </p:sp>
+      <p:sp>
+        <p:nvSpPr>
+          <p:cNvPr id="3" name="Vertical Text Placeholder 2">
+            <a:extLst>
+              <a:ext uri="{FF2B5EF4-FFF2-40B4-BE49-F238E27FC236}">
+                <a16:creationId xmlns:a16="http://schemas.microsoft.com/office/drawing/2014/main" id="{30F53E33-4110-4E07-A462-0A6E9EA3DB0E}"/>
+              </a:ext>
+            </a:extLst>
+          </p:cNvPr>
           <p:cNvSpPr>
             <a:spLocks noGrp="1"/>
           </p:cNvSpPr>
@@ -999,8 +1066,8 @@
         </p:nvSpPr>
         <p:spPr>
           <a:xfrm>
-            <a:off x="2227451" y="670833"/>
-            <a:ext cx="20553298" cy="10677907"/>
+            <a:off x="838200" y="365125"/>
+            <a:ext cx="7734300" cy="5811838"/>
           </a:xfrm>
         </p:spPr>
         <p:txBody>
@@ -1009,44 +1076,50 @@
           <a:p>
             <a:pPr lvl="0"/>
             <a:r>
-              <a:rPr lang="en-US"/>
-              <a:t>Edit Master text styles</a:t>
+              <a:rPr lang="en-US" altLang="zh-CN"/>
+              <a:t>Click to edit Master text styles</a:t>
             </a:r>
           </a:p>
           <a:p>
             <a:pPr lvl="1"/>
             <a:r>
-              <a:rPr lang="en-US"/>
+              <a:rPr lang="en-US" altLang="zh-CN"/>
               <a:t>Second level</a:t>
             </a:r>
           </a:p>
           <a:p>
             <a:pPr lvl="2"/>
             <a:r>
-              <a:rPr lang="en-US"/>
+              <a:rPr lang="en-US" altLang="zh-CN"/>
               <a:t>Third level</a:t>
             </a:r>
           </a:p>
           <a:p>
             <a:pPr lvl="3"/>
             <a:r>
-              <a:rPr lang="en-US"/>
+              <a:rPr lang="en-US" altLang="zh-CN"/>
               <a:t>Fourth level</a:t>
             </a:r>
           </a:p>
           <a:p>
             <a:pPr lvl="4"/>
             <a:r>
-              <a:rPr lang="en-US"/>
+              <a:rPr lang="en-US" altLang="zh-CN"/>
               <a:t>Fifth level</a:t>
             </a:r>
-            <a:endParaRPr lang="en-US" dirty="0"/>
-          </a:p>
-        </p:txBody>
-      </p:sp>
-      <p:sp>
-        <p:nvSpPr>
-          <p:cNvPr id="4" name="Date Placeholder 3"/>
+            <a:endParaRPr lang="zh-CN" altLang="en-US"/>
+          </a:p>
+        </p:txBody>
+      </p:sp>
+      <p:sp>
+        <p:nvSpPr>
+          <p:cNvPr id="4" name="Date Placeholder 3">
+            <a:extLst>
+              <a:ext uri="{FF2B5EF4-FFF2-40B4-BE49-F238E27FC236}">
+                <a16:creationId xmlns:a16="http://schemas.microsoft.com/office/drawing/2014/main" id="{1E737CBE-7822-4406-9354-D4A5307951AC}"/>
+              </a:ext>
+            </a:extLst>
+          </p:cNvPr>
           <p:cNvSpPr>
             <a:spLocks noGrp="1"/>
           </p:cNvSpPr>
@@ -1061,7 +1134,7 @@
           <a:p>
             <a:fld id="{C21F6666-3EDE-4E8B-BC82-F371B9B084D1}" type="datetimeFigureOut">
               <a:rPr lang="zh-CN" altLang="en-US" smtClean="0"/>
-              <a:t>2021/10/19</a:t>
+              <a:t>2021/10/22</a:t>
             </a:fld>
             <a:endParaRPr lang="zh-CN" altLang="en-US"/>
           </a:p>
@@ -1069,7 +1142,13 @@
       </p:sp>
       <p:sp>
         <p:nvSpPr>
-          <p:cNvPr id="5" name="Footer Placeholder 4"/>
+          <p:cNvPr id="5" name="Footer Placeholder 4">
+            <a:extLst>
+              <a:ext uri="{FF2B5EF4-FFF2-40B4-BE49-F238E27FC236}">
+                <a16:creationId xmlns:a16="http://schemas.microsoft.com/office/drawing/2014/main" id="{3AEB6A1E-F724-4D13-B4B9-3D95EB4383F0}"/>
+              </a:ext>
+            </a:extLst>
+          </p:cNvPr>
           <p:cNvSpPr>
             <a:spLocks noGrp="1"/>
           </p:cNvSpPr>
@@ -1088,7 +1167,13 @@
       </p:sp>
       <p:sp>
         <p:nvSpPr>
-          <p:cNvPr id="6" name="Slide Number Placeholder 5"/>
+          <p:cNvPr id="6" name="Slide Number Placeholder 5">
+            <a:extLst>
+              <a:ext uri="{FF2B5EF4-FFF2-40B4-BE49-F238E27FC236}">
+                <a16:creationId xmlns:a16="http://schemas.microsoft.com/office/drawing/2014/main" id="{42F602E9-C897-4522-B303-7041CF389297}"/>
+              </a:ext>
+            </a:extLst>
+          </p:cNvPr>
           <p:cNvSpPr>
             <a:spLocks noGrp="1"/>
           </p:cNvSpPr>
@@ -1112,7 +1197,7 @@
     </p:spTree>
     <p:extLst>
       <p:ext uri="{BB962C8B-B14F-4D97-AF65-F5344CB8AC3E}">
-        <p14:creationId xmlns:p14="http://schemas.microsoft.com/office/powerpoint/2010/main" val="3838212023"/>
+        <p14:creationId xmlns:p14="http://schemas.microsoft.com/office/powerpoint/2010/main" val="3442313582"/>
       </p:ext>
     </p:extLst>
   </p:cSld>
@@ -1141,7 +1226,13 @@
       </p:grpSpPr>
       <p:sp>
         <p:nvSpPr>
-          <p:cNvPr id="2" name="Title 1"/>
+          <p:cNvPr id="2" name="Title 1">
+            <a:extLst>
+              <a:ext uri="{FF2B5EF4-FFF2-40B4-BE49-F238E27FC236}">
+                <a16:creationId xmlns:a16="http://schemas.microsoft.com/office/drawing/2014/main" id="{548E9CEF-2A87-4AD8-B6DF-CAB73908E325}"/>
+              </a:ext>
+            </a:extLst>
+          </p:cNvPr>
           <p:cNvSpPr>
             <a:spLocks noGrp="1"/>
           </p:cNvSpPr>
@@ -1155,16 +1246,22 @@
           <a:lstStyle/>
           <a:p>
             <a:r>
-              <a:rPr lang="en-US"/>
+              <a:rPr lang="en-US" altLang="zh-CN"/>
               <a:t>Click to edit Master title style</a:t>
             </a:r>
-            <a:endParaRPr lang="en-US" dirty="0"/>
-          </a:p>
-        </p:txBody>
-      </p:sp>
-      <p:sp>
-        <p:nvSpPr>
-          <p:cNvPr id="3" name="Content Placeholder 2"/>
+            <a:endParaRPr lang="zh-CN" altLang="en-US"/>
+          </a:p>
+        </p:txBody>
+      </p:sp>
+      <p:sp>
+        <p:nvSpPr>
+          <p:cNvPr id="3" name="Content Placeholder 2">
+            <a:extLst>
+              <a:ext uri="{FF2B5EF4-FFF2-40B4-BE49-F238E27FC236}">
+                <a16:creationId xmlns:a16="http://schemas.microsoft.com/office/drawing/2014/main" id="{2B75C52C-65E1-40DB-A820-8C826CEE735C}"/>
+              </a:ext>
+            </a:extLst>
+          </p:cNvPr>
           <p:cNvSpPr>
             <a:spLocks noGrp="1"/>
           </p:cNvSpPr>
@@ -1179,44 +1276,50 @@
           <a:p>
             <a:pPr lvl="0"/>
             <a:r>
-              <a:rPr lang="en-US"/>
-              <a:t>Edit Master text styles</a:t>
+              <a:rPr lang="en-US" altLang="zh-CN"/>
+              <a:t>Click to edit Master text styles</a:t>
             </a:r>
           </a:p>
           <a:p>
             <a:pPr lvl="1"/>
             <a:r>
-              <a:rPr lang="en-US"/>
+              <a:rPr lang="en-US" altLang="zh-CN"/>
               <a:t>Second level</a:t>
             </a:r>
           </a:p>
           <a:p>
             <a:pPr lvl="2"/>
             <a:r>
-              <a:rPr lang="en-US"/>
+              <a:rPr lang="en-US" altLang="zh-CN"/>
               <a:t>Third level</a:t>
             </a:r>
           </a:p>
           <a:p>
             <a:pPr lvl="3"/>
             <a:r>
-              <a:rPr lang="en-US"/>
+              <a:rPr lang="en-US" altLang="zh-CN"/>
               <a:t>Fourth level</a:t>
             </a:r>
           </a:p>
           <a:p>
             <a:pPr lvl="4"/>
             <a:r>
-              <a:rPr lang="en-US"/>
+              <a:rPr lang="en-US" altLang="zh-CN"/>
               <a:t>Fifth level</a:t>
             </a:r>
-            <a:endParaRPr lang="en-US" dirty="0"/>
-          </a:p>
-        </p:txBody>
-      </p:sp>
-      <p:sp>
-        <p:nvSpPr>
-          <p:cNvPr id="4" name="Date Placeholder 3"/>
+            <a:endParaRPr lang="zh-CN" altLang="en-US"/>
+          </a:p>
+        </p:txBody>
+      </p:sp>
+      <p:sp>
+        <p:nvSpPr>
+          <p:cNvPr id="4" name="Date Placeholder 3">
+            <a:extLst>
+              <a:ext uri="{FF2B5EF4-FFF2-40B4-BE49-F238E27FC236}">
+                <a16:creationId xmlns:a16="http://schemas.microsoft.com/office/drawing/2014/main" id="{EF9F29F8-CD2F-4EB8-A46B-55AB8B07F6C3}"/>
+              </a:ext>
+            </a:extLst>
+          </p:cNvPr>
           <p:cNvSpPr>
             <a:spLocks noGrp="1"/>
           </p:cNvSpPr>
@@ -1231,7 +1334,7 @@
           <a:p>
             <a:fld id="{C21F6666-3EDE-4E8B-BC82-F371B9B084D1}" type="datetimeFigureOut">
               <a:rPr lang="zh-CN" altLang="en-US" smtClean="0"/>
-              <a:t>2021/10/19</a:t>
+              <a:t>2021/10/22</a:t>
             </a:fld>
             <a:endParaRPr lang="zh-CN" altLang="en-US"/>
           </a:p>
@@ -1239,7 +1342,13 @@
       </p:sp>
       <p:sp>
         <p:nvSpPr>
-          <p:cNvPr id="5" name="Footer Placeholder 4"/>
+          <p:cNvPr id="5" name="Footer Placeholder 4">
+            <a:extLst>
+              <a:ext uri="{FF2B5EF4-FFF2-40B4-BE49-F238E27FC236}">
+                <a16:creationId xmlns:a16="http://schemas.microsoft.com/office/drawing/2014/main" id="{8513C64B-52AE-45CD-9C79-9A72A07BAE54}"/>
+              </a:ext>
+            </a:extLst>
+          </p:cNvPr>
           <p:cNvSpPr>
             <a:spLocks noGrp="1"/>
           </p:cNvSpPr>
@@ -1258,7 +1367,13 @@
       </p:sp>
       <p:sp>
         <p:nvSpPr>
-          <p:cNvPr id="6" name="Slide Number Placeholder 5"/>
+          <p:cNvPr id="6" name="Slide Number Placeholder 5">
+            <a:extLst>
+              <a:ext uri="{FF2B5EF4-FFF2-40B4-BE49-F238E27FC236}">
+                <a16:creationId xmlns:a16="http://schemas.microsoft.com/office/drawing/2014/main" id="{273CD346-1C2F-49A3-BABF-71FF34EEC4EF}"/>
+              </a:ext>
+            </a:extLst>
+          </p:cNvPr>
           <p:cNvSpPr>
             <a:spLocks noGrp="1"/>
           </p:cNvSpPr>
@@ -1282,7 +1397,7 @@
     </p:spTree>
     <p:extLst>
       <p:ext uri="{BB962C8B-B14F-4D97-AF65-F5344CB8AC3E}">
-        <p14:creationId xmlns:p14="http://schemas.microsoft.com/office/powerpoint/2010/main" val="4062417600"/>
+        <p14:creationId xmlns:p14="http://schemas.microsoft.com/office/powerpoint/2010/main" val="1911016915"/>
       </p:ext>
     </p:extLst>
   </p:cSld>
@@ -1311,7 +1426,13 @@
       </p:grpSpPr>
       <p:sp>
         <p:nvSpPr>
-          <p:cNvPr id="2" name="Title 1"/>
+          <p:cNvPr id="2" name="Title 1">
+            <a:extLst>
+              <a:ext uri="{FF2B5EF4-FFF2-40B4-BE49-F238E27FC236}">
+                <a16:creationId xmlns:a16="http://schemas.microsoft.com/office/drawing/2014/main" id="{21B79502-8712-438A-B9C6-1960D7DDC1D8}"/>
+              </a:ext>
+            </a:extLst>
+          </p:cNvPr>
           <p:cNvSpPr>
             <a:spLocks noGrp="1"/>
           </p:cNvSpPr>
@@ -1321,29 +1442,35 @@
         </p:nvSpPr>
         <p:spPr>
           <a:xfrm>
-            <a:off x="2210576" y="3141249"/>
-            <a:ext cx="27944386" cy="5241244"/>
+            <a:off x="831850" y="1709738"/>
+            <a:ext cx="10515600" cy="2852737"/>
           </a:xfrm>
         </p:spPr>
         <p:txBody>
           <a:bodyPr anchor="b"/>
           <a:lstStyle>
             <a:lvl1pPr>
-              <a:defRPr sz="11024"/>
+              <a:defRPr sz="6000"/>
             </a:lvl1pPr>
           </a:lstStyle>
           <a:p>
             <a:r>
-              <a:rPr lang="en-US"/>
+              <a:rPr lang="en-US" altLang="zh-CN"/>
               <a:t>Click to edit Master title style</a:t>
             </a:r>
-            <a:endParaRPr lang="en-US" dirty="0"/>
-          </a:p>
-        </p:txBody>
-      </p:sp>
-      <p:sp>
-        <p:nvSpPr>
-          <p:cNvPr id="3" name="Text Placeholder 2"/>
+            <a:endParaRPr lang="zh-CN" altLang="en-US"/>
+          </a:p>
+        </p:txBody>
+      </p:sp>
+      <p:sp>
+        <p:nvSpPr>
+          <p:cNvPr id="3" name="Text Placeholder 2">
+            <a:extLst>
+              <a:ext uri="{FF2B5EF4-FFF2-40B4-BE49-F238E27FC236}">
+                <a16:creationId xmlns:a16="http://schemas.microsoft.com/office/drawing/2014/main" id="{9F700DBE-75BB-4761-8F92-126AF5059906}"/>
+              </a:ext>
+            </a:extLst>
+          </p:cNvPr>
           <p:cNvSpPr>
             <a:spLocks noGrp="1"/>
           </p:cNvSpPr>
@@ -1353,8 +1480,8 @@
         </p:nvSpPr>
         <p:spPr>
           <a:xfrm>
-            <a:off x="2210576" y="8432077"/>
-            <a:ext cx="27944386" cy="2756246"/>
+            <a:off x="831850" y="4589463"/>
+            <a:ext cx="10515600" cy="1500187"/>
           </a:xfrm>
         </p:spPr>
         <p:txBody>
@@ -1362,7 +1489,7 @@
           <a:lstStyle>
             <a:lvl1pPr marL="0" indent="0">
               <a:buNone/>
-              <a:defRPr sz="4410">
+              <a:defRPr sz="2400">
                 <a:solidFill>
                   <a:schemeClr val="tx1">
                     <a:tint val="75000"/>
@@ -1370,9 +1497,9 @@
                 </a:solidFill>
               </a:defRPr>
             </a:lvl1pPr>
-            <a:lvl2pPr marL="840014" indent="0">
-              <a:buNone/>
-              <a:defRPr sz="3675">
+            <a:lvl2pPr marL="457200" indent="0">
+              <a:buNone/>
+              <a:defRPr sz="2000">
                 <a:solidFill>
                   <a:schemeClr val="tx1">
                     <a:tint val="75000"/>
@@ -1380,9 +1507,9 @@
                 </a:solidFill>
               </a:defRPr>
             </a:lvl2pPr>
-            <a:lvl3pPr marL="1680027" indent="0">
-              <a:buNone/>
-              <a:defRPr sz="3307">
+            <a:lvl3pPr marL="914400" indent="0">
+              <a:buNone/>
+              <a:defRPr sz="1800">
                 <a:solidFill>
                   <a:schemeClr val="tx1">
                     <a:tint val="75000"/>
@@ -1390,9 +1517,9 @@
                 </a:solidFill>
               </a:defRPr>
             </a:lvl3pPr>
-            <a:lvl4pPr marL="2520041" indent="0">
-              <a:buNone/>
-              <a:defRPr sz="2940">
+            <a:lvl4pPr marL="1371600" indent="0">
+              <a:buNone/>
+              <a:defRPr sz="1600">
                 <a:solidFill>
                   <a:schemeClr val="tx1">
                     <a:tint val="75000"/>
@@ -1400,9 +1527,9 @@
                 </a:solidFill>
               </a:defRPr>
             </a:lvl4pPr>
-            <a:lvl5pPr marL="3360054" indent="0">
-              <a:buNone/>
-              <a:defRPr sz="2940">
+            <a:lvl5pPr marL="1828800" indent="0">
+              <a:buNone/>
+              <a:defRPr sz="1600">
                 <a:solidFill>
                   <a:schemeClr val="tx1">
                     <a:tint val="75000"/>
@@ -1410,9 +1537,9 @@
                 </a:solidFill>
               </a:defRPr>
             </a:lvl5pPr>
-            <a:lvl6pPr marL="4200068" indent="0">
-              <a:buNone/>
-              <a:defRPr sz="2940">
+            <a:lvl6pPr marL="2286000" indent="0">
+              <a:buNone/>
+              <a:defRPr sz="1600">
                 <a:solidFill>
                   <a:schemeClr val="tx1">
                     <a:tint val="75000"/>
@@ -1420,9 +1547,9 @@
                 </a:solidFill>
               </a:defRPr>
             </a:lvl6pPr>
-            <a:lvl7pPr marL="5040081" indent="0">
-              <a:buNone/>
-              <a:defRPr sz="2940">
+            <a:lvl7pPr marL="2743200" indent="0">
+              <a:buNone/>
+              <a:defRPr sz="1600">
                 <a:solidFill>
                   <a:schemeClr val="tx1">
                     <a:tint val="75000"/>
@@ -1430,9 +1557,9 @@
                 </a:solidFill>
               </a:defRPr>
             </a:lvl7pPr>
-            <a:lvl8pPr marL="5880095" indent="0">
-              <a:buNone/>
-              <a:defRPr sz="2940">
+            <a:lvl8pPr marL="3200400" indent="0">
+              <a:buNone/>
+              <a:defRPr sz="1600">
                 <a:solidFill>
                   <a:schemeClr val="tx1">
                     <a:tint val="75000"/>
@@ -1440,9 +1567,9 @@
                 </a:solidFill>
               </a:defRPr>
             </a:lvl8pPr>
-            <a:lvl9pPr marL="6720108" indent="0">
-              <a:buNone/>
-              <a:defRPr sz="2940">
+            <a:lvl9pPr marL="3657600" indent="0">
+              <a:buNone/>
+              <a:defRPr sz="1600">
                 <a:solidFill>
                   <a:schemeClr val="tx1">
                     <a:tint val="75000"/>
@@ -1454,15 +1581,21 @@
           <a:p>
             <a:pPr lvl="0"/>
             <a:r>
-              <a:rPr lang="en-US"/>
-              <a:t>Edit Master text styles</a:t>
-            </a:r>
-          </a:p>
-        </p:txBody>
-      </p:sp>
-      <p:sp>
-        <p:nvSpPr>
-          <p:cNvPr id="4" name="Date Placeholder 3"/>
+              <a:rPr lang="en-US" altLang="zh-CN"/>
+              <a:t>Click to edit Master text styles</a:t>
+            </a:r>
+          </a:p>
+        </p:txBody>
+      </p:sp>
+      <p:sp>
+        <p:nvSpPr>
+          <p:cNvPr id="4" name="Date Placeholder 3">
+            <a:extLst>
+              <a:ext uri="{FF2B5EF4-FFF2-40B4-BE49-F238E27FC236}">
+                <a16:creationId xmlns:a16="http://schemas.microsoft.com/office/drawing/2014/main" id="{F5A3B69B-1F9F-4820-B577-E04E89BEE242}"/>
+              </a:ext>
+            </a:extLst>
+          </p:cNvPr>
           <p:cNvSpPr>
             <a:spLocks noGrp="1"/>
           </p:cNvSpPr>
@@ -1477,7 +1610,7 @@
           <a:p>
             <a:fld id="{C21F6666-3EDE-4E8B-BC82-F371B9B084D1}" type="datetimeFigureOut">
               <a:rPr lang="zh-CN" altLang="en-US" smtClean="0"/>
-              <a:t>2021/10/19</a:t>
+              <a:t>2021/10/22</a:t>
             </a:fld>
             <a:endParaRPr lang="zh-CN" altLang="en-US"/>
           </a:p>
@@ -1485,7 +1618,13 @@
       </p:sp>
       <p:sp>
         <p:nvSpPr>
-          <p:cNvPr id="5" name="Footer Placeholder 4"/>
+          <p:cNvPr id="5" name="Footer Placeholder 4">
+            <a:extLst>
+              <a:ext uri="{FF2B5EF4-FFF2-40B4-BE49-F238E27FC236}">
+                <a16:creationId xmlns:a16="http://schemas.microsoft.com/office/drawing/2014/main" id="{FF8D3138-4450-4702-A587-7F7A32071B19}"/>
+              </a:ext>
+            </a:extLst>
+          </p:cNvPr>
           <p:cNvSpPr>
             <a:spLocks noGrp="1"/>
           </p:cNvSpPr>
@@ -1504,7 +1643,13 @@
       </p:sp>
       <p:sp>
         <p:nvSpPr>
-          <p:cNvPr id="6" name="Slide Number Placeholder 5"/>
+          <p:cNvPr id="6" name="Slide Number Placeholder 5">
+            <a:extLst>
+              <a:ext uri="{FF2B5EF4-FFF2-40B4-BE49-F238E27FC236}">
+                <a16:creationId xmlns:a16="http://schemas.microsoft.com/office/drawing/2014/main" id="{F7517FEE-D1AB-4DD6-B9E0-4F4835B1303D}"/>
+              </a:ext>
+            </a:extLst>
+          </p:cNvPr>
           <p:cNvSpPr>
             <a:spLocks noGrp="1"/>
           </p:cNvSpPr>
@@ -1528,7 +1673,7 @@
     </p:spTree>
     <p:extLst>
       <p:ext uri="{BB962C8B-B14F-4D97-AF65-F5344CB8AC3E}">
-        <p14:creationId xmlns:p14="http://schemas.microsoft.com/office/powerpoint/2010/main" val="1546453256"/>
+        <p14:creationId xmlns:p14="http://schemas.microsoft.com/office/powerpoint/2010/main" val="3395382161"/>
       </p:ext>
     </p:extLst>
   </p:cSld>
@@ -1557,7 +1702,13 @@
       </p:grpSpPr>
       <p:sp>
         <p:nvSpPr>
-          <p:cNvPr id="2" name="Title 1"/>
+          <p:cNvPr id="2" name="Title 1">
+            <a:extLst>
+              <a:ext uri="{FF2B5EF4-FFF2-40B4-BE49-F238E27FC236}">
+                <a16:creationId xmlns:a16="http://schemas.microsoft.com/office/drawing/2014/main" id="{78BA546B-6B80-490C-B7D4-378111BE4717}"/>
+              </a:ext>
+            </a:extLst>
+          </p:cNvPr>
           <p:cNvSpPr>
             <a:spLocks noGrp="1"/>
           </p:cNvSpPr>
@@ -1571,16 +1722,22 @@
           <a:lstStyle/>
           <a:p>
             <a:r>
-              <a:rPr lang="en-US"/>
+              <a:rPr lang="en-US" altLang="zh-CN"/>
               <a:t>Click to edit Master title style</a:t>
             </a:r>
-            <a:endParaRPr lang="en-US" dirty="0"/>
-          </a:p>
-        </p:txBody>
-      </p:sp>
-      <p:sp>
-        <p:nvSpPr>
-          <p:cNvPr id="3" name="Content Placeholder 2"/>
+            <a:endParaRPr lang="zh-CN" altLang="en-US"/>
+          </a:p>
+        </p:txBody>
+      </p:sp>
+      <p:sp>
+        <p:nvSpPr>
+          <p:cNvPr id="3" name="Content Placeholder 2">
+            <a:extLst>
+              <a:ext uri="{FF2B5EF4-FFF2-40B4-BE49-F238E27FC236}">
+                <a16:creationId xmlns:a16="http://schemas.microsoft.com/office/drawing/2014/main" id="{1979A79E-A50B-497C-A039-E2C45F86F5B4}"/>
+              </a:ext>
+            </a:extLst>
+          </p:cNvPr>
           <p:cNvSpPr>
             <a:spLocks noGrp="1"/>
           </p:cNvSpPr>
@@ -1590,8 +1747,8 @@
         </p:nvSpPr>
         <p:spPr>
           <a:xfrm>
-            <a:off x="2227451" y="3354163"/>
-            <a:ext cx="13769697" cy="7994577"/>
+            <a:off x="838200" y="1825625"/>
+            <a:ext cx="5181600" cy="4351338"/>
           </a:xfrm>
         </p:spPr>
         <p:txBody>
@@ -1600,44 +1757,50 @@
           <a:p>
             <a:pPr lvl="0"/>
             <a:r>
-              <a:rPr lang="en-US"/>
-              <a:t>Edit Master text styles</a:t>
+              <a:rPr lang="en-US" altLang="zh-CN"/>
+              <a:t>Click to edit Master text styles</a:t>
             </a:r>
           </a:p>
           <a:p>
             <a:pPr lvl="1"/>
             <a:r>
-              <a:rPr lang="en-US"/>
+              <a:rPr lang="en-US" altLang="zh-CN"/>
               <a:t>Second level</a:t>
             </a:r>
           </a:p>
           <a:p>
             <a:pPr lvl="2"/>
             <a:r>
-              <a:rPr lang="en-US"/>
+              <a:rPr lang="en-US" altLang="zh-CN"/>
               <a:t>Third level</a:t>
             </a:r>
           </a:p>
           <a:p>
             <a:pPr lvl="3"/>
             <a:r>
-              <a:rPr lang="en-US"/>
+              <a:rPr lang="en-US" altLang="zh-CN"/>
               <a:t>Fourth level</a:t>
             </a:r>
           </a:p>
           <a:p>
             <a:pPr lvl="4"/>
             <a:r>
-              <a:rPr lang="en-US"/>
+              <a:rPr lang="en-US" altLang="zh-CN"/>
               <a:t>Fifth level</a:t>
             </a:r>
-            <a:endParaRPr lang="en-US" dirty="0"/>
-          </a:p>
-        </p:txBody>
-      </p:sp>
-      <p:sp>
-        <p:nvSpPr>
-          <p:cNvPr id="4" name="Content Placeholder 3"/>
+            <a:endParaRPr lang="zh-CN" altLang="en-US"/>
+          </a:p>
+        </p:txBody>
+      </p:sp>
+      <p:sp>
+        <p:nvSpPr>
+          <p:cNvPr id="4" name="Content Placeholder 3">
+            <a:extLst>
+              <a:ext uri="{FF2B5EF4-FFF2-40B4-BE49-F238E27FC236}">
+                <a16:creationId xmlns:a16="http://schemas.microsoft.com/office/drawing/2014/main" id="{B8733EFD-A300-4F67-9B7E-1238E6E79597}"/>
+              </a:ext>
+            </a:extLst>
+          </p:cNvPr>
           <p:cNvSpPr>
             <a:spLocks noGrp="1"/>
           </p:cNvSpPr>
@@ -1647,8 +1810,8 @@
         </p:nvSpPr>
         <p:spPr>
           <a:xfrm>
-            <a:off x="16402140" y="3354163"/>
-            <a:ext cx="13769697" cy="7994577"/>
+            <a:off x="6172200" y="1825625"/>
+            <a:ext cx="5181600" cy="4351338"/>
           </a:xfrm>
         </p:spPr>
         <p:txBody>
@@ -1657,44 +1820,50 @@
           <a:p>
             <a:pPr lvl="0"/>
             <a:r>
-              <a:rPr lang="en-US"/>
-              <a:t>Edit Master text styles</a:t>
+              <a:rPr lang="en-US" altLang="zh-CN"/>
+              <a:t>Click to edit Master text styles</a:t>
             </a:r>
           </a:p>
           <a:p>
             <a:pPr lvl="1"/>
             <a:r>
-              <a:rPr lang="en-US"/>
+              <a:rPr lang="en-US" altLang="zh-CN"/>
               <a:t>Second level</a:t>
             </a:r>
           </a:p>
           <a:p>
             <a:pPr lvl="2"/>
             <a:r>
-              <a:rPr lang="en-US"/>
+              <a:rPr lang="en-US" altLang="zh-CN"/>
               <a:t>Third level</a:t>
             </a:r>
           </a:p>
           <a:p>
             <a:pPr lvl="3"/>
             <a:r>
-              <a:rPr lang="en-US"/>
+              <a:rPr lang="en-US" altLang="zh-CN"/>
               <a:t>Fourth level</a:t>
             </a:r>
           </a:p>
           <a:p>
             <a:pPr lvl="4"/>
             <a:r>
-              <a:rPr lang="en-US"/>
+              <a:rPr lang="en-US" altLang="zh-CN"/>
               <a:t>Fifth level</a:t>
             </a:r>
-            <a:endParaRPr lang="en-US" dirty="0"/>
-          </a:p>
-        </p:txBody>
-      </p:sp>
-      <p:sp>
-        <p:nvSpPr>
-          <p:cNvPr id="5" name="Date Placeholder 4"/>
+            <a:endParaRPr lang="zh-CN" altLang="en-US"/>
+          </a:p>
+        </p:txBody>
+      </p:sp>
+      <p:sp>
+        <p:nvSpPr>
+          <p:cNvPr id="5" name="Date Placeholder 4">
+            <a:extLst>
+              <a:ext uri="{FF2B5EF4-FFF2-40B4-BE49-F238E27FC236}">
+                <a16:creationId xmlns:a16="http://schemas.microsoft.com/office/drawing/2014/main" id="{DFE587D1-2894-457E-AC1E-C8F60148549B}"/>
+              </a:ext>
+            </a:extLst>
+          </p:cNvPr>
           <p:cNvSpPr>
             <a:spLocks noGrp="1"/>
           </p:cNvSpPr>
@@ -1709,7 +1878,7 @@
           <a:p>
             <a:fld id="{C21F6666-3EDE-4E8B-BC82-F371B9B084D1}" type="datetimeFigureOut">
               <a:rPr lang="zh-CN" altLang="en-US" smtClean="0"/>
-              <a:t>2021/10/19</a:t>
+              <a:t>2021/10/22</a:t>
             </a:fld>
             <a:endParaRPr lang="zh-CN" altLang="en-US"/>
           </a:p>
@@ -1717,7 +1886,13 @@
       </p:sp>
       <p:sp>
         <p:nvSpPr>
-          <p:cNvPr id="6" name="Footer Placeholder 5"/>
+          <p:cNvPr id="6" name="Footer Placeholder 5">
+            <a:extLst>
+              <a:ext uri="{FF2B5EF4-FFF2-40B4-BE49-F238E27FC236}">
+                <a16:creationId xmlns:a16="http://schemas.microsoft.com/office/drawing/2014/main" id="{363D795F-A2BA-46AA-A7D6-B8A1B7267659}"/>
+              </a:ext>
+            </a:extLst>
+          </p:cNvPr>
           <p:cNvSpPr>
             <a:spLocks noGrp="1"/>
           </p:cNvSpPr>
@@ -1736,7 +1911,13 @@
       </p:sp>
       <p:sp>
         <p:nvSpPr>
-          <p:cNvPr id="7" name="Slide Number Placeholder 6"/>
+          <p:cNvPr id="7" name="Slide Number Placeholder 6">
+            <a:extLst>
+              <a:ext uri="{FF2B5EF4-FFF2-40B4-BE49-F238E27FC236}">
+                <a16:creationId xmlns:a16="http://schemas.microsoft.com/office/drawing/2014/main" id="{AB992E19-C7F8-476C-A144-16178678510A}"/>
+              </a:ext>
+            </a:extLst>
+          </p:cNvPr>
           <p:cNvSpPr>
             <a:spLocks noGrp="1"/>
           </p:cNvSpPr>
@@ -1760,7 +1941,7 @@
     </p:spTree>
     <p:extLst>
       <p:ext uri="{BB962C8B-B14F-4D97-AF65-F5344CB8AC3E}">
-        <p14:creationId xmlns:p14="http://schemas.microsoft.com/office/powerpoint/2010/main" val="2801815224"/>
+        <p14:creationId xmlns:p14="http://schemas.microsoft.com/office/powerpoint/2010/main" val="2085000898"/>
       </p:ext>
     </p:extLst>
   </p:cSld>
@@ -1789,7 +1970,13 @@
       </p:grpSpPr>
       <p:sp>
         <p:nvSpPr>
-          <p:cNvPr id="2" name="Title 1"/>
+          <p:cNvPr id="2" name="Title 1">
+            <a:extLst>
+              <a:ext uri="{FF2B5EF4-FFF2-40B4-BE49-F238E27FC236}">
+                <a16:creationId xmlns:a16="http://schemas.microsoft.com/office/drawing/2014/main" id="{3F663EFD-9EED-4828-BDDA-A89E827DF0AA}"/>
+              </a:ext>
+            </a:extLst>
+          </p:cNvPr>
           <p:cNvSpPr>
             <a:spLocks noGrp="1"/>
           </p:cNvSpPr>
@@ -1799,8 +1986,8 @@
         </p:nvSpPr>
         <p:spPr>
           <a:xfrm>
-            <a:off x="2231671" y="670834"/>
-            <a:ext cx="27944386" cy="2435415"/>
+            <a:off x="839788" y="365125"/>
+            <a:ext cx="10515600" cy="1325563"/>
           </a:xfrm>
         </p:spPr>
         <p:txBody>
@@ -1808,16 +1995,22 @@
           <a:lstStyle/>
           <a:p>
             <a:r>
-              <a:rPr lang="en-US"/>
+              <a:rPr lang="en-US" altLang="zh-CN"/>
               <a:t>Click to edit Master title style</a:t>
             </a:r>
-            <a:endParaRPr lang="en-US" dirty="0"/>
-          </a:p>
-        </p:txBody>
-      </p:sp>
-      <p:sp>
-        <p:nvSpPr>
-          <p:cNvPr id="3" name="Text Placeholder 2"/>
+            <a:endParaRPr lang="zh-CN" altLang="en-US"/>
+          </a:p>
+        </p:txBody>
+      </p:sp>
+      <p:sp>
+        <p:nvSpPr>
+          <p:cNvPr id="3" name="Text Placeholder 2">
+            <a:extLst>
+              <a:ext uri="{FF2B5EF4-FFF2-40B4-BE49-F238E27FC236}">
+                <a16:creationId xmlns:a16="http://schemas.microsoft.com/office/drawing/2014/main" id="{7463D9AA-5900-4DC3-B1CA-186AA2F249E5}"/>
+              </a:ext>
+            </a:extLst>
+          </p:cNvPr>
           <p:cNvSpPr>
             <a:spLocks noGrp="1"/>
           </p:cNvSpPr>
@@ -1827,8 +2020,8 @@
         </p:nvSpPr>
         <p:spPr>
           <a:xfrm>
-            <a:off x="2231672" y="3088748"/>
-            <a:ext cx="13706416" cy="1513748"/>
+            <a:off x="839788" y="1681163"/>
+            <a:ext cx="5157787" cy="823912"/>
           </a:xfrm>
         </p:spPr>
         <p:txBody>
@@ -1836,53 +2029,59 @@
           <a:lstStyle>
             <a:lvl1pPr marL="0" indent="0">
               <a:buNone/>
-              <a:defRPr sz="4410" b="1"/>
+              <a:defRPr sz="2400" b="1"/>
             </a:lvl1pPr>
-            <a:lvl2pPr marL="840014" indent="0">
-              <a:buNone/>
-              <a:defRPr sz="3675" b="1"/>
+            <a:lvl2pPr marL="457200" indent="0">
+              <a:buNone/>
+              <a:defRPr sz="2000" b="1"/>
             </a:lvl2pPr>
-            <a:lvl3pPr marL="1680027" indent="0">
-              <a:buNone/>
-              <a:defRPr sz="3307" b="1"/>
+            <a:lvl3pPr marL="914400" indent="0">
+              <a:buNone/>
+              <a:defRPr sz="1800" b="1"/>
             </a:lvl3pPr>
-            <a:lvl4pPr marL="2520041" indent="0">
-              <a:buNone/>
-              <a:defRPr sz="2940" b="1"/>
+            <a:lvl4pPr marL="1371600" indent="0">
+              <a:buNone/>
+              <a:defRPr sz="1600" b="1"/>
             </a:lvl4pPr>
-            <a:lvl5pPr marL="3360054" indent="0">
-              <a:buNone/>
-              <a:defRPr sz="2940" b="1"/>
+            <a:lvl5pPr marL="1828800" indent="0">
+              <a:buNone/>
+              <a:defRPr sz="1600" b="1"/>
             </a:lvl5pPr>
-            <a:lvl6pPr marL="4200068" indent="0">
-              <a:buNone/>
-              <a:defRPr sz="2940" b="1"/>
+            <a:lvl6pPr marL="2286000" indent="0">
+              <a:buNone/>
+              <a:defRPr sz="1600" b="1"/>
             </a:lvl6pPr>
-            <a:lvl7pPr marL="5040081" indent="0">
-              <a:buNone/>
-              <a:defRPr sz="2940" b="1"/>
+            <a:lvl7pPr marL="2743200" indent="0">
+              <a:buNone/>
+              <a:defRPr sz="1600" b="1"/>
             </a:lvl7pPr>
-            <a:lvl8pPr marL="5880095" indent="0">
-              <a:buNone/>
-              <a:defRPr sz="2940" b="1"/>
+            <a:lvl8pPr marL="3200400" indent="0">
+              <a:buNone/>
+              <a:defRPr sz="1600" b="1"/>
             </a:lvl8pPr>
-            <a:lvl9pPr marL="6720108" indent="0">
-              <a:buNone/>
-              <a:defRPr sz="2940" b="1"/>
+            <a:lvl9pPr marL="3657600" indent="0">
+              <a:buNone/>
+              <a:defRPr sz="1600" b="1"/>
             </a:lvl9pPr>
           </a:lstStyle>
           <a:p>
             <a:pPr lvl="0"/>
             <a:r>
-              <a:rPr lang="en-US"/>
-              <a:t>Edit Master text styles</a:t>
-            </a:r>
-          </a:p>
-        </p:txBody>
-      </p:sp>
-      <p:sp>
-        <p:nvSpPr>
-          <p:cNvPr id="4" name="Content Placeholder 3"/>
+              <a:rPr lang="en-US" altLang="zh-CN"/>
+              <a:t>Click to edit Master text styles</a:t>
+            </a:r>
+          </a:p>
+        </p:txBody>
+      </p:sp>
+      <p:sp>
+        <p:nvSpPr>
+          <p:cNvPr id="4" name="Content Placeholder 3">
+            <a:extLst>
+              <a:ext uri="{FF2B5EF4-FFF2-40B4-BE49-F238E27FC236}">
+                <a16:creationId xmlns:a16="http://schemas.microsoft.com/office/drawing/2014/main" id="{1E918D1E-EAC4-4352-B356-655F2E4CB80F}"/>
+              </a:ext>
+            </a:extLst>
+          </p:cNvPr>
           <p:cNvSpPr>
             <a:spLocks noGrp="1"/>
           </p:cNvSpPr>
@@ -1892,8 +2091,8 @@
         </p:nvSpPr>
         <p:spPr>
           <a:xfrm>
-            <a:off x="2231672" y="4602496"/>
-            <a:ext cx="13706416" cy="6769578"/>
+            <a:off x="839788" y="2505075"/>
+            <a:ext cx="5157787" cy="3684588"/>
           </a:xfrm>
         </p:spPr>
         <p:txBody>
@@ -1902,44 +2101,50 @@
           <a:p>
             <a:pPr lvl="0"/>
             <a:r>
-              <a:rPr lang="en-US"/>
-              <a:t>Edit Master text styles</a:t>
+              <a:rPr lang="en-US" altLang="zh-CN"/>
+              <a:t>Click to edit Master text styles</a:t>
             </a:r>
           </a:p>
           <a:p>
             <a:pPr lvl="1"/>
             <a:r>
-              <a:rPr lang="en-US"/>
+              <a:rPr lang="en-US" altLang="zh-CN"/>
               <a:t>Second level</a:t>
             </a:r>
           </a:p>
           <a:p>
             <a:pPr lvl="2"/>
             <a:r>
-              <a:rPr lang="en-US"/>
+              <a:rPr lang="en-US" altLang="zh-CN"/>
               <a:t>Third level</a:t>
             </a:r>
           </a:p>
           <a:p>
             <a:pPr lvl="3"/>
             <a:r>
-              <a:rPr lang="en-US"/>
+              <a:rPr lang="en-US" altLang="zh-CN"/>
               <a:t>Fourth level</a:t>
             </a:r>
           </a:p>
           <a:p>
             <a:pPr lvl="4"/>
             <a:r>
-              <a:rPr lang="en-US"/>
+              <a:rPr lang="en-US" altLang="zh-CN"/>
               <a:t>Fifth level</a:t>
             </a:r>
-            <a:endParaRPr lang="en-US" dirty="0"/>
-          </a:p>
-        </p:txBody>
-      </p:sp>
-      <p:sp>
-        <p:nvSpPr>
-          <p:cNvPr id="5" name="Text Placeholder 4"/>
+            <a:endParaRPr lang="zh-CN" altLang="en-US"/>
+          </a:p>
+        </p:txBody>
+      </p:sp>
+      <p:sp>
+        <p:nvSpPr>
+          <p:cNvPr id="5" name="Text Placeholder 4">
+            <a:extLst>
+              <a:ext uri="{FF2B5EF4-FFF2-40B4-BE49-F238E27FC236}">
+                <a16:creationId xmlns:a16="http://schemas.microsoft.com/office/drawing/2014/main" id="{C57A4141-B56C-479F-9CA3-2582C84C1CE5}"/>
+              </a:ext>
+            </a:extLst>
+          </p:cNvPr>
           <p:cNvSpPr>
             <a:spLocks noGrp="1"/>
           </p:cNvSpPr>
@@ -1949,8 +2154,8 @@
         </p:nvSpPr>
         <p:spPr>
           <a:xfrm>
-            <a:off x="16402140" y="3088748"/>
-            <a:ext cx="13773917" cy="1513748"/>
+            <a:off x="6172200" y="1681163"/>
+            <a:ext cx="5183188" cy="823912"/>
           </a:xfrm>
         </p:spPr>
         <p:txBody>
@@ -1958,53 +2163,59 @@
           <a:lstStyle>
             <a:lvl1pPr marL="0" indent="0">
               <a:buNone/>
-              <a:defRPr sz="4410" b="1"/>
+              <a:defRPr sz="2400" b="1"/>
             </a:lvl1pPr>
-            <a:lvl2pPr marL="840014" indent="0">
-              <a:buNone/>
-              <a:defRPr sz="3675" b="1"/>
+            <a:lvl2pPr marL="457200" indent="0">
+              <a:buNone/>
+              <a:defRPr sz="2000" b="1"/>
             </a:lvl2pPr>
-            <a:lvl3pPr marL="1680027" indent="0">
-              <a:buNone/>
-              <a:defRPr sz="3307" b="1"/>
+            <a:lvl3pPr marL="914400" indent="0">
+              <a:buNone/>
+              <a:defRPr sz="1800" b="1"/>
             </a:lvl3pPr>
-            <a:lvl4pPr marL="2520041" indent="0">
-              <a:buNone/>
-              <a:defRPr sz="2940" b="1"/>
+            <a:lvl4pPr marL="1371600" indent="0">
+              <a:buNone/>
+              <a:defRPr sz="1600" b="1"/>
             </a:lvl4pPr>
-            <a:lvl5pPr marL="3360054" indent="0">
-              <a:buNone/>
-              <a:defRPr sz="2940" b="1"/>
+            <a:lvl5pPr marL="1828800" indent="0">
+              <a:buNone/>
+              <a:defRPr sz="1600" b="1"/>
             </a:lvl5pPr>
-            <a:lvl6pPr marL="4200068" indent="0">
-              <a:buNone/>
-              <a:defRPr sz="2940" b="1"/>
+            <a:lvl6pPr marL="2286000" indent="0">
+              <a:buNone/>
+              <a:defRPr sz="1600" b="1"/>
             </a:lvl6pPr>
-            <a:lvl7pPr marL="5040081" indent="0">
-              <a:buNone/>
-              <a:defRPr sz="2940" b="1"/>
+            <a:lvl7pPr marL="2743200" indent="0">
+              <a:buNone/>
+              <a:defRPr sz="1600" b="1"/>
             </a:lvl7pPr>
-            <a:lvl8pPr marL="5880095" indent="0">
-              <a:buNone/>
-              <a:defRPr sz="2940" b="1"/>
+            <a:lvl8pPr marL="3200400" indent="0">
+              <a:buNone/>
+              <a:defRPr sz="1600" b="1"/>
             </a:lvl8pPr>
-            <a:lvl9pPr marL="6720108" indent="0">
-              <a:buNone/>
-              <a:defRPr sz="2940" b="1"/>
+            <a:lvl9pPr marL="3657600" indent="0">
+              <a:buNone/>
+              <a:defRPr sz="1600" b="1"/>
             </a:lvl9pPr>
           </a:lstStyle>
           <a:p>
             <a:pPr lvl="0"/>
             <a:r>
-              <a:rPr lang="en-US"/>
-              <a:t>Edit Master text styles</a:t>
-            </a:r>
-          </a:p>
-        </p:txBody>
-      </p:sp>
-      <p:sp>
-        <p:nvSpPr>
-          <p:cNvPr id="6" name="Content Placeholder 5"/>
+              <a:rPr lang="en-US" altLang="zh-CN"/>
+              <a:t>Click to edit Master text styles</a:t>
+            </a:r>
+          </a:p>
+        </p:txBody>
+      </p:sp>
+      <p:sp>
+        <p:nvSpPr>
+          <p:cNvPr id="6" name="Content Placeholder 5">
+            <a:extLst>
+              <a:ext uri="{FF2B5EF4-FFF2-40B4-BE49-F238E27FC236}">
+                <a16:creationId xmlns:a16="http://schemas.microsoft.com/office/drawing/2014/main" id="{EBDB0E7C-408D-42E2-A02A-FF4392140693}"/>
+              </a:ext>
+            </a:extLst>
+          </p:cNvPr>
           <p:cNvSpPr>
             <a:spLocks noGrp="1"/>
           </p:cNvSpPr>
@@ -2014,8 +2225,8 @@
         </p:nvSpPr>
         <p:spPr>
           <a:xfrm>
-            <a:off x="16402140" y="4602496"/>
-            <a:ext cx="13773917" cy="6769578"/>
+            <a:off x="6172200" y="2505075"/>
+            <a:ext cx="5183188" cy="3684588"/>
           </a:xfrm>
         </p:spPr>
         <p:txBody>
@@ -2024,44 +2235,50 @@
           <a:p>
             <a:pPr lvl="0"/>
             <a:r>
-              <a:rPr lang="en-US"/>
-              <a:t>Edit Master text styles</a:t>
+              <a:rPr lang="en-US" altLang="zh-CN"/>
+              <a:t>Click to edit Master text styles</a:t>
             </a:r>
           </a:p>
           <a:p>
             <a:pPr lvl="1"/>
             <a:r>
-              <a:rPr lang="en-US"/>
+              <a:rPr lang="en-US" altLang="zh-CN"/>
               <a:t>Second level</a:t>
             </a:r>
           </a:p>
           <a:p>
             <a:pPr lvl="2"/>
             <a:r>
-              <a:rPr lang="en-US"/>
+              <a:rPr lang="en-US" altLang="zh-CN"/>
               <a:t>Third level</a:t>
             </a:r>
           </a:p>
           <a:p>
             <a:pPr lvl="3"/>
             <a:r>
-              <a:rPr lang="en-US"/>
+              <a:rPr lang="en-US" altLang="zh-CN"/>
               <a:t>Fourth level</a:t>
             </a:r>
           </a:p>
           <a:p>
             <a:pPr lvl="4"/>
             <a:r>
-              <a:rPr lang="en-US"/>
+              <a:rPr lang="en-US" altLang="zh-CN"/>
               <a:t>Fifth level</a:t>
             </a:r>
-            <a:endParaRPr lang="en-US" dirty="0"/>
-          </a:p>
-        </p:txBody>
-      </p:sp>
-      <p:sp>
-        <p:nvSpPr>
-          <p:cNvPr id="7" name="Date Placeholder 6"/>
+            <a:endParaRPr lang="zh-CN" altLang="en-US"/>
+          </a:p>
+        </p:txBody>
+      </p:sp>
+      <p:sp>
+        <p:nvSpPr>
+          <p:cNvPr id="7" name="Date Placeholder 6">
+            <a:extLst>
+              <a:ext uri="{FF2B5EF4-FFF2-40B4-BE49-F238E27FC236}">
+                <a16:creationId xmlns:a16="http://schemas.microsoft.com/office/drawing/2014/main" id="{85C391B9-B36A-4687-8062-202299F688BB}"/>
+              </a:ext>
+            </a:extLst>
+          </p:cNvPr>
           <p:cNvSpPr>
             <a:spLocks noGrp="1"/>
           </p:cNvSpPr>
@@ -2076,7 +2293,7 @@
           <a:p>
             <a:fld id="{C21F6666-3EDE-4E8B-BC82-F371B9B084D1}" type="datetimeFigureOut">
               <a:rPr lang="zh-CN" altLang="en-US" smtClean="0"/>
-              <a:t>2021/10/19</a:t>
+              <a:t>2021/10/22</a:t>
             </a:fld>
             <a:endParaRPr lang="zh-CN" altLang="en-US"/>
           </a:p>
@@ -2084,7 +2301,13 @@
       </p:sp>
       <p:sp>
         <p:nvSpPr>
-          <p:cNvPr id="8" name="Footer Placeholder 7"/>
+          <p:cNvPr id="8" name="Footer Placeholder 7">
+            <a:extLst>
+              <a:ext uri="{FF2B5EF4-FFF2-40B4-BE49-F238E27FC236}">
+                <a16:creationId xmlns:a16="http://schemas.microsoft.com/office/drawing/2014/main" id="{F8CB495C-C51A-4370-B412-26723B32AB10}"/>
+              </a:ext>
+            </a:extLst>
+          </p:cNvPr>
           <p:cNvSpPr>
             <a:spLocks noGrp="1"/>
           </p:cNvSpPr>
@@ -2103,7 +2326,13 @@
       </p:sp>
       <p:sp>
         <p:nvSpPr>
-          <p:cNvPr id="9" name="Slide Number Placeholder 8"/>
+          <p:cNvPr id="9" name="Slide Number Placeholder 8">
+            <a:extLst>
+              <a:ext uri="{FF2B5EF4-FFF2-40B4-BE49-F238E27FC236}">
+                <a16:creationId xmlns:a16="http://schemas.microsoft.com/office/drawing/2014/main" id="{12BFEC8C-3A6D-4170-B19E-866AC0B604E1}"/>
+              </a:ext>
+            </a:extLst>
+          </p:cNvPr>
           <p:cNvSpPr>
             <a:spLocks noGrp="1"/>
           </p:cNvSpPr>
@@ -2127,7 +2356,7 @@
     </p:spTree>
     <p:extLst>
       <p:ext uri="{BB962C8B-B14F-4D97-AF65-F5344CB8AC3E}">
-        <p14:creationId xmlns:p14="http://schemas.microsoft.com/office/powerpoint/2010/main" val="3885126781"/>
+        <p14:creationId xmlns:p14="http://schemas.microsoft.com/office/powerpoint/2010/main" val="2477988984"/>
       </p:ext>
     </p:extLst>
   </p:cSld>
@@ -2156,7 +2385,13 @@
       </p:grpSpPr>
       <p:sp>
         <p:nvSpPr>
-          <p:cNvPr id="2" name="Title 1"/>
+          <p:cNvPr id="2" name="Title 1">
+            <a:extLst>
+              <a:ext uri="{FF2B5EF4-FFF2-40B4-BE49-F238E27FC236}">
+                <a16:creationId xmlns:a16="http://schemas.microsoft.com/office/drawing/2014/main" id="{5349DC57-2FE2-49D7-A848-5CE759B07FD3}"/>
+              </a:ext>
+            </a:extLst>
+          </p:cNvPr>
           <p:cNvSpPr>
             <a:spLocks noGrp="1"/>
           </p:cNvSpPr>
@@ -2170,16 +2405,22 @@
           <a:lstStyle/>
           <a:p>
             <a:r>
-              <a:rPr lang="en-US"/>
+              <a:rPr lang="en-US" altLang="zh-CN"/>
               <a:t>Click to edit Master title style</a:t>
             </a:r>
-            <a:endParaRPr lang="en-US" dirty="0"/>
-          </a:p>
-        </p:txBody>
-      </p:sp>
-      <p:sp>
-        <p:nvSpPr>
-          <p:cNvPr id="3" name="Date Placeholder 2"/>
+            <a:endParaRPr lang="zh-CN" altLang="en-US"/>
+          </a:p>
+        </p:txBody>
+      </p:sp>
+      <p:sp>
+        <p:nvSpPr>
+          <p:cNvPr id="3" name="Date Placeholder 2">
+            <a:extLst>
+              <a:ext uri="{FF2B5EF4-FFF2-40B4-BE49-F238E27FC236}">
+                <a16:creationId xmlns:a16="http://schemas.microsoft.com/office/drawing/2014/main" id="{3B4D0780-CC11-447A-8B04-88FC1A31BE89}"/>
+              </a:ext>
+            </a:extLst>
+          </p:cNvPr>
           <p:cNvSpPr>
             <a:spLocks noGrp="1"/>
           </p:cNvSpPr>
@@ -2194,7 +2435,7 @@
           <a:p>
             <a:fld id="{C21F6666-3EDE-4E8B-BC82-F371B9B084D1}" type="datetimeFigureOut">
               <a:rPr lang="zh-CN" altLang="en-US" smtClean="0"/>
-              <a:t>2021/10/19</a:t>
+              <a:t>2021/10/22</a:t>
             </a:fld>
             <a:endParaRPr lang="zh-CN" altLang="en-US"/>
           </a:p>
@@ -2202,7 +2443,13 @@
       </p:sp>
       <p:sp>
         <p:nvSpPr>
-          <p:cNvPr id="4" name="Footer Placeholder 3"/>
+          <p:cNvPr id="4" name="Footer Placeholder 3">
+            <a:extLst>
+              <a:ext uri="{FF2B5EF4-FFF2-40B4-BE49-F238E27FC236}">
+                <a16:creationId xmlns:a16="http://schemas.microsoft.com/office/drawing/2014/main" id="{B8AFB880-9959-45A6-BABA-F826FBF09F41}"/>
+              </a:ext>
+            </a:extLst>
+          </p:cNvPr>
           <p:cNvSpPr>
             <a:spLocks noGrp="1"/>
           </p:cNvSpPr>
@@ -2221,7 +2468,13 @@
       </p:sp>
       <p:sp>
         <p:nvSpPr>
-          <p:cNvPr id="5" name="Slide Number Placeholder 4"/>
+          <p:cNvPr id="5" name="Slide Number Placeholder 4">
+            <a:extLst>
+              <a:ext uri="{FF2B5EF4-FFF2-40B4-BE49-F238E27FC236}">
+                <a16:creationId xmlns:a16="http://schemas.microsoft.com/office/drawing/2014/main" id="{17025D80-D964-4C9B-8C7F-2558922FBCAE}"/>
+              </a:ext>
+            </a:extLst>
+          </p:cNvPr>
           <p:cNvSpPr>
             <a:spLocks noGrp="1"/>
           </p:cNvSpPr>
@@ -2245,7 +2498,7 @@
     </p:spTree>
     <p:extLst>
       <p:ext uri="{BB962C8B-B14F-4D97-AF65-F5344CB8AC3E}">
-        <p14:creationId xmlns:p14="http://schemas.microsoft.com/office/powerpoint/2010/main" val="1744577124"/>
+        <p14:creationId xmlns:p14="http://schemas.microsoft.com/office/powerpoint/2010/main" val="2598816919"/>
       </p:ext>
     </p:extLst>
   </p:cSld>
@@ -2274,7 +2527,13 @@
       </p:grpSpPr>
       <p:sp>
         <p:nvSpPr>
-          <p:cNvPr id="2" name="Date Placeholder 1"/>
+          <p:cNvPr id="2" name="Date Placeholder 1">
+            <a:extLst>
+              <a:ext uri="{FF2B5EF4-FFF2-40B4-BE49-F238E27FC236}">
+                <a16:creationId xmlns:a16="http://schemas.microsoft.com/office/drawing/2014/main" id="{5D90BB1A-CEE7-44AE-9040-A36106836DC8}"/>
+              </a:ext>
+            </a:extLst>
+          </p:cNvPr>
           <p:cNvSpPr>
             <a:spLocks noGrp="1"/>
           </p:cNvSpPr>
@@ -2289,7 +2548,7 @@
           <a:p>
             <a:fld id="{C21F6666-3EDE-4E8B-BC82-F371B9B084D1}" type="datetimeFigureOut">
               <a:rPr lang="zh-CN" altLang="en-US" smtClean="0"/>
-              <a:t>2021/10/19</a:t>
+              <a:t>2021/10/22</a:t>
             </a:fld>
             <a:endParaRPr lang="zh-CN" altLang="en-US"/>
           </a:p>
@@ -2297,7 +2556,13 @@
       </p:sp>
       <p:sp>
         <p:nvSpPr>
-          <p:cNvPr id="3" name="Footer Placeholder 2"/>
+          <p:cNvPr id="3" name="Footer Placeholder 2">
+            <a:extLst>
+              <a:ext uri="{FF2B5EF4-FFF2-40B4-BE49-F238E27FC236}">
+                <a16:creationId xmlns:a16="http://schemas.microsoft.com/office/drawing/2014/main" id="{B708A434-BB2D-4F7F-8ED8-05F9998BAC14}"/>
+              </a:ext>
+            </a:extLst>
+          </p:cNvPr>
           <p:cNvSpPr>
             <a:spLocks noGrp="1"/>
           </p:cNvSpPr>
@@ -2316,7 +2581,13 @@
       </p:sp>
       <p:sp>
         <p:nvSpPr>
-          <p:cNvPr id="4" name="Slide Number Placeholder 3"/>
+          <p:cNvPr id="4" name="Slide Number Placeholder 3">
+            <a:extLst>
+              <a:ext uri="{FF2B5EF4-FFF2-40B4-BE49-F238E27FC236}">
+                <a16:creationId xmlns:a16="http://schemas.microsoft.com/office/drawing/2014/main" id="{4B9F464A-6B10-49C3-A5CB-648D4C326271}"/>
+              </a:ext>
+            </a:extLst>
+          </p:cNvPr>
           <p:cNvSpPr>
             <a:spLocks noGrp="1"/>
           </p:cNvSpPr>
@@ -2340,7 +2611,7 @@
     </p:spTree>
     <p:extLst>
       <p:ext uri="{BB962C8B-B14F-4D97-AF65-F5344CB8AC3E}">
-        <p14:creationId xmlns:p14="http://schemas.microsoft.com/office/powerpoint/2010/main" val="3878159571"/>
+        <p14:creationId xmlns:p14="http://schemas.microsoft.com/office/powerpoint/2010/main" val="2891473234"/>
       </p:ext>
     </p:extLst>
   </p:cSld>
@@ -2369,7 +2640,13 @@
       </p:grpSpPr>
       <p:sp>
         <p:nvSpPr>
-          <p:cNvPr id="2" name="Title 1"/>
+          <p:cNvPr id="2" name="Title 1">
+            <a:extLst>
+              <a:ext uri="{FF2B5EF4-FFF2-40B4-BE49-F238E27FC236}">
+                <a16:creationId xmlns:a16="http://schemas.microsoft.com/office/drawing/2014/main" id="{C5C58BF7-1FE7-4197-A405-5E92F8516CC6}"/>
+              </a:ext>
+            </a:extLst>
+          </p:cNvPr>
           <p:cNvSpPr>
             <a:spLocks noGrp="1"/>
           </p:cNvSpPr>
@@ -2379,29 +2656,35 @@
         </p:nvSpPr>
         <p:spPr>
           <a:xfrm>
-            <a:off x="2231672" y="839999"/>
-            <a:ext cx="10449613" cy="2939997"/>
+            <a:off x="839788" y="457200"/>
+            <a:ext cx="3932237" cy="1600200"/>
           </a:xfrm>
         </p:spPr>
         <p:txBody>
           <a:bodyPr anchor="b"/>
           <a:lstStyle>
             <a:lvl1pPr>
-              <a:defRPr sz="5879"/>
+              <a:defRPr sz="3200"/>
             </a:lvl1pPr>
           </a:lstStyle>
           <a:p>
             <a:r>
-              <a:rPr lang="en-US"/>
+              <a:rPr lang="en-US" altLang="zh-CN"/>
               <a:t>Click to edit Master title style</a:t>
             </a:r>
-            <a:endParaRPr lang="en-US" dirty="0"/>
-          </a:p>
-        </p:txBody>
-      </p:sp>
-      <p:sp>
-        <p:nvSpPr>
-          <p:cNvPr id="3" name="Content Placeholder 2"/>
+            <a:endParaRPr lang="zh-CN" altLang="en-US"/>
+          </a:p>
+        </p:txBody>
+      </p:sp>
+      <p:sp>
+        <p:nvSpPr>
+          <p:cNvPr id="3" name="Content Placeholder 2">
+            <a:extLst>
+              <a:ext uri="{FF2B5EF4-FFF2-40B4-BE49-F238E27FC236}">
+                <a16:creationId xmlns:a16="http://schemas.microsoft.com/office/drawing/2014/main" id="{3AC5A6F2-E136-44E9-9780-B9822D3DD187}"/>
+              </a:ext>
+            </a:extLst>
+          </p:cNvPr>
           <p:cNvSpPr>
             <a:spLocks noGrp="1"/>
           </p:cNvSpPr>
@@ -2411,82 +2694,88 @@
         </p:nvSpPr>
         <p:spPr>
           <a:xfrm>
-            <a:off x="13773917" y="1814166"/>
-            <a:ext cx="16402140" cy="8954158"/>
+            <a:off x="5183188" y="987425"/>
+            <a:ext cx="6172200" cy="4873625"/>
           </a:xfrm>
         </p:spPr>
         <p:txBody>
           <a:bodyPr/>
           <a:lstStyle>
             <a:lvl1pPr>
-              <a:defRPr sz="5879"/>
+              <a:defRPr sz="3200"/>
             </a:lvl1pPr>
             <a:lvl2pPr>
-              <a:defRPr sz="5144"/>
+              <a:defRPr sz="2800"/>
             </a:lvl2pPr>
             <a:lvl3pPr>
-              <a:defRPr sz="4410"/>
+              <a:defRPr sz="2400"/>
             </a:lvl3pPr>
             <a:lvl4pPr>
-              <a:defRPr sz="3675"/>
+              <a:defRPr sz="2000"/>
             </a:lvl4pPr>
             <a:lvl5pPr>
-              <a:defRPr sz="3675"/>
+              <a:defRPr sz="2000"/>
             </a:lvl5pPr>
             <a:lvl6pPr>
-              <a:defRPr sz="3675"/>
+              <a:defRPr sz="2000"/>
             </a:lvl6pPr>
             <a:lvl7pPr>
-              <a:defRPr sz="3675"/>
+              <a:defRPr sz="2000"/>
             </a:lvl7pPr>
             <a:lvl8pPr>
-              <a:defRPr sz="3675"/>
+              <a:defRPr sz="2000"/>
             </a:lvl8pPr>
             <a:lvl9pPr>
-              <a:defRPr sz="3675"/>
+              <a:defRPr sz="2000"/>
             </a:lvl9pPr>
           </a:lstStyle>
           <a:p>
             <a:pPr lvl="0"/>
             <a:r>
-              <a:rPr lang="en-US"/>
-              <a:t>Edit Master text styles</a:t>
+              <a:rPr lang="en-US" altLang="zh-CN"/>
+              <a:t>Click to edit Master text styles</a:t>
             </a:r>
           </a:p>
           <a:p>
             <a:pPr lvl="1"/>
             <a:r>
-              <a:rPr lang="en-US"/>
+              <a:rPr lang="en-US" altLang="zh-CN"/>
               <a:t>Second level</a:t>
             </a:r>
           </a:p>
           <a:p>
             <a:pPr lvl="2"/>
             <a:r>
-              <a:rPr lang="en-US"/>
+              <a:rPr lang="en-US" altLang="zh-CN"/>
               <a:t>Third level</a:t>
             </a:r>
           </a:p>
           <a:p>
             <a:pPr lvl="3"/>
             <a:r>
-              <a:rPr lang="en-US"/>
+              <a:rPr lang="en-US" altLang="zh-CN"/>
               <a:t>Fourth level</a:t>
             </a:r>
           </a:p>
           <a:p>
             <a:pPr lvl="4"/>
             <a:r>
-              <a:rPr lang="en-US"/>
+              <a:rPr lang="en-US" altLang="zh-CN"/>
               <a:t>Fifth level</a:t>
             </a:r>
-            <a:endParaRPr lang="en-US" dirty="0"/>
-          </a:p>
-        </p:txBody>
-      </p:sp>
-      <p:sp>
-        <p:nvSpPr>
-          <p:cNvPr id="4" name="Text Placeholder 3"/>
+            <a:endParaRPr lang="zh-CN" altLang="en-US"/>
+          </a:p>
+        </p:txBody>
+      </p:sp>
+      <p:sp>
+        <p:nvSpPr>
+          <p:cNvPr id="4" name="Text Placeholder 3">
+            <a:extLst>
+              <a:ext uri="{FF2B5EF4-FFF2-40B4-BE49-F238E27FC236}">
+                <a16:creationId xmlns:a16="http://schemas.microsoft.com/office/drawing/2014/main" id="{50C467EA-5E2D-487E-B9FC-CB53AF007D40}"/>
+              </a:ext>
+            </a:extLst>
+          </p:cNvPr>
           <p:cNvSpPr>
             <a:spLocks noGrp="1"/>
           </p:cNvSpPr>
@@ -2496,8 +2785,8 @@
         </p:nvSpPr>
         <p:spPr>
           <a:xfrm>
-            <a:off x="2231672" y="3779996"/>
-            <a:ext cx="10449613" cy="7002911"/>
+            <a:off x="839788" y="2057400"/>
+            <a:ext cx="3932237" cy="3811588"/>
           </a:xfrm>
         </p:spPr>
         <p:txBody>
@@ -2505,53 +2794,59 @@
           <a:lstStyle>
             <a:lvl1pPr marL="0" indent="0">
               <a:buNone/>
-              <a:defRPr sz="2940"/>
+              <a:defRPr sz="1600"/>
             </a:lvl1pPr>
-            <a:lvl2pPr marL="840014" indent="0">
-              <a:buNone/>
-              <a:defRPr sz="2572"/>
+            <a:lvl2pPr marL="457200" indent="0">
+              <a:buNone/>
+              <a:defRPr sz="1400"/>
             </a:lvl2pPr>
-            <a:lvl3pPr marL="1680027" indent="0">
-              <a:buNone/>
-              <a:defRPr sz="2205"/>
+            <a:lvl3pPr marL="914400" indent="0">
+              <a:buNone/>
+              <a:defRPr sz="1200"/>
             </a:lvl3pPr>
-            <a:lvl4pPr marL="2520041" indent="0">
-              <a:buNone/>
-              <a:defRPr sz="1837"/>
+            <a:lvl4pPr marL="1371600" indent="0">
+              <a:buNone/>
+              <a:defRPr sz="1000"/>
             </a:lvl4pPr>
-            <a:lvl5pPr marL="3360054" indent="0">
-              <a:buNone/>
-              <a:defRPr sz="1837"/>
+            <a:lvl5pPr marL="1828800" indent="0">
+              <a:buNone/>
+              <a:defRPr sz="1000"/>
             </a:lvl5pPr>
-            <a:lvl6pPr marL="4200068" indent="0">
-              <a:buNone/>
-              <a:defRPr sz="1837"/>
+            <a:lvl6pPr marL="2286000" indent="0">
+              <a:buNone/>
+              <a:defRPr sz="1000"/>
             </a:lvl6pPr>
-            <a:lvl7pPr marL="5040081" indent="0">
-              <a:buNone/>
-              <a:defRPr sz="1837"/>
+            <a:lvl7pPr marL="2743200" indent="0">
+              <a:buNone/>
+              <a:defRPr sz="1000"/>
             </a:lvl7pPr>
-            <a:lvl8pPr marL="5880095" indent="0">
-              <a:buNone/>
-              <a:defRPr sz="1837"/>
+            <a:lvl8pPr marL="3200400" indent="0">
+              <a:buNone/>
+              <a:defRPr sz="1000"/>
             </a:lvl8pPr>
-            <a:lvl9pPr marL="6720108" indent="0">
-              <a:buNone/>
-              <a:defRPr sz="1837"/>
+            <a:lvl9pPr marL="3657600" indent="0">
+              <a:buNone/>
+              <a:defRPr sz="1000"/>
             </a:lvl9pPr>
           </a:lstStyle>
           <a:p>
             <a:pPr lvl="0"/>
             <a:r>
-              <a:rPr lang="en-US"/>
-              <a:t>Edit Master text styles</a:t>
-            </a:r>
-          </a:p>
-        </p:txBody>
-      </p:sp>
-      <p:sp>
-        <p:nvSpPr>
-          <p:cNvPr id="5" name="Date Placeholder 4"/>
+              <a:rPr lang="en-US" altLang="zh-CN"/>
+              <a:t>Click to edit Master text styles</a:t>
+            </a:r>
+          </a:p>
+        </p:txBody>
+      </p:sp>
+      <p:sp>
+        <p:nvSpPr>
+          <p:cNvPr id="5" name="Date Placeholder 4">
+            <a:extLst>
+              <a:ext uri="{FF2B5EF4-FFF2-40B4-BE49-F238E27FC236}">
+                <a16:creationId xmlns:a16="http://schemas.microsoft.com/office/drawing/2014/main" id="{CB8E6E50-BFD1-45A0-B83B-7083EB84F918}"/>
+              </a:ext>
+            </a:extLst>
+          </p:cNvPr>
           <p:cNvSpPr>
             <a:spLocks noGrp="1"/>
           </p:cNvSpPr>
@@ -2566,7 +2861,7 @@
           <a:p>
             <a:fld id="{C21F6666-3EDE-4E8B-BC82-F371B9B084D1}" type="datetimeFigureOut">
               <a:rPr lang="zh-CN" altLang="en-US" smtClean="0"/>
-              <a:t>2021/10/19</a:t>
+              <a:t>2021/10/22</a:t>
             </a:fld>
             <a:endParaRPr lang="zh-CN" altLang="en-US"/>
           </a:p>
@@ -2574,7 +2869,13 @@
       </p:sp>
       <p:sp>
         <p:nvSpPr>
-          <p:cNvPr id="6" name="Footer Placeholder 5"/>
+          <p:cNvPr id="6" name="Footer Placeholder 5">
+            <a:extLst>
+              <a:ext uri="{FF2B5EF4-FFF2-40B4-BE49-F238E27FC236}">
+                <a16:creationId xmlns:a16="http://schemas.microsoft.com/office/drawing/2014/main" id="{6BA97DAD-DCC3-4D5B-8E98-4DE6C49D9C26}"/>
+              </a:ext>
+            </a:extLst>
+          </p:cNvPr>
           <p:cNvSpPr>
             <a:spLocks noGrp="1"/>
           </p:cNvSpPr>
@@ -2593,7 +2894,13 @@
       </p:sp>
       <p:sp>
         <p:nvSpPr>
-          <p:cNvPr id="7" name="Slide Number Placeholder 6"/>
+          <p:cNvPr id="7" name="Slide Number Placeholder 6">
+            <a:extLst>
+              <a:ext uri="{FF2B5EF4-FFF2-40B4-BE49-F238E27FC236}">
+                <a16:creationId xmlns:a16="http://schemas.microsoft.com/office/drawing/2014/main" id="{CC139971-D0FB-446A-B437-1D560A32589A}"/>
+              </a:ext>
+            </a:extLst>
+          </p:cNvPr>
           <p:cNvSpPr>
             <a:spLocks noGrp="1"/>
           </p:cNvSpPr>
@@ -2617,7 +2924,7 @@
     </p:spTree>
     <p:extLst>
       <p:ext uri="{BB962C8B-B14F-4D97-AF65-F5344CB8AC3E}">
-        <p14:creationId xmlns:p14="http://schemas.microsoft.com/office/powerpoint/2010/main" val="1436076469"/>
+        <p14:creationId xmlns:p14="http://schemas.microsoft.com/office/powerpoint/2010/main" val="3437144337"/>
       </p:ext>
     </p:extLst>
   </p:cSld>
@@ -2646,7 +2953,13 @@
       </p:grpSpPr>
       <p:sp>
         <p:nvSpPr>
-          <p:cNvPr id="2" name="Title 1"/>
+          <p:cNvPr id="2" name="Title 1">
+            <a:extLst>
+              <a:ext uri="{FF2B5EF4-FFF2-40B4-BE49-F238E27FC236}">
+                <a16:creationId xmlns:a16="http://schemas.microsoft.com/office/drawing/2014/main" id="{F42A5285-CF29-46C7-A963-89D0F0257C7F}"/>
+              </a:ext>
+            </a:extLst>
+          </p:cNvPr>
           <p:cNvSpPr>
             <a:spLocks noGrp="1"/>
           </p:cNvSpPr>
@@ -2656,31 +2969,37 @@
         </p:nvSpPr>
         <p:spPr>
           <a:xfrm>
-            <a:off x="2231672" y="839999"/>
-            <a:ext cx="10449613" cy="2939997"/>
+            <a:off x="839788" y="457200"/>
+            <a:ext cx="3932237" cy="1600200"/>
           </a:xfrm>
         </p:spPr>
         <p:txBody>
           <a:bodyPr anchor="b"/>
           <a:lstStyle>
             <a:lvl1pPr>
-              <a:defRPr sz="5879"/>
+              <a:defRPr sz="3200"/>
             </a:lvl1pPr>
           </a:lstStyle>
           <a:p>
             <a:r>
-              <a:rPr lang="en-US"/>
+              <a:rPr lang="en-US" altLang="zh-CN"/>
               <a:t>Click to edit Master title style</a:t>
             </a:r>
-            <a:endParaRPr lang="en-US" dirty="0"/>
-          </a:p>
-        </p:txBody>
-      </p:sp>
-      <p:sp>
-        <p:nvSpPr>
-          <p:cNvPr id="3" name="Picture Placeholder 2"/>
-          <p:cNvSpPr>
-            <a:spLocks noGrp="1" noChangeAspect="1"/>
+            <a:endParaRPr lang="zh-CN" altLang="en-US"/>
+          </a:p>
+        </p:txBody>
+      </p:sp>
+      <p:sp>
+        <p:nvSpPr>
+          <p:cNvPr id="3" name="Picture Placeholder 2">
+            <a:extLst>
+              <a:ext uri="{FF2B5EF4-FFF2-40B4-BE49-F238E27FC236}">
+                <a16:creationId xmlns:a16="http://schemas.microsoft.com/office/drawing/2014/main" id="{038B5DA4-9885-475F-B6EF-FC36DAFAD491}"/>
+              </a:ext>
+            </a:extLst>
+          </p:cNvPr>
+          <p:cNvSpPr>
+            <a:spLocks noGrp="1"/>
           </p:cNvSpPr>
           <p:nvPr>
             <p:ph type="pic" idx="1"/>
@@ -2688,73 +3007,8 @@
         </p:nvSpPr>
         <p:spPr>
           <a:xfrm>
-            <a:off x="13773917" y="1814166"/>
-            <a:ext cx="16402140" cy="8954158"/>
-          </a:xfrm>
-        </p:spPr>
-        <p:txBody>
-          <a:bodyPr anchor="t"/>
-          <a:lstStyle>
-            <a:lvl1pPr marL="0" indent="0">
-              <a:buNone/>
-              <a:defRPr sz="5879"/>
-            </a:lvl1pPr>
-            <a:lvl2pPr marL="840014" indent="0">
-              <a:buNone/>
-              <a:defRPr sz="5144"/>
-            </a:lvl2pPr>
-            <a:lvl3pPr marL="1680027" indent="0">
-              <a:buNone/>
-              <a:defRPr sz="4410"/>
-            </a:lvl3pPr>
-            <a:lvl4pPr marL="2520041" indent="0">
-              <a:buNone/>
-              <a:defRPr sz="3675"/>
-            </a:lvl4pPr>
-            <a:lvl5pPr marL="3360054" indent="0">
-              <a:buNone/>
-              <a:defRPr sz="3675"/>
-            </a:lvl5pPr>
-            <a:lvl6pPr marL="4200068" indent="0">
-              <a:buNone/>
-              <a:defRPr sz="3675"/>
-            </a:lvl6pPr>
-            <a:lvl7pPr marL="5040081" indent="0">
-              <a:buNone/>
-              <a:defRPr sz="3675"/>
-            </a:lvl7pPr>
-            <a:lvl8pPr marL="5880095" indent="0">
-              <a:buNone/>
-              <a:defRPr sz="3675"/>
-            </a:lvl8pPr>
-            <a:lvl9pPr marL="6720108" indent="0">
-              <a:buNone/>
-              <a:defRPr sz="3675"/>
-            </a:lvl9pPr>
-          </a:lstStyle>
-          <a:p>
-            <a:r>
-              <a:rPr lang="en-US"/>
-              <a:t>Click icon to add picture</a:t>
-            </a:r>
-            <a:endParaRPr lang="en-US" dirty="0"/>
-          </a:p>
-        </p:txBody>
-      </p:sp>
-      <p:sp>
-        <p:nvSpPr>
-          <p:cNvPr id="4" name="Text Placeholder 3"/>
-          <p:cNvSpPr>
-            <a:spLocks noGrp="1"/>
-          </p:cNvSpPr>
-          <p:nvPr>
-            <p:ph type="body" sz="half" idx="2"/>
-          </p:nvPr>
-        </p:nvSpPr>
-        <p:spPr>
-          <a:xfrm>
-            <a:off x="2231672" y="3779996"/>
-            <a:ext cx="10449613" cy="7002911"/>
+            <a:off x="5183188" y="987425"/>
+            <a:ext cx="6172200" cy="4873625"/>
           </a:xfrm>
         </p:spPr>
         <p:txBody>
@@ -2762,53 +3016,126 @@
           <a:lstStyle>
             <a:lvl1pPr marL="0" indent="0">
               <a:buNone/>
-              <a:defRPr sz="2940"/>
+              <a:defRPr sz="3200"/>
             </a:lvl1pPr>
-            <a:lvl2pPr marL="840014" indent="0">
-              <a:buNone/>
-              <a:defRPr sz="2572"/>
+            <a:lvl2pPr marL="457200" indent="0">
+              <a:buNone/>
+              <a:defRPr sz="2800"/>
             </a:lvl2pPr>
-            <a:lvl3pPr marL="1680027" indent="0">
-              <a:buNone/>
-              <a:defRPr sz="2205"/>
+            <a:lvl3pPr marL="914400" indent="0">
+              <a:buNone/>
+              <a:defRPr sz="2400"/>
             </a:lvl3pPr>
-            <a:lvl4pPr marL="2520041" indent="0">
-              <a:buNone/>
-              <a:defRPr sz="1837"/>
+            <a:lvl4pPr marL="1371600" indent="0">
+              <a:buNone/>
+              <a:defRPr sz="2000"/>
             </a:lvl4pPr>
-            <a:lvl5pPr marL="3360054" indent="0">
-              <a:buNone/>
-              <a:defRPr sz="1837"/>
+            <a:lvl5pPr marL="1828800" indent="0">
+              <a:buNone/>
+              <a:defRPr sz="2000"/>
             </a:lvl5pPr>
-            <a:lvl6pPr marL="4200068" indent="0">
-              <a:buNone/>
-              <a:defRPr sz="1837"/>
+            <a:lvl6pPr marL="2286000" indent="0">
+              <a:buNone/>
+              <a:defRPr sz="2000"/>
             </a:lvl6pPr>
-            <a:lvl7pPr marL="5040081" indent="0">
-              <a:buNone/>
-              <a:defRPr sz="1837"/>
+            <a:lvl7pPr marL="2743200" indent="0">
+              <a:buNone/>
+              <a:defRPr sz="2000"/>
             </a:lvl7pPr>
-            <a:lvl8pPr marL="5880095" indent="0">
-              <a:buNone/>
-              <a:defRPr sz="1837"/>
+            <a:lvl8pPr marL="3200400" indent="0">
+              <a:buNone/>
+              <a:defRPr sz="2000"/>
             </a:lvl8pPr>
-            <a:lvl9pPr marL="6720108" indent="0">
-              <a:buNone/>
-              <a:defRPr sz="1837"/>
+            <a:lvl9pPr marL="3657600" indent="0">
+              <a:buNone/>
+              <a:defRPr sz="2000"/>
             </a:lvl9pPr>
           </a:lstStyle>
           <a:p>
+            <a:endParaRPr lang="zh-CN" altLang="en-US"/>
+          </a:p>
+        </p:txBody>
+      </p:sp>
+      <p:sp>
+        <p:nvSpPr>
+          <p:cNvPr id="4" name="Text Placeholder 3">
+            <a:extLst>
+              <a:ext uri="{FF2B5EF4-FFF2-40B4-BE49-F238E27FC236}">
+                <a16:creationId xmlns:a16="http://schemas.microsoft.com/office/drawing/2014/main" id="{B2F1136A-B117-4571-B66C-35DD2A25FFFD}"/>
+              </a:ext>
+            </a:extLst>
+          </p:cNvPr>
+          <p:cNvSpPr>
+            <a:spLocks noGrp="1"/>
+          </p:cNvSpPr>
+          <p:nvPr>
+            <p:ph type="body" sz="half" idx="2"/>
+          </p:nvPr>
+        </p:nvSpPr>
+        <p:spPr>
+          <a:xfrm>
+            <a:off x="839788" y="2057400"/>
+            <a:ext cx="3932237" cy="3811588"/>
+          </a:xfrm>
+        </p:spPr>
+        <p:txBody>
+          <a:bodyPr/>
+          <a:lstStyle>
+            <a:lvl1pPr marL="0" indent="0">
+              <a:buNone/>
+              <a:defRPr sz="1600"/>
+            </a:lvl1pPr>
+            <a:lvl2pPr marL="457200" indent="0">
+              <a:buNone/>
+              <a:defRPr sz="1400"/>
+            </a:lvl2pPr>
+            <a:lvl3pPr marL="914400" indent="0">
+              <a:buNone/>
+              <a:defRPr sz="1200"/>
+            </a:lvl3pPr>
+            <a:lvl4pPr marL="1371600" indent="0">
+              <a:buNone/>
+              <a:defRPr sz="1000"/>
+            </a:lvl4pPr>
+            <a:lvl5pPr marL="1828800" indent="0">
+              <a:buNone/>
+              <a:defRPr sz="1000"/>
+            </a:lvl5pPr>
+            <a:lvl6pPr marL="2286000" indent="0">
+              <a:buNone/>
+              <a:defRPr sz="1000"/>
+            </a:lvl6pPr>
+            <a:lvl7pPr marL="2743200" indent="0">
+              <a:buNone/>
+              <a:defRPr sz="1000"/>
+            </a:lvl7pPr>
+            <a:lvl8pPr marL="3200400" indent="0">
+              <a:buNone/>
+              <a:defRPr sz="1000"/>
+            </a:lvl8pPr>
+            <a:lvl9pPr marL="3657600" indent="0">
+              <a:buNone/>
+              <a:defRPr sz="1000"/>
+            </a:lvl9pPr>
+          </a:lstStyle>
+          <a:p>
             <a:pPr lvl="0"/>
             <a:r>
-              <a:rPr lang="en-US"/>
-              <a:t>Edit Master text styles</a:t>
-            </a:r>
-          </a:p>
-        </p:txBody>
-      </p:sp>
-      <p:sp>
-        <p:nvSpPr>
-          <p:cNvPr id="5" name="Date Placeholder 4"/>
+              <a:rPr lang="en-US" altLang="zh-CN"/>
+              <a:t>Click to edit Master text styles</a:t>
+            </a:r>
+          </a:p>
+        </p:txBody>
+      </p:sp>
+      <p:sp>
+        <p:nvSpPr>
+          <p:cNvPr id="5" name="Date Placeholder 4">
+            <a:extLst>
+              <a:ext uri="{FF2B5EF4-FFF2-40B4-BE49-F238E27FC236}">
+                <a16:creationId xmlns:a16="http://schemas.microsoft.com/office/drawing/2014/main" id="{A2E150BC-8D66-4228-8D2A-87A7AD7E8992}"/>
+              </a:ext>
+            </a:extLst>
+          </p:cNvPr>
           <p:cNvSpPr>
             <a:spLocks noGrp="1"/>
           </p:cNvSpPr>
@@ -2823,7 +3150,7 @@
           <a:p>
             <a:fld id="{C21F6666-3EDE-4E8B-BC82-F371B9B084D1}" type="datetimeFigureOut">
               <a:rPr lang="zh-CN" altLang="en-US" smtClean="0"/>
-              <a:t>2021/10/19</a:t>
+              <a:t>2021/10/22</a:t>
             </a:fld>
             <a:endParaRPr lang="zh-CN" altLang="en-US"/>
           </a:p>
@@ -2831,7 +3158,13 @@
       </p:sp>
       <p:sp>
         <p:nvSpPr>
-          <p:cNvPr id="6" name="Footer Placeholder 5"/>
+          <p:cNvPr id="6" name="Footer Placeholder 5">
+            <a:extLst>
+              <a:ext uri="{FF2B5EF4-FFF2-40B4-BE49-F238E27FC236}">
+                <a16:creationId xmlns:a16="http://schemas.microsoft.com/office/drawing/2014/main" id="{7DB5FB84-C11A-4C59-BFBC-B0EFC6766FDA}"/>
+              </a:ext>
+            </a:extLst>
+          </p:cNvPr>
           <p:cNvSpPr>
             <a:spLocks noGrp="1"/>
           </p:cNvSpPr>
@@ -2850,7 +3183,13 @@
       </p:sp>
       <p:sp>
         <p:nvSpPr>
-          <p:cNvPr id="7" name="Slide Number Placeholder 6"/>
+          <p:cNvPr id="7" name="Slide Number Placeholder 6">
+            <a:extLst>
+              <a:ext uri="{FF2B5EF4-FFF2-40B4-BE49-F238E27FC236}">
+                <a16:creationId xmlns:a16="http://schemas.microsoft.com/office/drawing/2014/main" id="{55D4EE1E-E112-43C1-B307-B53D7D683C32}"/>
+              </a:ext>
+            </a:extLst>
+          </p:cNvPr>
           <p:cNvSpPr>
             <a:spLocks noGrp="1"/>
           </p:cNvSpPr>
@@ -2874,7 +3213,7 @@
     </p:spTree>
     <p:extLst>
       <p:ext uri="{BB962C8B-B14F-4D97-AF65-F5344CB8AC3E}">
-        <p14:creationId xmlns:p14="http://schemas.microsoft.com/office/powerpoint/2010/main" val="355152198"/>
+        <p14:creationId xmlns:p14="http://schemas.microsoft.com/office/powerpoint/2010/main" val="4128018453"/>
       </p:ext>
     </p:extLst>
   </p:cSld>
@@ -2908,7 +3247,13 @@
       </p:grpSpPr>
       <p:sp>
         <p:nvSpPr>
-          <p:cNvPr id="2" name="Title Placeholder 1"/>
+          <p:cNvPr id="2" name="Title Placeholder 1">
+            <a:extLst>
+              <a:ext uri="{FF2B5EF4-FFF2-40B4-BE49-F238E27FC236}">
+                <a16:creationId xmlns:a16="http://schemas.microsoft.com/office/drawing/2014/main" id="{3AFB7550-214B-4E52-A71B-49872A62A617}"/>
+              </a:ext>
+            </a:extLst>
+          </p:cNvPr>
           <p:cNvSpPr>
             <a:spLocks noGrp="1"/>
           </p:cNvSpPr>
@@ -2918,8 +3263,8 @@
         </p:nvSpPr>
         <p:spPr>
           <a:xfrm>
-            <a:off x="2227451" y="670834"/>
-            <a:ext cx="27944386" cy="2435415"/>
+            <a:off x="838200" y="365125"/>
+            <a:ext cx="10515600" cy="1325563"/>
           </a:xfrm>
           <a:prstGeom prst="rect">
             <a:avLst/>
@@ -2932,16 +3277,22 @@
           <a:lstStyle/>
           <a:p>
             <a:r>
-              <a:rPr lang="en-US"/>
+              <a:rPr lang="en-US" altLang="zh-CN"/>
               <a:t>Click to edit Master title style</a:t>
             </a:r>
-            <a:endParaRPr lang="en-US" dirty="0"/>
-          </a:p>
-        </p:txBody>
-      </p:sp>
-      <p:sp>
-        <p:nvSpPr>
-          <p:cNvPr id="3" name="Text Placeholder 2"/>
+            <a:endParaRPr lang="zh-CN" altLang="en-US"/>
+          </a:p>
+        </p:txBody>
+      </p:sp>
+      <p:sp>
+        <p:nvSpPr>
+          <p:cNvPr id="3" name="Text Placeholder 2">
+            <a:extLst>
+              <a:ext uri="{FF2B5EF4-FFF2-40B4-BE49-F238E27FC236}">
+                <a16:creationId xmlns:a16="http://schemas.microsoft.com/office/drawing/2014/main" id="{4CAD1181-15DC-4244-85BD-D8E29647CDD3}"/>
+              </a:ext>
+            </a:extLst>
+          </p:cNvPr>
           <p:cNvSpPr>
             <a:spLocks noGrp="1"/>
           </p:cNvSpPr>
@@ -2951,8 +3302,8 @@
         </p:nvSpPr>
         <p:spPr>
           <a:xfrm>
-            <a:off x="2227451" y="3354163"/>
-            <a:ext cx="27944386" cy="7994577"/>
+            <a:off x="838200" y="1825625"/>
+            <a:ext cx="10515600" cy="4351338"/>
           </a:xfrm>
           <a:prstGeom prst="rect">
             <a:avLst/>
@@ -2966,44 +3317,50 @@
           <a:p>
             <a:pPr lvl="0"/>
             <a:r>
-              <a:rPr lang="en-US"/>
-              <a:t>Edit Master text styles</a:t>
+              <a:rPr lang="en-US" altLang="zh-CN"/>
+              <a:t>Click to edit Master text styles</a:t>
             </a:r>
           </a:p>
           <a:p>
             <a:pPr lvl="1"/>
             <a:r>
-              <a:rPr lang="en-US"/>
+              <a:rPr lang="en-US" altLang="zh-CN"/>
               <a:t>Second level</a:t>
             </a:r>
           </a:p>
           <a:p>
             <a:pPr lvl="2"/>
             <a:r>
-              <a:rPr lang="en-US"/>
+              <a:rPr lang="en-US" altLang="zh-CN"/>
               <a:t>Third level</a:t>
             </a:r>
           </a:p>
           <a:p>
             <a:pPr lvl="3"/>
             <a:r>
-              <a:rPr lang="en-US"/>
+              <a:rPr lang="en-US" altLang="zh-CN"/>
               <a:t>Fourth level</a:t>
             </a:r>
           </a:p>
           <a:p>
             <a:pPr lvl="4"/>
             <a:r>
-              <a:rPr lang="en-US"/>
+              <a:rPr lang="en-US" altLang="zh-CN"/>
               <a:t>Fifth level</a:t>
             </a:r>
-            <a:endParaRPr lang="en-US" dirty="0"/>
-          </a:p>
-        </p:txBody>
-      </p:sp>
-      <p:sp>
-        <p:nvSpPr>
-          <p:cNvPr id="4" name="Date Placeholder 3"/>
+            <a:endParaRPr lang="zh-CN" altLang="en-US"/>
+          </a:p>
+        </p:txBody>
+      </p:sp>
+      <p:sp>
+        <p:nvSpPr>
+          <p:cNvPr id="4" name="Date Placeholder 3">
+            <a:extLst>
+              <a:ext uri="{FF2B5EF4-FFF2-40B4-BE49-F238E27FC236}">
+                <a16:creationId xmlns:a16="http://schemas.microsoft.com/office/drawing/2014/main" id="{8C7A786D-9333-4C82-AB79-A73092C4D122}"/>
+              </a:ext>
+            </a:extLst>
+          </p:cNvPr>
           <p:cNvSpPr>
             <a:spLocks noGrp="1"/>
           </p:cNvSpPr>
@@ -3013,8 +3370,8 @@
         </p:nvSpPr>
         <p:spPr>
           <a:xfrm>
-            <a:off x="2227451" y="11678323"/>
-            <a:ext cx="7289840" cy="670833"/>
+            <a:off x="838200" y="6356350"/>
+            <a:ext cx="2743200" cy="365125"/>
           </a:xfrm>
           <a:prstGeom prst="rect">
             <a:avLst/>
@@ -3024,7 +3381,7 @@
           <a:bodyPr vert="horz" lIns="91440" tIns="45720" rIns="91440" bIns="45720" rtlCol="0" anchor="ctr"/>
           <a:lstStyle>
             <a:lvl1pPr algn="l">
-              <a:defRPr sz="2205">
+              <a:defRPr sz="1200">
                 <a:solidFill>
                   <a:schemeClr val="tx1">
                     <a:tint val="75000"/>
@@ -3036,7 +3393,7 @@
           <a:p>
             <a:fld id="{C21F6666-3EDE-4E8B-BC82-F371B9B084D1}" type="datetimeFigureOut">
               <a:rPr lang="zh-CN" altLang="en-US" smtClean="0"/>
-              <a:t>2021/10/19</a:t>
+              <a:t>2021/10/22</a:t>
             </a:fld>
             <a:endParaRPr lang="zh-CN" altLang="en-US"/>
           </a:p>
@@ -3044,7 +3401,13 @@
       </p:sp>
       <p:sp>
         <p:nvSpPr>
-          <p:cNvPr id="5" name="Footer Placeholder 4"/>
+          <p:cNvPr id="5" name="Footer Placeholder 4">
+            <a:extLst>
+              <a:ext uri="{FF2B5EF4-FFF2-40B4-BE49-F238E27FC236}">
+                <a16:creationId xmlns:a16="http://schemas.microsoft.com/office/drawing/2014/main" id="{56980E30-2A5D-49FF-88BC-867C71B2154C}"/>
+              </a:ext>
+            </a:extLst>
+          </p:cNvPr>
           <p:cNvSpPr>
             <a:spLocks noGrp="1"/>
           </p:cNvSpPr>
@@ -3054,8 +3417,8 @@
         </p:nvSpPr>
         <p:spPr>
           <a:xfrm>
-            <a:off x="10732264" y="11678323"/>
-            <a:ext cx="10934760" cy="670833"/>
+            <a:off x="4038600" y="6356350"/>
+            <a:ext cx="4114800" cy="365125"/>
           </a:xfrm>
           <a:prstGeom prst="rect">
             <a:avLst/>
@@ -3065,7 +3428,7 @@
           <a:bodyPr vert="horz" lIns="91440" tIns="45720" rIns="91440" bIns="45720" rtlCol="0" anchor="ctr"/>
           <a:lstStyle>
             <a:lvl1pPr algn="ctr">
-              <a:defRPr sz="2205">
+              <a:defRPr sz="1200">
                 <a:solidFill>
                   <a:schemeClr val="tx1">
                     <a:tint val="75000"/>
@@ -3081,7 +3444,13 @@
       </p:sp>
       <p:sp>
         <p:nvSpPr>
-          <p:cNvPr id="6" name="Slide Number Placeholder 5"/>
+          <p:cNvPr id="6" name="Slide Number Placeholder 5">
+            <a:extLst>
+              <a:ext uri="{FF2B5EF4-FFF2-40B4-BE49-F238E27FC236}">
+                <a16:creationId xmlns:a16="http://schemas.microsoft.com/office/drawing/2014/main" id="{261F1D02-EFE4-41ED-A360-97DD742A32BE}"/>
+              </a:ext>
+            </a:extLst>
+          </p:cNvPr>
           <p:cNvSpPr>
             <a:spLocks noGrp="1"/>
           </p:cNvSpPr>
@@ -3091,8 +3460,8 @@
         </p:nvSpPr>
         <p:spPr>
           <a:xfrm>
-            <a:off x="22881997" y="11678323"/>
-            <a:ext cx="7289840" cy="670833"/>
+            <a:off x="8610600" y="6356350"/>
+            <a:ext cx="2743200" cy="365125"/>
           </a:xfrm>
           <a:prstGeom prst="rect">
             <a:avLst/>
@@ -3102,7 +3471,7 @@
           <a:bodyPr vert="horz" lIns="91440" tIns="45720" rIns="91440" bIns="45720" rtlCol="0" anchor="ctr"/>
           <a:lstStyle>
             <a:lvl1pPr algn="r">
-              <a:defRPr sz="2205">
+              <a:defRPr sz="1200">
                 <a:solidFill>
                   <a:schemeClr val="tx1">
                     <a:tint val="75000"/>
@@ -3123,27 +3492,27 @@
     </p:spTree>
     <p:extLst>
       <p:ext uri="{BB962C8B-B14F-4D97-AF65-F5344CB8AC3E}">
-        <p14:creationId xmlns:p14="http://schemas.microsoft.com/office/powerpoint/2010/main" val="3671201112"/>
+        <p14:creationId xmlns:p14="http://schemas.microsoft.com/office/powerpoint/2010/main" val="77800740"/>
       </p:ext>
     </p:extLst>
   </p:cSld>
   <p:clrMap bg1="lt1" tx1="dk1" bg2="lt2" tx2="dk2" accent1="accent1" accent2="accent2" accent3="accent3" accent4="accent4" accent5="accent5" accent6="accent6" hlink="hlink" folHlink="folHlink"/>
   <p:sldLayoutIdLst>
-    <p:sldLayoutId id="2147483721" r:id="rId1"/>
-    <p:sldLayoutId id="2147483722" r:id="rId2"/>
-    <p:sldLayoutId id="2147483723" r:id="rId3"/>
-    <p:sldLayoutId id="2147483724" r:id="rId4"/>
-    <p:sldLayoutId id="2147483725" r:id="rId5"/>
-    <p:sldLayoutId id="2147483726" r:id="rId6"/>
-    <p:sldLayoutId id="2147483727" r:id="rId7"/>
-    <p:sldLayoutId id="2147483728" r:id="rId8"/>
-    <p:sldLayoutId id="2147483729" r:id="rId9"/>
-    <p:sldLayoutId id="2147483730" r:id="rId10"/>
-    <p:sldLayoutId id="2147483731" r:id="rId11"/>
+    <p:sldLayoutId id="2147483649" r:id="rId1"/>
+    <p:sldLayoutId id="2147483650" r:id="rId2"/>
+    <p:sldLayoutId id="2147483651" r:id="rId3"/>
+    <p:sldLayoutId id="2147483652" r:id="rId4"/>
+    <p:sldLayoutId id="2147483653" r:id="rId5"/>
+    <p:sldLayoutId id="2147483654" r:id="rId6"/>
+    <p:sldLayoutId id="2147483655" r:id="rId7"/>
+    <p:sldLayoutId id="2147483656" r:id="rId8"/>
+    <p:sldLayoutId id="2147483657" r:id="rId9"/>
+    <p:sldLayoutId id="2147483658" r:id="rId10"/>
+    <p:sldLayoutId id="2147483659" r:id="rId11"/>
   </p:sldLayoutIdLst>
   <p:txStyles>
     <p:titleStyle>
-      <a:lvl1pPr algn="l" defTabSz="1680027" rtl="0" eaLnBrk="1" latinLnBrk="0" hangingPunct="1">
+      <a:lvl1pPr algn="l" defTabSz="914400" rtl="0" eaLnBrk="1" latinLnBrk="0" hangingPunct="1">
         <a:lnSpc>
           <a:spcPct val="90000"/>
         </a:lnSpc>
@@ -3151,7 +3520,7 @@
           <a:spcPct val="0"/>
         </a:spcBef>
         <a:buNone/>
-        <a:defRPr sz="8084" kern="1200">
+        <a:defRPr sz="4400" kern="1200">
           <a:solidFill>
             <a:schemeClr val="tx1"/>
           </a:solidFill>
@@ -3162,16 +3531,16 @@
       </a:lvl1pPr>
     </p:titleStyle>
     <p:bodyStyle>
-      <a:lvl1pPr marL="420007" indent="-420007" algn="l" defTabSz="1680027" rtl="0" eaLnBrk="1" latinLnBrk="0" hangingPunct="1">
+      <a:lvl1pPr marL="228600" indent="-228600" algn="l" defTabSz="914400" rtl="0" eaLnBrk="1" latinLnBrk="0" hangingPunct="1">
         <a:lnSpc>
           <a:spcPct val="90000"/>
         </a:lnSpc>
         <a:spcBef>
-          <a:spcPts val="1837"/>
+          <a:spcPts val="1000"/>
         </a:spcBef>
         <a:buFont typeface="Arial" panose="020B0604020202020204" pitchFamily="34" charset="0"/>
         <a:buChar char="•"/>
-        <a:defRPr sz="5144" kern="1200">
+        <a:defRPr sz="2800" kern="1200">
           <a:solidFill>
             <a:schemeClr val="tx1"/>
           </a:solidFill>
@@ -3180,16 +3549,16 @@
           <a:cs typeface="+mn-cs"/>
         </a:defRPr>
       </a:lvl1pPr>
-      <a:lvl2pPr marL="1260020" indent="-420007" algn="l" defTabSz="1680027" rtl="0" eaLnBrk="1" latinLnBrk="0" hangingPunct="1">
+      <a:lvl2pPr marL="685800" indent="-228600" algn="l" defTabSz="914400" rtl="0" eaLnBrk="1" latinLnBrk="0" hangingPunct="1">
         <a:lnSpc>
           <a:spcPct val="90000"/>
         </a:lnSpc>
         <a:spcBef>
-          <a:spcPts val="919"/>
+          <a:spcPts val="500"/>
         </a:spcBef>
         <a:buFont typeface="Arial" panose="020B0604020202020204" pitchFamily="34" charset="0"/>
         <a:buChar char="•"/>
-        <a:defRPr sz="4410" kern="1200">
+        <a:defRPr sz="2400" kern="1200">
           <a:solidFill>
             <a:schemeClr val="tx1"/>
           </a:solidFill>
@@ -3198,16 +3567,16 @@
           <a:cs typeface="+mn-cs"/>
         </a:defRPr>
       </a:lvl2pPr>
-      <a:lvl3pPr marL="2100034" indent="-420007" algn="l" defTabSz="1680027" rtl="0" eaLnBrk="1" latinLnBrk="0" hangingPunct="1">
+      <a:lvl3pPr marL="1143000" indent="-228600" algn="l" defTabSz="914400" rtl="0" eaLnBrk="1" latinLnBrk="0" hangingPunct="1">
         <a:lnSpc>
           <a:spcPct val="90000"/>
         </a:lnSpc>
         <a:spcBef>
-          <a:spcPts val="919"/>
+          <a:spcPts val="500"/>
         </a:spcBef>
         <a:buFont typeface="Arial" panose="020B0604020202020204" pitchFamily="34" charset="0"/>
         <a:buChar char="•"/>
-        <a:defRPr sz="3675" kern="1200">
+        <a:defRPr sz="2000" kern="1200">
           <a:solidFill>
             <a:schemeClr val="tx1"/>
           </a:solidFill>
@@ -3216,16 +3585,16 @@
           <a:cs typeface="+mn-cs"/>
         </a:defRPr>
       </a:lvl3pPr>
-      <a:lvl4pPr marL="2940047" indent="-420007" algn="l" defTabSz="1680027" rtl="0" eaLnBrk="1" latinLnBrk="0" hangingPunct="1">
+      <a:lvl4pPr marL="1600200" indent="-228600" algn="l" defTabSz="914400" rtl="0" eaLnBrk="1" latinLnBrk="0" hangingPunct="1">
         <a:lnSpc>
           <a:spcPct val="90000"/>
         </a:lnSpc>
         <a:spcBef>
-          <a:spcPts val="919"/>
+          <a:spcPts val="500"/>
         </a:spcBef>
         <a:buFont typeface="Arial" panose="020B0604020202020204" pitchFamily="34" charset="0"/>
         <a:buChar char="•"/>
-        <a:defRPr sz="3307" kern="1200">
+        <a:defRPr sz="1800" kern="1200">
           <a:solidFill>
             <a:schemeClr val="tx1"/>
           </a:solidFill>
@@ -3234,16 +3603,16 @@
           <a:cs typeface="+mn-cs"/>
         </a:defRPr>
       </a:lvl4pPr>
-      <a:lvl5pPr marL="3780061" indent="-420007" algn="l" defTabSz="1680027" rtl="0" eaLnBrk="1" latinLnBrk="0" hangingPunct="1">
+      <a:lvl5pPr marL="2057400" indent="-228600" algn="l" defTabSz="914400" rtl="0" eaLnBrk="1" latinLnBrk="0" hangingPunct="1">
         <a:lnSpc>
           <a:spcPct val="90000"/>
         </a:lnSpc>
         <a:spcBef>
-          <a:spcPts val="919"/>
+          <a:spcPts val="500"/>
         </a:spcBef>
         <a:buFont typeface="Arial" panose="020B0604020202020204" pitchFamily="34" charset="0"/>
         <a:buChar char="•"/>
-        <a:defRPr sz="3307" kern="1200">
+        <a:defRPr sz="1800" kern="1200">
           <a:solidFill>
             <a:schemeClr val="tx1"/>
           </a:solidFill>
@@ -3252,16 +3621,16 @@
           <a:cs typeface="+mn-cs"/>
         </a:defRPr>
       </a:lvl5pPr>
-      <a:lvl6pPr marL="4620075" indent="-420007" algn="l" defTabSz="1680027" rtl="0" eaLnBrk="1" latinLnBrk="0" hangingPunct="1">
+      <a:lvl6pPr marL="2514600" indent="-228600" algn="l" defTabSz="914400" rtl="0" eaLnBrk="1" latinLnBrk="0" hangingPunct="1">
         <a:lnSpc>
           <a:spcPct val="90000"/>
         </a:lnSpc>
         <a:spcBef>
-          <a:spcPts val="919"/>
+          <a:spcPts val="500"/>
         </a:spcBef>
         <a:buFont typeface="Arial" panose="020B0604020202020204" pitchFamily="34" charset="0"/>
         <a:buChar char="•"/>
-        <a:defRPr sz="3307" kern="1200">
+        <a:defRPr sz="1800" kern="1200">
           <a:solidFill>
             <a:schemeClr val="tx1"/>
           </a:solidFill>
@@ -3270,16 +3639,16 @@
           <a:cs typeface="+mn-cs"/>
         </a:defRPr>
       </a:lvl6pPr>
-      <a:lvl7pPr marL="5460088" indent="-420007" algn="l" defTabSz="1680027" rtl="0" eaLnBrk="1" latinLnBrk="0" hangingPunct="1">
+      <a:lvl7pPr marL="2971800" indent="-228600" algn="l" defTabSz="914400" rtl="0" eaLnBrk="1" latinLnBrk="0" hangingPunct="1">
         <a:lnSpc>
           <a:spcPct val="90000"/>
         </a:lnSpc>
         <a:spcBef>
-          <a:spcPts val="919"/>
+          <a:spcPts val="500"/>
         </a:spcBef>
         <a:buFont typeface="Arial" panose="020B0604020202020204" pitchFamily="34" charset="0"/>
         <a:buChar char="•"/>
-        <a:defRPr sz="3307" kern="1200">
+        <a:defRPr sz="1800" kern="1200">
           <a:solidFill>
             <a:schemeClr val="tx1"/>
           </a:solidFill>
@@ -3288,16 +3657,16 @@
           <a:cs typeface="+mn-cs"/>
         </a:defRPr>
       </a:lvl7pPr>
-      <a:lvl8pPr marL="6300102" indent="-420007" algn="l" defTabSz="1680027" rtl="0" eaLnBrk="1" latinLnBrk="0" hangingPunct="1">
+      <a:lvl8pPr marL="3429000" indent="-228600" algn="l" defTabSz="914400" rtl="0" eaLnBrk="1" latinLnBrk="0" hangingPunct="1">
         <a:lnSpc>
           <a:spcPct val="90000"/>
         </a:lnSpc>
         <a:spcBef>
-          <a:spcPts val="919"/>
+          <a:spcPts val="500"/>
         </a:spcBef>
         <a:buFont typeface="Arial" panose="020B0604020202020204" pitchFamily="34" charset="0"/>
         <a:buChar char="•"/>
-        <a:defRPr sz="3307" kern="1200">
+        <a:defRPr sz="1800" kern="1200">
           <a:solidFill>
             <a:schemeClr val="tx1"/>
           </a:solidFill>
@@ -3306,16 +3675,16 @@
           <a:cs typeface="+mn-cs"/>
         </a:defRPr>
       </a:lvl8pPr>
-      <a:lvl9pPr marL="7140115" indent="-420007" algn="l" defTabSz="1680027" rtl="0" eaLnBrk="1" latinLnBrk="0" hangingPunct="1">
+      <a:lvl9pPr marL="3886200" indent="-228600" algn="l" defTabSz="914400" rtl="0" eaLnBrk="1" latinLnBrk="0" hangingPunct="1">
         <a:lnSpc>
           <a:spcPct val="90000"/>
         </a:lnSpc>
         <a:spcBef>
-          <a:spcPts val="919"/>
+          <a:spcPts val="500"/>
         </a:spcBef>
         <a:buFont typeface="Arial" panose="020B0604020202020204" pitchFamily="34" charset="0"/>
         <a:buChar char="•"/>
-        <a:defRPr sz="3307" kern="1200">
+        <a:defRPr sz="1800" kern="1200">
           <a:solidFill>
             <a:schemeClr val="tx1"/>
           </a:solidFill>
@@ -3327,10 +3696,10 @@
     </p:bodyStyle>
     <p:otherStyle>
       <a:defPPr>
-        <a:defRPr lang="en-US"/>
+        <a:defRPr lang="zh-CN"/>
       </a:defPPr>
-      <a:lvl1pPr marL="0" algn="l" defTabSz="1680027" rtl="0" eaLnBrk="1" latinLnBrk="0" hangingPunct="1">
-        <a:defRPr sz="3307" kern="1200">
+      <a:lvl1pPr marL="0" algn="l" defTabSz="914400" rtl="0" eaLnBrk="1" latinLnBrk="0" hangingPunct="1">
+        <a:defRPr sz="1800" kern="1200">
           <a:solidFill>
             <a:schemeClr val="tx1"/>
           </a:solidFill>
@@ -3339,8 +3708,8 @@
           <a:cs typeface="+mn-cs"/>
         </a:defRPr>
       </a:lvl1pPr>
-      <a:lvl2pPr marL="840014" algn="l" defTabSz="1680027" rtl="0" eaLnBrk="1" latinLnBrk="0" hangingPunct="1">
-        <a:defRPr sz="3307" kern="1200">
+      <a:lvl2pPr marL="457200" algn="l" defTabSz="914400" rtl="0" eaLnBrk="1" latinLnBrk="0" hangingPunct="1">
+        <a:defRPr sz="1800" kern="1200">
           <a:solidFill>
             <a:schemeClr val="tx1"/>
           </a:solidFill>
@@ -3349,8 +3718,8 @@
           <a:cs typeface="+mn-cs"/>
         </a:defRPr>
       </a:lvl2pPr>
-      <a:lvl3pPr marL="1680027" algn="l" defTabSz="1680027" rtl="0" eaLnBrk="1" latinLnBrk="0" hangingPunct="1">
-        <a:defRPr sz="3307" kern="1200">
+      <a:lvl3pPr marL="914400" algn="l" defTabSz="914400" rtl="0" eaLnBrk="1" latinLnBrk="0" hangingPunct="1">
+        <a:defRPr sz="1800" kern="1200">
           <a:solidFill>
             <a:schemeClr val="tx1"/>
           </a:solidFill>
@@ -3359,8 +3728,8 @@
           <a:cs typeface="+mn-cs"/>
         </a:defRPr>
       </a:lvl3pPr>
-      <a:lvl4pPr marL="2520041" algn="l" defTabSz="1680027" rtl="0" eaLnBrk="1" latinLnBrk="0" hangingPunct="1">
-        <a:defRPr sz="3307" kern="1200">
+      <a:lvl4pPr marL="1371600" algn="l" defTabSz="914400" rtl="0" eaLnBrk="1" latinLnBrk="0" hangingPunct="1">
+        <a:defRPr sz="1800" kern="1200">
           <a:solidFill>
             <a:schemeClr val="tx1"/>
           </a:solidFill>
@@ -3369,8 +3738,8 @@
           <a:cs typeface="+mn-cs"/>
         </a:defRPr>
       </a:lvl4pPr>
-      <a:lvl5pPr marL="3360054" algn="l" defTabSz="1680027" rtl="0" eaLnBrk="1" latinLnBrk="0" hangingPunct="1">
-        <a:defRPr sz="3307" kern="1200">
+      <a:lvl5pPr marL="1828800" algn="l" defTabSz="914400" rtl="0" eaLnBrk="1" latinLnBrk="0" hangingPunct="1">
+        <a:defRPr sz="1800" kern="1200">
           <a:solidFill>
             <a:schemeClr val="tx1"/>
           </a:solidFill>
@@ -3379,8 +3748,8 @@
           <a:cs typeface="+mn-cs"/>
         </a:defRPr>
       </a:lvl5pPr>
-      <a:lvl6pPr marL="4200068" algn="l" defTabSz="1680027" rtl="0" eaLnBrk="1" latinLnBrk="0" hangingPunct="1">
-        <a:defRPr sz="3307" kern="1200">
+      <a:lvl6pPr marL="2286000" algn="l" defTabSz="914400" rtl="0" eaLnBrk="1" latinLnBrk="0" hangingPunct="1">
+        <a:defRPr sz="1800" kern="1200">
           <a:solidFill>
             <a:schemeClr val="tx1"/>
           </a:solidFill>
@@ -3389,8 +3758,8 @@
           <a:cs typeface="+mn-cs"/>
         </a:defRPr>
       </a:lvl6pPr>
-      <a:lvl7pPr marL="5040081" algn="l" defTabSz="1680027" rtl="0" eaLnBrk="1" latinLnBrk="0" hangingPunct="1">
-        <a:defRPr sz="3307" kern="1200">
+      <a:lvl7pPr marL="2743200" algn="l" defTabSz="914400" rtl="0" eaLnBrk="1" latinLnBrk="0" hangingPunct="1">
+        <a:defRPr sz="1800" kern="1200">
           <a:solidFill>
             <a:schemeClr val="tx1"/>
           </a:solidFill>
@@ -3399,8 +3768,8 @@
           <a:cs typeface="+mn-cs"/>
         </a:defRPr>
       </a:lvl7pPr>
-      <a:lvl8pPr marL="5880095" algn="l" defTabSz="1680027" rtl="0" eaLnBrk="1" latinLnBrk="0" hangingPunct="1">
-        <a:defRPr sz="3307" kern="1200">
+      <a:lvl8pPr marL="3200400" algn="l" defTabSz="914400" rtl="0" eaLnBrk="1" latinLnBrk="0" hangingPunct="1">
+        <a:defRPr sz="1800" kern="1200">
           <a:solidFill>
             <a:schemeClr val="tx1"/>
           </a:solidFill>
@@ -3409,8 +3778,8 @@
           <a:cs typeface="+mn-cs"/>
         </a:defRPr>
       </a:lvl8pPr>
-      <a:lvl9pPr marL="6720108" algn="l" defTabSz="1680027" rtl="0" eaLnBrk="1" latinLnBrk="0" hangingPunct="1">
-        <a:defRPr sz="3307" kern="1200">
+      <a:lvl9pPr marL="3657600" algn="l" defTabSz="914400" rtl="0" eaLnBrk="1" latinLnBrk="0" hangingPunct="1">
+        <a:defRPr sz="1800" kern="1200">
           <a:solidFill>
             <a:schemeClr val="tx1"/>
           </a:solidFill>
@@ -3443,10 +3812,10 @@
       </p:grpSpPr>
       <p:grpSp>
         <p:nvGrpSpPr>
-          <p:cNvPr id="41" name="Group 40">
-            <a:extLst>
-              <a:ext uri="{FF2B5EF4-FFF2-40B4-BE49-F238E27FC236}">
-                <a16:creationId xmlns:a16="http://schemas.microsoft.com/office/drawing/2014/main" id="{B51D0DEF-296E-47B9-9FB2-325D88596DFA}"/>
+          <p:cNvPr id="20" name="Group 19">
+            <a:extLst>
+              <a:ext uri="{FF2B5EF4-FFF2-40B4-BE49-F238E27FC236}">
+                <a16:creationId xmlns:a16="http://schemas.microsoft.com/office/drawing/2014/main" id="{D5A1520B-1F5B-4E68-88C2-1CB1E5D7B7F6}"/>
               </a:ext>
             </a:extLst>
           </p:cNvPr>
@@ -3455,18 +3824,18 @@
         </p:nvGrpSpPr>
         <p:grpSpPr>
           <a:xfrm>
-            <a:off x="428420" y="512153"/>
-            <a:ext cx="11190476" cy="8276246"/>
-            <a:chOff x="1150374" y="1759207"/>
-            <a:chExt cx="11190476" cy="8276246"/>
+            <a:off x="114302" y="349737"/>
+            <a:ext cx="4259422" cy="4128532"/>
+            <a:chOff x="-239872" y="104775"/>
+            <a:chExt cx="4259422" cy="4128532"/>
           </a:xfrm>
         </p:grpSpPr>
         <p:pic>
           <p:nvPicPr>
-            <p:cNvPr id="42" name="Picture 41">
+            <p:cNvPr id="12" name="Picture 11">
               <a:extLst>
                 <a:ext uri="{FF2B5EF4-FFF2-40B4-BE49-F238E27FC236}">
-                  <a16:creationId xmlns:a16="http://schemas.microsoft.com/office/drawing/2014/main" id="{D37CF222-C31F-4267-9F6A-BB5990176253}"/>
+                  <a16:creationId xmlns:a16="http://schemas.microsoft.com/office/drawing/2014/main" id="{DD0D060B-7260-45C5-A20E-E2E08059D39E}"/>
                 </a:ext>
               </a:extLst>
             </p:cNvPr>
@@ -3476,15 +3845,20 @@
             <p:nvPr/>
           </p:nvPicPr>
           <p:blipFill>
-            <a:blip r:embed="rId3"/>
-            <a:stretch>
-              <a:fillRect/>
-            </a:stretch>
+            <a:blip r:embed="rId3">
+              <a:extLst>
+                <a:ext uri="{28A0092B-C50C-407E-A947-70E740481C1C}">
+                  <a14:useLocalDpi xmlns:a14="http://schemas.microsoft.com/office/drawing/2010/main" val="0"/>
+                </a:ext>
+              </a:extLst>
+            </a:blip>
+            <a:srcRect/>
+            <a:stretch/>
           </p:blipFill>
           <p:spPr>
             <a:xfrm>
-              <a:off x="1150374" y="2197358"/>
-              <a:ext cx="11190476" cy="7838095"/>
+              <a:off x="266700" y="104775"/>
+              <a:ext cx="3752850" cy="3752850"/>
             </a:xfrm>
             <a:prstGeom prst="rect">
               <a:avLst/>
@@ -3493,10 +3867,10 @@
         </p:pic>
         <p:sp>
           <p:nvSpPr>
-            <p:cNvPr id="43" name="TextBox 42">
+            <p:cNvPr id="34" name="TextBox 33">
               <a:extLst>
                 <a:ext uri="{FF2B5EF4-FFF2-40B4-BE49-F238E27FC236}">
-                  <a16:creationId xmlns:a16="http://schemas.microsoft.com/office/drawing/2014/main" id="{D6605EA0-4DD2-4652-B672-9D28203BFA5E}"/>
+                  <a16:creationId xmlns:a16="http://schemas.microsoft.com/office/drawing/2014/main" id="{C12FD647-D695-4872-B797-D5B56CD8A9DD}"/>
                 </a:ext>
               </a:extLst>
             </p:cNvPr>
@@ -3505,8 +3879,8 @@
           </p:nvSpPr>
           <p:spPr>
             <a:xfrm>
-              <a:off x="4319958" y="1759207"/>
-              <a:ext cx="2745688" cy="584775"/>
+              <a:off x="1762125" y="3863975"/>
+              <a:ext cx="1104900" cy="369332"/>
             </a:xfrm>
             <a:prstGeom prst="rect">
               <a:avLst/>
@@ -3514,85 +3888,46 @@
             <a:noFill/>
           </p:spPr>
           <p:txBody>
-            <a:bodyPr wrap="none" rtlCol="0">
+            <a:bodyPr vert="horz" wrap="square">
               <a:spAutoFit/>
             </a:bodyPr>
             <a:lstStyle/>
             <a:p>
               <a:pPr algn="ctr"/>
               <a:r>
-                <a:rPr lang="en-US" altLang="zh-CN" sz="3200" dirty="0">
-                  <a:solidFill>
-                    <a:srgbClr val="57868C"/>
-                  </a:solidFill>
+                <a:rPr lang="en-US" altLang="zh-CN" spc="-5" dirty="0">
+                  <a:latin typeface="Calibri" panose="020F0502020204030204" pitchFamily="34" charset="0"/>
+                  <a:cs typeface="Calibri" panose="020F0502020204030204" pitchFamily="34" charset="0"/>
                 </a:rPr>
-                <a:t>Healthy control</a:t>
+                <a:t>log</a:t>
               </a:r>
-              <a:endParaRPr lang="zh-CN" altLang="en-US" sz="3200" dirty="0">
-                <a:solidFill>
-                  <a:srgbClr val="57868C"/>
-                </a:solidFill>
+              <a:r>
+                <a:rPr lang="en-US" altLang="zh-CN" spc="-5" baseline="-25000" dirty="0">
+                  <a:latin typeface="Calibri" panose="020F0502020204030204" pitchFamily="34" charset="0"/>
+                  <a:cs typeface="Calibri" panose="020F0502020204030204" pitchFamily="34" charset="0"/>
+                </a:rPr>
+                <a:t>2 </a:t>
+              </a:r>
+              <a:r>
+                <a:rPr lang="en-US" altLang="zh-CN" spc="-5" dirty="0">
+                  <a:latin typeface="Calibri" panose="020F0502020204030204" pitchFamily="34" charset="0"/>
+                  <a:cs typeface="Calibri" panose="020F0502020204030204" pitchFamily="34" charset="0"/>
+                </a:rPr>
+                <a:t>FC</a:t>
+              </a:r>
+              <a:endParaRPr lang="zh-CN" altLang="en-US" dirty="0">
+                <a:latin typeface="Calibri" panose="020F0502020204030204" pitchFamily="34" charset="0"/>
+                <a:cs typeface="Calibri" panose="020F0502020204030204" pitchFamily="34" charset="0"/>
               </a:endParaRPr>
             </a:p>
           </p:txBody>
         </p:sp>
-      </p:grpSp>
-      <p:grpSp>
-        <p:nvGrpSpPr>
-          <p:cNvPr id="44" name="Group 43">
-            <a:extLst>
-              <a:ext uri="{FF2B5EF4-FFF2-40B4-BE49-F238E27FC236}">
-                <a16:creationId xmlns:a16="http://schemas.microsoft.com/office/drawing/2014/main" id="{863D205D-10A8-4665-B55E-1D5FDF288C48}"/>
-              </a:ext>
-            </a:extLst>
-          </p:cNvPr>
-          <p:cNvGrpSpPr/>
-          <p:nvPr/>
-        </p:nvGrpSpPr>
-        <p:grpSpPr>
-          <a:xfrm>
-            <a:off x="20580313" y="512153"/>
-            <a:ext cx="11676190" cy="8172678"/>
-            <a:chOff x="24307660" y="1755887"/>
-            <a:chExt cx="11676190" cy="8172678"/>
-          </a:xfrm>
-        </p:grpSpPr>
-        <p:pic>
-          <p:nvPicPr>
-            <p:cNvPr id="45" name="Picture 44">
+        <p:sp>
+          <p:nvSpPr>
+            <p:cNvPr id="35" name="TextBox 34">
               <a:extLst>
                 <a:ext uri="{FF2B5EF4-FFF2-40B4-BE49-F238E27FC236}">
-                  <a16:creationId xmlns:a16="http://schemas.microsoft.com/office/drawing/2014/main" id="{0C847C35-DF77-4621-AC15-0A3135D492D8}"/>
-                </a:ext>
-              </a:extLst>
-            </p:cNvPr>
-            <p:cNvPicPr>
-              <a:picLocks noChangeAspect="1"/>
-            </p:cNvPicPr>
-            <p:nvPr/>
-          </p:nvPicPr>
-          <p:blipFill>
-            <a:blip r:embed="rId4"/>
-            <a:stretch>
-              <a:fillRect/>
-            </a:stretch>
-          </p:blipFill>
-          <p:spPr>
-            <a:xfrm>
-              <a:off x="24307660" y="2671422"/>
-              <a:ext cx="11676190" cy="7257143"/>
-            </a:xfrm>
-            <a:prstGeom prst="rect">
-              <a:avLst/>
-            </a:prstGeom>
-          </p:spPr>
-        </p:pic>
-        <p:sp>
-          <p:nvSpPr>
-            <p:cNvPr id="46" name="TextBox 45">
-              <a:extLst>
-                <a:ext uri="{FF2B5EF4-FFF2-40B4-BE49-F238E27FC236}">
-                  <a16:creationId xmlns:a16="http://schemas.microsoft.com/office/drawing/2014/main" id="{73D02110-2953-44DF-B96C-D900AA8E7AED}"/>
+                  <a16:creationId xmlns:a16="http://schemas.microsoft.com/office/drawing/2014/main" id="{13204C53-F366-4D97-B4F2-6E63DD956F76}"/>
                 </a:ext>
               </a:extLst>
             </p:cNvPr>
@@ -3601,8 +3936,8 @@
           </p:nvSpPr>
           <p:spPr>
             <a:xfrm>
-              <a:off x="28399251" y="1755887"/>
-              <a:ext cx="1915333" cy="584775"/>
+              <a:off x="-239872" y="549036"/>
+              <a:ext cx="461665" cy="1603614"/>
             </a:xfrm>
             <a:prstGeom prst="rect">
               <a:avLst/>
@@ -3610,91 +3945,46 @@
             <a:noFill/>
           </p:spPr>
           <p:txBody>
-            <a:bodyPr wrap="none" rtlCol="0">
+            <a:bodyPr vert="vert270" wrap="square">
               <a:spAutoFit/>
             </a:bodyPr>
             <a:lstStyle/>
             <a:p>
               <a:pPr algn="ctr"/>
               <a:r>
-                <a:rPr lang="en-US" altLang="zh-CN" sz="3200" dirty="0">
-                  <a:solidFill>
-                    <a:srgbClr val="C00000"/>
-                  </a:solidFill>
+                <a:rPr lang="en-US" altLang="zh-CN" spc="-5" dirty="0">
+                  <a:latin typeface="Calibri" panose="020F0502020204030204" pitchFamily="34" charset="0"/>
+                  <a:cs typeface="Calibri" panose="020F0502020204030204" pitchFamily="34" charset="0"/>
                 </a:rPr>
-                <a:t>CRC group</a:t>
+                <a:t>- log</a:t>
               </a:r>
-              <a:endParaRPr lang="zh-CN" altLang="en-US" sz="3200" dirty="0">
-                <a:solidFill>
-                  <a:srgbClr val="C00000"/>
-                </a:solidFill>
+              <a:r>
+                <a:rPr lang="en-US" altLang="zh-CN" spc="-5" baseline="-25000" dirty="0">
+                  <a:latin typeface="Calibri" panose="020F0502020204030204" pitchFamily="34" charset="0"/>
+                  <a:cs typeface="Calibri" panose="020F0502020204030204" pitchFamily="34" charset="0"/>
+                </a:rPr>
+                <a:t>10</a:t>
+              </a:r>
+              <a:r>
+                <a:rPr lang="en-US" altLang="zh-CN" spc="-5" dirty="0">
+                  <a:latin typeface="Calibri" panose="020F0502020204030204" pitchFamily="34" charset="0"/>
+                  <a:cs typeface="Calibri" panose="020F0502020204030204" pitchFamily="34" charset="0"/>
+                </a:rPr>
+                <a:t> FDR</a:t>
+              </a:r>
+              <a:endParaRPr lang="zh-CN" altLang="en-US" dirty="0">
+                <a:latin typeface="Calibri" panose="020F0502020204030204" pitchFamily="34" charset="0"/>
+                <a:cs typeface="Calibri" panose="020F0502020204030204" pitchFamily="34" charset="0"/>
               </a:endParaRPr>
             </a:p>
           </p:txBody>
         </p:sp>
-      </p:grpSp>
-      <p:sp>
-        <p:nvSpPr>
-          <p:cNvPr id="47" name="TextBox 46">
-            <a:extLst>
-              <a:ext uri="{FF2B5EF4-FFF2-40B4-BE49-F238E27FC236}">
-                <a16:creationId xmlns:a16="http://schemas.microsoft.com/office/drawing/2014/main" id="{470A454C-8446-4FF5-BB94-F119CD9F3260}"/>
-              </a:ext>
-            </a:extLst>
-          </p:cNvPr>
-          <p:cNvSpPr txBox="1"/>
-          <p:nvPr/>
-        </p:nvSpPr>
-        <p:spPr>
-          <a:xfrm>
-            <a:off x="428419" y="9482350"/>
-            <a:ext cx="2455457" cy="523220"/>
-          </a:xfrm>
-          <a:prstGeom prst="rect">
-            <a:avLst/>
-          </a:prstGeom>
-          <a:noFill/>
-        </p:spPr>
-        <p:txBody>
-          <a:bodyPr wrap="square" rtlCol="0">
-            <a:spAutoFit/>
-          </a:bodyPr>
-          <a:lstStyle/>
-          <a:p>
-            <a:r>
-              <a:rPr lang="en-US" sz="2800" b="1" dirty="0"/>
-              <a:t>S figure 5 </a:t>
-            </a:r>
-            <a:endParaRPr lang="en-HK" sz="2800" b="1" dirty="0"/>
-          </a:p>
-        </p:txBody>
-      </p:sp>
-      <p:grpSp>
-        <p:nvGrpSpPr>
-          <p:cNvPr id="48" name="Group 47">
-            <a:extLst>
-              <a:ext uri="{FF2B5EF4-FFF2-40B4-BE49-F238E27FC236}">
-                <a16:creationId xmlns:a16="http://schemas.microsoft.com/office/drawing/2014/main" id="{E1AEBDF7-A7C2-4D2F-9935-2B4CCFE4F92C}"/>
-              </a:ext>
-            </a:extLst>
-          </p:cNvPr>
-          <p:cNvGrpSpPr/>
-          <p:nvPr/>
-        </p:nvGrpSpPr>
-        <p:grpSpPr>
-          <a:xfrm>
-            <a:off x="11874518" y="431589"/>
-            <a:ext cx="10885714" cy="7955970"/>
-            <a:chOff x="11874518" y="431589"/>
-            <a:chExt cx="10885714" cy="7955970"/>
-          </a:xfrm>
-        </p:grpSpPr>
         <p:grpSp>
           <p:nvGrpSpPr>
-            <p:cNvPr id="49" name="Group 48">
+            <p:cNvPr id="14" name="Group 13">
               <a:extLst>
                 <a:ext uri="{FF2B5EF4-FFF2-40B4-BE49-F238E27FC236}">
-                  <a16:creationId xmlns:a16="http://schemas.microsoft.com/office/drawing/2014/main" id="{C9D7CEAF-C698-442D-ADA7-69131E239CC5}"/>
+                  <a16:creationId xmlns:a16="http://schemas.microsoft.com/office/drawing/2014/main" id="{FDEC765D-F2DF-4DDD-989C-190BA26D7202}"/>
                 </a:ext>
               </a:extLst>
             </p:cNvPr>
@@ -3703,53 +3993,18 @@
           </p:nvGrpSpPr>
           <p:grpSpPr>
             <a:xfrm>
-              <a:off x="11874518" y="512153"/>
-              <a:ext cx="9159846" cy="7875406"/>
-              <a:chOff x="12817854" y="1755886"/>
-              <a:chExt cx="9159846" cy="7875406"/>
+              <a:off x="1285874" y="3644869"/>
+              <a:ext cx="2070955" cy="255747"/>
+              <a:chOff x="1285874" y="3644869"/>
+              <a:chExt cx="2070955" cy="255747"/>
             </a:xfrm>
           </p:grpSpPr>
-          <p:pic>
-            <p:nvPicPr>
-              <p:cNvPr id="52" name="Picture 51">
+          <p:sp>
+            <p:nvSpPr>
+              <p:cNvPr id="36" name="TextBox 35">
                 <a:extLst>
                   <a:ext uri="{FF2B5EF4-FFF2-40B4-BE49-F238E27FC236}">
-                    <a16:creationId xmlns:a16="http://schemas.microsoft.com/office/drawing/2014/main" id="{FD4104AF-1812-43B3-BB8C-A15A730BE029}"/>
-                  </a:ext>
-                </a:extLst>
-              </p:cNvPr>
-              <p:cNvPicPr>
-                <a:picLocks noChangeAspect="1"/>
-              </p:cNvPicPr>
-              <p:nvPr/>
-            </p:nvPicPr>
-            <p:blipFill rotWithShape="1">
-              <a:blip r:embed="rId5">
-                <a:extLst>
-                  <a:ext uri="{28A0092B-C50C-407E-A947-70E740481C1C}">
-                    <a14:useLocalDpi xmlns:a14="http://schemas.microsoft.com/office/drawing/2010/main" val="0"/>
-                  </a:ext>
-                </a:extLst>
-              </a:blip>
-              <a:srcRect r="15855"/>
-              <a:stretch/>
-            </p:blipFill>
-            <p:spPr>
-              <a:xfrm>
-                <a:off x="12817854" y="2197358"/>
-                <a:ext cx="9159846" cy="7433934"/>
-              </a:xfrm>
-              <a:prstGeom prst="rect">
-                <a:avLst/>
-              </a:prstGeom>
-            </p:spPr>
-          </p:pic>
-          <p:sp>
-            <p:nvSpPr>
-              <p:cNvPr id="53" name="TextBox 52">
-                <a:extLst>
-                  <a:ext uri="{FF2B5EF4-FFF2-40B4-BE49-F238E27FC236}">
-                    <a16:creationId xmlns:a16="http://schemas.microsoft.com/office/drawing/2014/main" id="{73E37808-EB33-4822-BB6F-5524BDAE615C}"/>
+                    <a16:creationId xmlns:a16="http://schemas.microsoft.com/office/drawing/2014/main" id="{96BE6B22-44E2-4F7C-BFD7-BD70AD467351}"/>
                   </a:ext>
                 </a:extLst>
               </p:cNvPr>
@@ -3758,8 +4013,8 @@
             </p:nvSpPr>
             <p:spPr>
               <a:xfrm>
-                <a:off x="16702496" y="1755886"/>
-                <a:ext cx="1800494" cy="584775"/>
+                <a:off x="1285874" y="3654395"/>
+                <a:ext cx="525426" cy="246221"/>
               </a:xfrm>
               <a:prstGeom prst="rect">
                 <a:avLst/>
@@ -3767,39 +4022,376 @@
               <a:noFill/>
             </p:spPr>
             <p:txBody>
-              <a:bodyPr wrap="none" rtlCol="0">
+              <a:bodyPr wrap="square" rtlCol="0">
                 <a:spAutoFit/>
               </a:bodyPr>
               <a:lstStyle/>
               <a:p>
                 <a:pPr algn="ctr"/>
                 <a:r>
-                  <a:rPr lang="en-US" altLang="zh-CN" sz="3200" dirty="0">
-                    <a:solidFill>
-                      <a:schemeClr val="accent5">
-                        <a:lumMod val="50000"/>
-                      </a:schemeClr>
-                    </a:solidFill>
+                  <a:rPr lang="en-US" altLang="zh-CN" sz="1000" b="1" dirty="0">
+                    <a:latin typeface="Calibri" panose="020F0502020204030204" pitchFamily="34" charset="0"/>
+                    <a:cs typeface="Calibri" panose="020F0502020204030204" pitchFamily="34" charset="0"/>
                   </a:rPr>
-                  <a:t>Adenoma</a:t>
+                  <a:t>-0.5</a:t>
                 </a:r>
-                <a:endParaRPr lang="zh-CN" altLang="en-US" sz="3200" dirty="0">
-                  <a:solidFill>
-                    <a:schemeClr val="accent5">
-                      <a:lumMod val="50000"/>
-                    </a:schemeClr>
-                  </a:solidFill>
+                <a:endParaRPr lang="zh-CN" altLang="en-US" sz="1000" b="1" dirty="0">
+                  <a:latin typeface="Calibri" panose="020F0502020204030204" pitchFamily="34" charset="0"/>
+                  <a:cs typeface="Calibri" panose="020F0502020204030204" pitchFamily="34" charset="0"/>
+                </a:endParaRPr>
+              </a:p>
+            </p:txBody>
+          </p:sp>
+          <p:sp>
+            <p:nvSpPr>
+              <p:cNvPr id="37" name="TextBox 36">
+                <a:extLst>
+                  <a:ext uri="{FF2B5EF4-FFF2-40B4-BE49-F238E27FC236}">
+                    <a16:creationId xmlns:a16="http://schemas.microsoft.com/office/drawing/2014/main" id="{AD705A15-69F7-4E3E-9004-6A957E5AAF5D}"/>
+                  </a:ext>
+                </a:extLst>
+              </p:cNvPr>
+              <p:cNvSpPr txBox="1"/>
+              <p:nvPr/>
+            </p:nvSpPr>
+            <p:spPr>
+              <a:xfrm>
+                <a:off x="1908949" y="3654394"/>
+                <a:ext cx="363578" cy="246221"/>
+              </a:xfrm>
+              <a:prstGeom prst="rect">
+                <a:avLst/>
+              </a:prstGeom>
+              <a:noFill/>
+            </p:spPr>
+            <p:txBody>
+              <a:bodyPr wrap="square" rtlCol="0">
+                <a:spAutoFit/>
+              </a:bodyPr>
+              <a:lstStyle/>
+              <a:p>
+                <a:pPr algn="ctr"/>
+                <a:r>
+                  <a:rPr lang="en-US" altLang="zh-CN" sz="1000" b="1" dirty="0">
+                    <a:latin typeface="Calibri" panose="020F0502020204030204" pitchFamily="34" charset="0"/>
+                    <a:cs typeface="Calibri" panose="020F0502020204030204" pitchFamily="34" charset="0"/>
+                  </a:rPr>
+                  <a:t>0.0</a:t>
+                </a:r>
+                <a:endParaRPr lang="zh-CN" altLang="en-US" sz="1000" b="1" dirty="0">
+                  <a:latin typeface="Calibri" panose="020F0502020204030204" pitchFamily="34" charset="0"/>
+                  <a:cs typeface="Calibri" panose="020F0502020204030204" pitchFamily="34" charset="0"/>
+                </a:endParaRPr>
+              </a:p>
+            </p:txBody>
+          </p:sp>
+          <p:sp>
+            <p:nvSpPr>
+              <p:cNvPr id="38" name="TextBox 37">
+                <a:extLst>
+                  <a:ext uri="{FF2B5EF4-FFF2-40B4-BE49-F238E27FC236}">
+                    <a16:creationId xmlns:a16="http://schemas.microsoft.com/office/drawing/2014/main" id="{40C6425F-EA74-4223-A55E-BD8A9C7F6738}"/>
+                  </a:ext>
+                </a:extLst>
+              </p:cNvPr>
+              <p:cNvSpPr txBox="1"/>
+              <p:nvPr/>
+            </p:nvSpPr>
+            <p:spPr>
+              <a:xfrm>
+                <a:off x="2457450" y="3644870"/>
+                <a:ext cx="363578" cy="246221"/>
+              </a:xfrm>
+              <a:prstGeom prst="rect">
+                <a:avLst/>
+              </a:prstGeom>
+              <a:noFill/>
+            </p:spPr>
+            <p:txBody>
+              <a:bodyPr wrap="square" rtlCol="0">
+                <a:spAutoFit/>
+              </a:bodyPr>
+              <a:lstStyle/>
+              <a:p>
+                <a:pPr algn="ctr"/>
+                <a:r>
+                  <a:rPr lang="en-US" altLang="zh-CN" sz="1000" b="1" dirty="0">
+                    <a:latin typeface="Calibri" panose="020F0502020204030204" pitchFamily="34" charset="0"/>
+                    <a:cs typeface="Calibri" panose="020F0502020204030204" pitchFamily="34" charset="0"/>
+                  </a:rPr>
+                  <a:t>0.5</a:t>
+                </a:r>
+                <a:endParaRPr lang="zh-CN" altLang="en-US" sz="1000" b="1" dirty="0">
+                  <a:latin typeface="Calibri" panose="020F0502020204030204" pitchFamily="34" charset="0"/>
+                  <a:cs typeface="Calibri" panose="020F0502020204030204" pitchFamily="34" charset="0"/>
+                </a:endParaRPr>
+              </a:p>
+            </p:txBody>
+          </p:sp>
+          <p:sp>
+            <p:nvSpPr>
+              <p:cNvPr id="39" name="TextBox 38">
+                <a:extLst>
+                  <a:ext uri="{FF2B5EF4-FFF2-40B4-BE49-F238E27FC236}">
+                    <a16:creationId xmlns:a16="http://schemas.microsoft.com/office/drawing/2014/main" id="{621AF50E-153A-4C23-8A28-E84D9D59BFA7}"/>
+                  </a:ext>
+                </a:extLst>
+              </p:cNvPr>
+              <p:cNvSpPr txBox="1"/>
+              <p:nvPr/>
+            </p:nvSpPr>
+            <p:spPr>
+              <a:xfrm>
+                <a:off x="2993251" y="3644869"/>
+                <a:ext cx="363578" cy="246221"/>
+              </a:xfrm>
+              <a:prstGeom prst="rect">
+                <a:avLst/>
+              </a:prstGeom>
+              <a:noFill/>
+            </p:spPr>
+            <p:txBody>
+              <a:bodyPr wrap="square" rtlCol="0">
+                <a:spAutoFit/>
+              </a:bodyPr>
+              <a:lstStyle/>
+              <a:p>
+                <a:pPr algn="ctr"/>
+                <a:r>
+                  <a:rPr lang="en-US" altLang="zh-CN" sz="1000" b="1" dirty="0">
+                    <a:latin typeface="Calibri" panose="020F0502020204030204" pitchFamily="34" charset="0"/>
+                    <a:cs typeface="Calibri" panose="020F0502020204030204" pitchFamily="34" charset="0"/>
+                  </a:rPr>
+                  <a:t>1.0</a:t>
+                </a:r>
+                <a:endParaRPr lang="zh-CN" altLang="en-US" sz="1000" b="1" dirty="0">
+                  <a:latin typeface="Calibri" panose="020F0502020204030204" pitchFamily="34" charset="0"/>
+                  <a:cs typeface="Calibri" panose="020F0502020204030204" pitchFamily="34" charset="0"/>
                 </a:endParaRPr>
               </a:p>
             </p:txBody>
           </p:sp>
         </p:grpSp>
+        <p:grpSp>
+          <p:nvGrpSpPr>
+            <p:cNvPr id="18" name="Group 17">
+              <a:extLst>
+                <a:ext uri="{FF2B5EF4-FFF2-40B4-BE49-F238E27FC236}">
+                  <a16:creationId xmlns:a16="http://schemas.microsoft.com/office/drawing/2014/main" id="{5ABEF622-3791-4D3B-AECD-CF6A2C9BD761}"/>
+                </a:ext>
+              </a:extLst>
+            </p:cNvPr>
+            <p:cNvGrpSpPr/>
+            <p:nvPr/>
+          </p:nvGrpSpPr>
+          <p:grpSpPr>
+            <a:xfrm>
+              <a:off x="156506" y="914356"/>
+              <a:ext cx="326094" cy="2700511"/>
+              <a:chOff x="156506" y="914356"/>
+              <a:chExt cx="326094" cy="2700511"/>
+            </a:xfrm>
+          </p:grpSpPr>
+          <p:sp>
+            <p:nvSpPr>
+              <p:cNvPr id="41" name="TextBox 40">
+                <a:extLst>
+                  <a:ext uri="{FF2B5EF4-FFF2-40B4-BE49-F238E27FC236}">
+                    <a16:creationId xmlns:a16="http://schemas.microsoft.com/office/drawing/2014/main" id="{98638657-93C5-4DFB-9B6F-1AE7577DD55F}"/>
+                  </a:ext>
+                </a:extLst>
+              </p:cNvPr>
+              <p:cNvSpPr txBox="1"/>
+              <p:nvPr/>
+            </p:nvSpPr>
+            <p:spPr>
+              <a:xfrm>
+                <a:off x="156507" y="3368646"/>
+                <a:ext cx="326093" cy="246221"/>
+              </a:xfrm>
+              <a:prstGeom prst="rect">
+                <a:avLst/>
+              </a:prstGeom>
+              <a:noFill/>
+            </p:spPr>
+            <p:txBody>
+              <a:bodyPr wrap="square" rtlCol="0">
+                <a:spAutoFit/>
+              </a:bodyPr>
+              <a:lstStyle/>
+              <a:p>
+                <a:pPr algn="r"/>
+                <a:r>
+                  <a:rPr lang="en-US" altLang="zh-CN" sz="1000" b="1" dirty="0">
+                    <a:latin typeface="Calibri" panose="020F0502020204030204" pitchFamily="34" charset="0"/>
+                    <a:cs typeface="Calibri" panose="020F0502020204030204" pitchFamily="34" charset="0"/>
+                  </a:rPr>
+                  <a:t>0</a:t>
+                </a:r>
+                <a:endParaRPr lang="zh-CN" altLang="en-US" sz="1000" b="1" dirty="0">
+                  <a:latin typeface="Calibri" panose="020F0502020204030204" pitchFamily="34" charset="0"/>
+                  <a:cs typeface="Calibri" panose="020F0502020204030204" pitchFamily="34" charset="0"/>
+                </a:endParaRPr>
+              </a:p>
+            </p:txBody>
+          </p:sp>
+          <p:sp>
+            <p:nvSpPr>
+              <p:cNvPr id="42" name="TextBox 41">
+                <a:extLst>
+                  <a:ext uri="{FF2B5EF4-FFF2-40B4-BE49-F238E27FC236}">
+                    <a16:creationId xmlns:a16="http://schemas.microsoft.com/office/drawing/2014/main" id="{620CDCF9-9357-4D3F-BA8B-1F97C3F6A511}"/>
+                  </a:ext>
+                </a:extLst>
+              </p:cNvPr>
+              <p:cNvSpPr txBox="1"/>
+              <p:nvPr/>
+            </p:nvSpPr>
+            <p:spPr>
+              <a:xfrm>
+                <a:off x="156506" y="2140715"/>
+                <a:ext cx="326093" cy="246221"/>
+              </a:xfrm>
+              <a:prstGeom prst="rect">
+                <a:avLst/>
+              </a:prstGeom>
+              <a:noFill/>
+            </p:spPr>
+            <p:txBody>
+              <a:bodyPr wrap="square" rtlCol="0">
+                <a:spAutoFit/>
+              </a:bodyPr>
+              <a:lstStyle/>
+              <a:p>
+                <a:pPr algn="r"/>
+                <a:r>
+                  <a:rPr lang="en-US" altLang="zh-CN" sz="1000" b="1" dirty="0">
+                    <a:latin typeface="Calibri" panose="020F0502020204030204" pitchFamily="34" charset="0"/>
+                    <a:cs typeface="Calibri" panose="020F0502020204030204" pitchFamily="34" charset="0"/>
+                  </a:rPr>
+                  <a:t>5</a:t>
+                </a:r>
+                <a:endParaRPr lang="zh-CN" altLang="en-US" sz="1000" b="1" dirty="0">
+                  <a:latin typeface="Calibri" panose="020F0502020204030204" pitchFamily="34" charset="0"/>
+                  <a:cs typeface="Calibri" panose="020F0502020204030204" pitchFamily="34" charset="0"/>
+                </a:endParaRPr>
+              </a:p>
+            </p:txBody>
+          </p:sp>
+          <p:sp>
+            <p:nvSpPr>
+              <p:cNvPr id="43" name="TextBox 42">
+                <a:extLst>
+                  <a:ext uri="{FF2B5EF4-FFF2-40B4-BE49-F238E27FC236}">
+                    <a16:creationId xmlns:a16="http://schemas.microsoft.com/office/drawing/2014/main" id="{E68A25B4-2D40-4190-ACBC-8E16A91CB124}"/>
+                  </a:ext>
+                </a:extLst>
+              </p:cNvPr>
+              <p:cNvSpPr txBox="1"/>
+              <p:nvPr/>
+            </p:nvSpPr>
+            <p:spPr>
+              <a:xfrm>
+                <a:off x="156506" y="914356"/>
+                <a:ext cx="326093" cy="246221"/>
+              </a:xfrm>
+              <a:prstGeom prst="rect">
+                <a:avLst/>
+              </a:prstGeom>
+              <a:noFill/>
+            </p:spPr>
+            <p:txBody>
+              <a:bodyPr wrap="square" rtlCol="0">
+                <a:spAutoFit/>
+              </a:bodyPr>
+              <a:lstStyle/>
+              <a:p>
+                <a:pPr algn="r"/>
+                <a:r>
+                  <a:rPr lang="en-US" altLang="zh-CN" sz="1000" b="1" dirty="0">
+                    <a:latin typeface="Calibri" panose="020F0502020204030204" pitchFamily="34" charset="0"/>
+                    <a:cs typeface="Calibri" panose="020F0502020204030204" pitchFamily="34" charset="0"/>
+                  </a:rPr>
+                  <a:t>10</a:t>
+                </a:r>
+                <a:endParaRPr lang="zh-CN" altLang="en-US" sz="1000" b="1" dirty="0">
+                  <a:latin typeface="Calibri" panose="020F0502020204030204" pitchFamily="34" charset="0"/>
+                  <a:cs typeface="Calibri" panose="020F0502020204030204" pitchFamily="34" charset="0"/>
+                </a:endParaRPr>
+              </a:p>
+            </p:txBody>
+          </p:sp>
+        </p:grpSp>
+      </p:grpSp>
+      <p:sp>
+        <p:nvSpPr>
+          <p:cNvPr id="44" name="TextBox 43">
+            <a:extLst>
+              <a:ext uri="{FF2B5EF4-FFF2-40B4-BE49-F238E27FC236}">
+                <a16:creationId xmlns:a16="http://schemas.microsoft.com/office/drawing/2014/main" id="{0B2BC4A2-3A77-4D71-89EC-B184E5E4BBDB}"/>
+              </a:ext>
+            </a:extLst>
+          </p:cNvPr>
+          <p:cNvSpPr txBox="1"/>
+          <p:nvPr/>
+        </p:nvSpPr>
+        <p:spPr>
+          <a:xfrm>
+            <a:off x="1098871" y="2912919"/>
+            <a:ext cx="525426" cy="246221"/>
+          </a:xfrm>
+          <a:prstGeom prst="rect">
+            <a:avLst/>
+          </a:prstGeom>
+          <a:noFill/>
+        </p:spPr>
+        <p:txBody>
+          <a:bodyPr wrap="square" rtlCol="0">
+            <a:spAutoFit/>
+          </a:bodyPr>
+          <a:lstStyle/>
+          <a:p>
+            <a:pPr algn="ctr"/>
+            <a:r>
+              <a:rPr lang="en-US" altLang="zh-CN" sz="1000" b="1" dirty="0">
+                <a:latin typeface="Calibri" panose="020F0502020204030204" pitchFamily="34" charset="0"/>
+                <a:cs typeface="Calibri" panose="020F0502020204030204" pitchFamily="34" charset="0"/>
+              </a:rPr>
+              <a:t>-1.0</a:t>
+            </a:r>
+            <a:endParaRPr lang="zh-CN" altLang="en-US" sz="1000" b="1" dirty="0">
+              <a:latin typeface="Calibri" panose="020F0502020204030204" pitchFamily="34" charset="0"/>
+              <a:cs typeface="Calibri" panose="020F0502020204030204" pitchFamily="34" charset="0"/>
+            </a:endParaRPr>
+          </a:p>
+        </p:txBody>
+      </p:sp>
+      <p:grpSp>
+        <p:nvGrpSpPr>
+          <p:cNvPr id="82" name="Group 81">
+            <a:extLst>
+              <a:ext uri="{FF2B5EF4-FFF2-40B4-BE49-F238E27FC236}">
+                <a16:creationId xmlns:a16="http://schemas.microsoft.com/office/drawing/2014/main" id="{3C0764D5-9B17-4DC0-8904-77EF019CACC7}"/>
+              </a:ext>
+            </a:extLst>
+          </p:cNvPr>
+          <p:cNvGrpSpPr/>
+          <p:nvPr/>
+        </p:nvGrpSpPr>
+        <p:grpSpPr>
+          <a:xfrm>
+            <a:off x="4876458" y="215571"/>
+            <a:ext cx="6685828" cy="3937816"/>
+            <a:chOff x="4388412" y="119834"/>
+            <a:chExt cx="6685828" cy="3937816"/>
+          </a:xfrm>
+        </p:grpSpPr>
         <p:pic>
           <p:nvPicPr>
-            <p:cNvPr id="50" name="Picture 49">
+            <p:cNvPr id="57" name="Picture 56" descr="Chart&#10;&#10;Description automatically generated">
               <a:extLst>
                 <a:ext uri="{FF2B5EF4-FFF2-40B4-BE49-F238E27FC236}">
-                  <a16:creationId xmlns:a16="http://schemas.microsoft.com/office/drawing/2014/main" id="{EC6BF208-33D1-4A92-8B8A-C3FCDFA543C0}"/>
+                  <a16:creationId xmlns:a16="http://schemas.microsoft.com/office/drawing/2014/main" id="{EDD9D1F8-3819-4F7C-9617-42E7429BB9DF}"/>
                 </a:ext>
               </a:extLst>
             </p:cNvPr>
@@ -3809,14 +4401,230 @@
             <p:nvPr/>
           </p:nvPicPr>
           <p:blipFill rotWithShape="1">
-            <a:blip r:embed="rId6"/>
-            <a:srcRect l="90113"/>
+            <a:blip r:embed="rId4">
+              <a:extLst>
+                <a:ext uri="{28A0092B-C50C-407E-A947-70E740481C1C}">
+                  <a14:useLocalDpi xmlns:a14="http://schemas.microsoft.com/office/drawing/2010/main" val="0"/>
+                </a:ext>
+              </a:extLst>
+            </a:blip>
+            <a:srcRect l="5160" t="1852" r="29487" b="23801"/>
             <a:stretch/>
           </p:blipFill>
           <p:spPr>
             <a:xfrm>
-              <a:off x="19957793" y="431589"/>
-              <a:ext cx="1076571" cy="7955970"/>
+              <a:off x="4388412" y="668248"/>
+              <a:ext cx="1568450" cy="1338263"/>
+            </a:xfrm>
+            <a:prstGeom prst="rect">
+              <a:avLst/>
+            </a:prstGeom>
+          </p:spPr>
+        </p:pic>
+        <p:pic>
+          <p:nvPicPr>
+            <p:cNvPr id="59" name="Picture 58" descr="A picture containing diagram&#10;&#10;Description automatically generated">
+              <a:extLst>
+                <a:ext uri="{FF2B5EF4-FFF2-40B4-BE49-F238E27FC236}">
+                  <a16:creationId xmlns:a16="http://schemas.microsoft.com/office/drawing/2014/main" id="{DE948901-1E40-46C7-9631-FB40C9E94524}"/>
+                </a:ext>
+              </a:extLst>
+            </p:cNvPr>
+            <p:cNvPicPr>
+              <a:picLocks noChangeAspect="1"/>
+            </p:cNvPicPr>
+            <p:nvPr/>
+          </p:nvPicPr>
+          <p:blipFill rotWithShape="1">
+            <a:blip r:embed="rId5">
+              <a:extLst>
+                <a:ext uri="{28A0092B-C50C-407E-A947-70E740481C1C}">
+                  <a14:useLocalDpi xmlns:a14="http://schemas.microsoft.com/office/drawing/2010/main" val="0"/>
+                </a:ext>
+              </a:extLst>
+            </a:blip>
+            <a:srcRect l="5358" t="1852" r="28562" b="23800"/>
+            <a:stretch/>
+          </p:blipFill>
+          <p:spPr>
+            <a:xfrm>
+              <a:off x="6051138" y="668249"/>
+              <a:ext cx="1585912" cy="1338262"/>
+            </a:xfrm>
+            <a:prstGeom prst="rect">
+              <a:avLst/>
+            </a:prstGeom>
+          </p:spPr>
+        </p:pic>
+        <p:pic>
+          <p:nvPicPr>
+            <p:cNvPr id="61" name="Picture 60" descr="A picture containing chart&#10;&#10;Description automatically generated">
+              <a:extLst>
+                <a:ext uri="{FF2B5EF4-FFF2-40B4-BE49-F238E27FC236}">
+                  <a16:creationId xmlns:a16="http://schemas.microsoft.com/office/drawing/2014/main" id="{88D3C936-72F1-4F12-BBFD-CBA396C04740}"/>
+                </a:ext>
+              </a:extLst>
+            </p:cNvPr>
+            <p:cNvPicPr>
+              <a:picLocks noChangeAspect="1"/>
+            </p:cNvPicPr>
+            <p:nvPr/>
+          </p:nvPicPr>
+          <p:blipFill rotWithShape="1">
+            <a:blip r:embed="rId6">
+              <a:extLst>
+                <a:ext uri="{28A0092B-C50C-407E-A947-70E740481C1C}">
+                  <a14:useLocalDpi xmlns:a14="http://schemas.microsoft.com/office/drawing/2010/main" val="0"/>
+                </a:ext>
+              </a:extLst>
+            </a:blip>
+            <a:srcRect l="5821" t="1235" r="28827" b="23801"/>
+            <a:stretch/>
+          </p:blipFill>
+          <p:spPr>
+            <a:xfrm>
+              <a:off x="7731326" y="668248"/>
+              <a:ext cx="1568450" cy="1349375"/>
+            </a:xfrm>
+            <a:prstGeom prst="rect">
+              <a:avLst/>
+            </a:prstGeom>
+          </p:spPr>
+        </p:pic>
+        <p:pic>
+          <p:nvPicPr>
+            <p:cNvPr id="63" name="Picture 62" descr="A picture containing chart&#10;&#10;Description automatically generated">
+              <a:extLst>
+                <a:ext uri="{FF2B5EF4-FFF2-40B4-BE49-F238E27FC236}">
+                  <a16:creationId xmlns:a16="http://schemas.microsoft.com/office/drawing/2014/main" id="{1EEC63E2-B87A-479B-97FA-842E51D1546A}"/>
+                </a:ext>
+              </a:extLst>
+            </p:cNvPr>
+            <p:cNvPicPr>
+              <a:picLocks noChangeAspect="1"/>
+            </p:cNvPicPr>
+            <p:nvPr/>
+          </p:nvPicPr>
+          <p:blipFill rotWithShape="1">
+            <a:blip r:embed="rId7">
+              <a:extLst>
+                <a:ext uri="{28A0092B-C50C-407E-A947-70E740481C1C}">
+                  <a14:useLocalDpi xmlns:a14="http://schemas.microsoft.com/office/drawing/2010/main" val="0"/>
+                </a:ext>
+              </a:extLst>
+            </a:blip>
+            <a:srcRect l="5160" t="1235" r="28562" b="23801"/>
+            <a:stretch/>
+          </p:blipFill>
+          <p:spPr>
+            <a:xfrm>
+              <a:off x="9483565" y="657136"/>
+              <a:ext cx="1590675" cy="1349375"/>
+            </a:xfrm>
+            <a:prstGeom prst="rect">
+              <a:avLst/>
+            </a:prstGeom>
+          </p:spPr>
+        </p:pic>
+        <p:pic>
+          <p:nvPicPr>
+            <p:cNvPr id="65" name="Picture 64" descr="Chart&#10;&#10;Description automatically generated">
+              <a:extLst>
+                <a:ext uri="{FF2B5EF4-FFF2-40B4-BE49-F238E27FC236}">
+                  <a16:creationId xmlns:a16="http://schemas.microsoft.com/office/drawing/2014/main" id="{DB22882D-FFC2-45CD-A4B3-FA38E0FFE2F0}"/>
+                </a:ext>
+              </a:extLst>
+            </p:cNvPr>
+            <p:cNvPicPr>
+              <a:picLocks noChangeAspect="1"/>
+            </p:cNvPicPr>
+            <p:nvPr/>
+          </p:nvPicPr>
+          <p:blipFill rotWithShape="1">
+            <a:blip r:embed="rId8">
+              <a:extLst>
+                <a:ext uri="{28A0092B-C50C-407E-A947-70E740481C1C}">
+                  <a14:useLocalDpi xmlns:a14="http://schemas.microsoft.com/office/drawing/2010/main" val="0"/>
+                </a:ext>
+              </a:extLst>
+            </a:blip>
+            <a:srcRect l="5027" t="1411" r="30150" b="23800"/>
+            <a:stretch/>
+          </p:blipFill>
+          <p:spPr>
+            <a:xfrm>
+              <a:off x="4394422" y="2686714"/>
+              <a:ext cx="1555750" cy="1346200"/>
+            </a:xfrm>
+            <a:prstGeom prst="rect">
+              <a:avLst/>
+            </a:prstGeom>
+          </p:spPr>
+        </p:pic>
+        <p:pic>
+          <p:nvPicPr>
+            <p:cNvPr id="67" name="Picture 66" descr="A picture containing chart&#10;&#10;Description automatically generated">
+              <a:extLst>
+                <a:ext uri="{FF2B5EF4-FFF2-40B4-BE49-F238E27FC236}">
+                  <a16:creationId xmlns:a16="http://schemas.microsoft.com/office/drawing/2014/main" id="{4DFD42E9-32EC-4313-A2A9-7C1337CE2466}"/>
+                </a:ext>
+              </a:extLst>
+            </p:cNvPr>
+            <p:cNvPicPr>
+              <a:picLocks noChangeAspect="1"/>
+            </p:cNvPicPr>
+            <p:nvPr/>
+          </p:nvPicPr>
+          <p:blipFill rotWithShape="1">
+            <a:blip r:embed="rId9">
+              <a:extLst>
+                <a:ext uri="{28A0092B-C50C-407E-A947-70E740481C1C}">
+                  <a14:useLocalDpi xmlns:a14="http://schemas.microsoft.com/office/drawing/2010/main" val="0"/>
+                </a:ext>
+              </a:extLst>
+            </a:blip>
+            <a:srcRect l="5423" t="1235" r="27011" b="23801"/>
+            <a:stretch/>
+          </p:blipFill>
+          <p:spPr>
+            <a:xfrm>
+              <a:off x="6051138" y="2683539"/>
+              <a:ext cx="1621588" cy="1349375"/>
+            </a:xfrm>
+            <a:prstGeom prst="rect">
+              <a:avLst/>
+            </a:prstGeom>
+          </p:spPr>
+        </p:pic>
+        <p:pic>
+          <p:nvPicPr>
+            <p:cNvPr id="69" name="Picture 68" descr="A picture containing chart&#10;&#10;Description automatically generated">
+              <a:extLst>
+                <a:ext uri="{FF2B5EF4-FFF2-40B4-BE49-F238E27FC236}">
+                  <a16:creationId xmlns:a16="http://schemas.microsoft.com/office/drawing/2014/main" id="{023D1CCA-4260-4037-BEC5-8C4C6AFEA642}"/>
+                </a:ext>
+              </a:extLst>
+            </p:cNvPr>
+            <p:cNvPicPr>
+              <a:picLocks noChangeAspect="1"/>
+            </p:cNvPicPr>
+            <p:nvPr/>
+          </p:nvPicPr>
+          <p:blipFill rotWithShape="1">
+            <a:blip r:embed="rId10">
+              <a:extLst>
+                <a:ext uri="{28A0092B-C50C-407E-A947-70E740481C1C}">
+                  <a14:useLocalDpi xmlns:a14="http://schemas.microsoft.com/office/drawing/2010/main" val="0"/>
+                </a:ext>
+              </a:extLst>
+            </a:blip>
+            <a:srcRect l="5960" t="730" r="28952" b="22931"/>
+            <a:stretch/>
+          </p:blipFill>
+          <p:spPr>
+            <a:xfrm>
+              <a:off x="7743686" y="2683539"/>
+              <a:ext cx="1562100" cy="1374111"/>
             </a:xfrm>
             <a:prstGeom prst="rect">
               <a:avLst/>
@@ -3825,59 +4633,500 @@
         </p:pic>
         <p:sp>
           <p:nvSpPr>
-            <p:cNvPr id="51" name="Rectangle 50">
+            <p:cNvPr id="71" name="TextBox 70">
               <a:extLst>
                 <a:ext uri="{FF2B5EF4-FFF2-40B4-BE49-F238E27FC236}">
-                  <a16:creationId xmlns:a16="http://schemas.microsoft.com/office/drawing/2014/main" id="{A0AD8FD5-512E-435F-8234-E6778A1AE463}"/>
+                  <a16:creationId xmlns:a16="http://schemas.microsoft.com/office/drawing/2014/main" id="{6F43065F-5BD8-40D9-8619-99BB20ECB276}"/>
                 </a:ext>
               </a:extLst>
             </p:cNvPr>
-            <p:cNvSpPr/>
+            <p:cNvSpPr txBox="1"/>
             <p:nvPr/>
           </p:nvSpPr>
           <p:spPr>
             <a:xfrm>
-              <a:off x="21785580" y="950304"/>
-              <a:ext cx="974652" cy="3370236"/>
+              <a:off x="4711614" y="119834"/>
+              <a:ext cx="1238558" cy="553998"/>
             </a:xfrm>
             <a:prstGeom prst="rect">
               <a:avLst/>
             </a:prstGeom>
-            <a:solidFill>
-              <a:schemeClr val="bg1"/>
-            </a:solidFill>
-            <a:ln>
-              <a:solidFill>
-                <a:schemeClr val="bg1"/>
-              </a:solidFill>
-            </a:ln>
+            <a:noFill/>
           </p:spPr>
-          <p:style>
-            <a:lnRef idx="2">
-              <a:schemeClr val="accent1">
-                <a:shade val="50000"/>
-              </a:schemeClr>
-            </a:lnRef>
-            <a:fillRef idx="1">
-              <a:schemeClr val="accent1"/>
-            </a:fillRef>
-            <a:effectRef idx="0">
-              <a:schemeClr val="accent1"/>
-            </a:effectRef>
-            <a:fontRef idx="minor">
-              <a:schemeClr val="lt1"/>
-            </a:fontRef>
-          </p:style>
           <p:txBody>
-            <a:bodyPr rtlCol="0" anchor="ctr"/>
+            <a:bodyPr vert="horz" wrap="square">
+              <a:spAutoFit/>
+            </a:bodyPr>
             <a:lstStyle/>
             <a:p>
               <a:pPr algn="ctr"/>
-              <a:endParaRPr lang="en-HK"/>
+              <a:r>
+                <a:rPr lang="en-US" altLang="zh-CN" sz="1500" spc="-5" dirty="0">
+                  <a:latin typeface="Calibri" panose="020F0502020204030204" pitchFamily="34" charset="0"/>
+                  <a:cs typeface="Calibri" panose="020F0502020204030204" pitchFamily="34" charset="0"/>
+                </a:rPr>
+                <a:t>Aspergillus rambellii</a:t>
+              </a:r>
+              <a:endParaRPr lang="zh-CN" altLang="en-US" sz="1500" dirty="0">
+                <a:latin typeface="Calibri" panose="020F0502020204030204" pitchFamily="34" charset="0"/>
+                <a:cs typeface="Calibri" panose="020F0502020204030204" pitchFamily="34" charset="0"/>
+              </a:endParaRPr>
             </a:p>
           </p:txBody>
         </p:sp>
+        <p:sp>
+          <p:nvSpPr>
+            <p:cNvPr id="72" name="TextBox 71">
+              <a:extLst>
+                <a:ext uri="{FF2B5EF4-FFF2-40B4-BE49-F238E27FC236}">
+                  <a16:creationId xmlns:a16="http://schemas.microsoft.com/office/drawing/2014/main" id="{D4CC8592-9EDE-46B9-9ECE-99E74564CD99}"/>
+                </a:ext>
+              </a:extLst>
+            </p:cNvPr>
+            <p:cNvSpPr txBox="1"/>
+            <p:nvPr/>
+          </p:nvSpPr>
+          <p:spPr>
+            <a:xfrm>
+              <a:off x="6302436" y="2140709"/>
+              <a:ext cx="1104900" cy="553998"/>
+            </a:xfrm>
+            <a:prstGeom prst="rect">
+              <a:avLst/>
+            </a:prstGeom>
+            <a:noFill/>
+          </p:spPr>
+          <p:txBody>
+            <a:bodyPr vert="horz" wrap="square">
+              <a:spAutoFit/>
+            </a:bodyPr>
+            <a:lstStyle/>
+            <a:p>
+              <a:pPr algn="ctr"/>
+              <a:r>
+                <a:rPr lang="en-US" altLang="zh-CN" sz="1500" spc="-5" dirty="0" err="1">
+                  <a:latin typeface="Calibri" panose="020F0502020204030204" pitchFamily="34" charset="0"/>
+                  <a:cs typeface="Calibri" panose="020F0502020204030204" pitchFamily="34" charset="0"/>
+                </a:rPr>
+                <a:t>Saitoella</a:t>
+              </a:r>
+              <a:r>
+                <a:rPr lang="en-US" altLang="zh-CN" sz="1500" spc="-5" dirty="0">
+                  <a:latin typeface="Calibri" panose="020F0502020204030204" pitchFamily="34" charset="0"/>
+                  <a:cs typeface="Calibri" panose="020F0502020204030204" pitchFamily="34" charset="0"/>
+                </a:rPr>
+                <a:t> </a:t>
+              </a:r>
+              <a:r>
+                <a:rPr lang="en-US" altLang="zh-CN" sz="1500" spc="-5" dirty="0" err="1">
+                  <a:latin typeface="Calibri" panose="020F0502020204030204" pitchFamily="34" charset="0"/>
+                  <a:cs typeface="Calibri" panose="020F0502020204030204" pitchFamily="34" charset="0"/>
+                </a:rPr>
+                <a:t>complicata</a:t>
+              </a:r>
+              <a:endParaRPr lang="zh-CN" altLang="en-US" sz="1500" dirty="0">
+                <a:latin typeface="Calibri" panose="020F0502020204030204" pitchFamily="34" charset="0"/>
+                <a:cs typeface="Calibri" panose="020F0502020204030204" pitchFamily="34" charset="0"/>
+              </a:endParaRPr>
+            </a:p>
+          </p:txBody>
+        </p:sp>
+        <p:sp>
+          <p:nvSpPr>
+            <p:cNvPr id="73" name="TextBox 72">
+              <a:extLst>
+                <a:ext uri="{FF2B5EF4-FFF2-40B4-BE49-F238E27FC236}">
+                  <a16:creationId xmlns:a16="http://schemas.microsoft.com/office/drawing/2014/main" id="{95BD6BA5-186A-4206-BF30-CFE967A0C436}"/>
+                </a:ext>
+              </a:extLst>
+            </p:cNvPr>
+            <p:cNvSpPr txBox="1"/>
+            <p:nvPr/>
+          </p:nvSpPr>
+          <p:spPr>
+            <a:xfrm>
+              <a:off x="4681112" y="2140709"/>
+              <a:ext cx="1211719" cy="553998"/>
+            </a:xfrm>
+            <a:prstGeom prst="rect">
+              <a:avLst/>
+            </a:prstGeom>
+            <a:noFill/>
+          </p:spPr>
+          <p:txBody>
+            <a:bodyPr vert="horz" wrap="square">
+              <a:spAutoFit/>
+            </a:bodyPr>
+            <a:lstStyle/>
+            <a:p>
+              <a:pPr algn="ctr"/>
+              <a:r>
+                <a:rPr lang="en-US" altLang="zh-CN" sz="1500" spc="-5" dirty="0">
+                  <a:latin typeface="Calibri" panose="020F0502020204030204" pitchFamily="34" charset="0"/>
+                  <a:cs typeface="Calibri" panose="020F0502020204030204" pitchFamily="34" charset="0"/>
+                </a:rPr>
+                <a:t>Cryptococcus neoformans</a:t>
+              </a:r>
+              <a:endParaRPr lang="zh-CN" altLang="en-US" sz="1500" dirty="0">
+                <a:latin typeface="Calibri" panose="020F0502020204030204" pitchFamily="34" charset="0"/>
+                <a:cs typeface="Calibri" panose="020F0502020204030204" pitchFamily="34" charset="0"/>
+              </a:endParaRPr>
+            </a:p>
+          </p:txBody>
+        </p:sp>
+        <p:sp>
+          <p:nvSpPr>
+            <p:cNvPr id="74" name="TextBox 73">
+              <a:extLst>
+                <a:ext uri="{FF2B5EF4-FFF2-40B4-BE49-F238E27FC236}">
+                  <a16:creationId xmlns:a16="http://schemas.microsoft.com/office/drawing/2014/main" id="{65D295C8-7A00-4DD6-9C66-76E2AC3E1123}"/>
+                </a:ext>
+              </a:extLst>
+            </p:cNvPr>
+            <p:cNvSpPr txBox="1"/>
+            <p:nvPr/>
+          </p:nvSpPr>
+          <p:spPr>
+            <a:xfrm>
+              <a:off x="9812583" y="119834"/>
+              <a:ext cx="1104900" cy="553998"/>
+            </a:xfrm>
+            <a:prstGeom prst="rect">
+              <a:avLst/>
+            </a:prstGeom>
+            <a:noFill/>
+          </p:spPr>
+          <p:txBody>
+            <a:bodyPr vert="horz" wrap="square">
+              <a:spAutoFit/>
+            </a:bodyPr>
+            <a:lstStyle/>
+            <a:p>
+              <a:pPr algn="ctr"/>
+              <a:r>
+                <a:rPr lang="en-US" altLang="zh-CN" sz="1500" spc="-5" dirty="0">
+                  <a:latin typeface="Calibri" panose="020F0502020204030204" pitchFamily="34" charset="0"/>
+                  <a:cs typeface="Calibri" panose="020F0502020204030204" pitchFamily="34" charset="0"/>
+                </a:rPr>
+                <a:t>Lentinula edodes</a:t>
+              </a:r>
+              <a:endParaRPr lang="zh-CN" altLang="en-US" sz="1500" dirty="0">
+                <a:latin typeface="Calibri" panose="020F0502020204030204" pitchFamily="34" charset="0"/>
+                <a:cs typeface="Calibri" panose="020F0502020204030204" pitchFamily="34" charset="0"/>
+              </a:endParaRPr>
+            </a:p>
+          </p:txBody>
+        </p:sp>
+        <p:sp>
+          <p:nvSpPr>
+            <p:cNvPr id="75" name="TextBox 74">
+              <a:extLst>
+                <a:ext uri="{FF2B5EF4-FFF2-40B4-BE49-F238E27FC236}">
+                  <a16:creationId xmlns:a16="http://schemas.microsoft.com/office/drawing/2014/main" id="{C6D0F113-DAFE-40B4-A5B9-70100F748C5D}"/>
+                </a:ext>
+              </a:extLst>
+            </p:cNvPr>
+            <p:cNvSpPr txBox="1"/>
+            <p:nvPr/>
+          </p:nvSpPr>
+          <p:spPr>
+            <a:xfrm>
+              <a:off x="6356459" y="119834"/>
+              <a:ext cx="1104900" cy="553998"/>
+            </a:xfrm>
+            <a:prstGeom prst="rect">
+              <a:avLst/>
+            </a:prstGeom>
+            <a:noFill/>
+          </p:spPr>
+          <p:txBody>
+            <a:bodyPr vert="horz" wrap="square">
+              <a:spAutoFit/>
+            </a:bodyPr>
+            <a:lstStyle/>
+            <a:p>
+              <a:pPr algn="ctr"/>
+              <a:r>
+                <a:rPr lang="en-US" altLang="zh-CN" sz="1500" spc="-5" dirty="0">
+                  <a:latin typeface="Calibri" panose="020F0502020204030204" pitchFamily="34" charset="0"/>
+                  <a:cs typeface="Calibri" panose="020F0502020204030204" pitchFamily="34" charset="0"/>
+                </a:rPr>
+                <a:t>Aspergillus kawachii</a:t>
+              </a:r>
+              <a:endParaRPr lang="zh-CN" altLang="en-US" sz="1500" dirty="0">
+                <a:latin typeface="Calibri" panose="020F0502020204030204" pitchFamily="34" charset="0"/>
+                <a:cs typeface="Calibri" panose="020F0502020204030204" pitchFamily="34" charset="0"/>
+              </a:endParaRPr>
+            </a:p>
+          </p:txBody>
+        </p:sp>
+        <p:sp>
+          <p:nvSpPr>
+            <p:cNvPr id="76" name="TextBox 75">
+              <a:extLst>
+                <a:ext uri="{FF2B5EF4-FFF2-40B4-BE49-F238E27FC236}">
+                  <a16:creationId xmlns:a16="http://schemas.microsoft.com/office/drawing/2014/main" id="{2D54CF74-6BE5-43F0-8DBF-3EF8A87C3855}"/>
+                </a:ext>
+              </a:extLst>
+            </p:cNvPr>
+            <p:cNvSpPr txBox="1"/>
+            <p:nvPr/>
+          </p:nvSpPr>
+          <p:spPr>
+            <a:xfrm>
+              <a:off x="7647267" y="119834"/>
+              <a:ext cx="1792153" cy="553998"/>
+            </a:xfrm>
+            <a:prstGeom prst="rect">
+              <a:avLst/>
+            </a:prstGeom>
+            <a:noFill/>
+          </p:spPr>
+          <p:txBody>
+            <a:bodyPr vert="horz" wrap="square">
+              <a:spAutoFit/>
+            </a:bodyPr>
+            <a:lstStyle/>
+            <a:p>
+              <a:pPr algn="ctr"/>
+              <a:r>
+                <a:rPr lang="en-US" altLang="zh-CN" sz="1500" spc="-5" dirty="0">
+                  <a:latin typeface="Calibri" panose="020F0502020204030204" pitchFamily="34" charset="0"/>
+                  <a:cs typeface="Calibri" panose="020F0502020204030204" pitchFamily="34" charset="0"/>
+                </a:rPr>
+                <a:t>Fusarium </a:t>
+              </a:r>
+              <a:r>
+                <a:rPr lang="en-US" altLang="zh-CN" sz="1500" spc="-5" dirty="0" err="1">
+                  <a:latin typeface="Calibri" panose="020F0502020204030204" pitchFamily="34" charset="0"/>
+                  <a:cs typeface="Calibri" panose="020F0502020204030204" pitchFamily="34" charset="0"/>
+                </a:rPr>
+                <a:t>pseudograminearum</a:t>
+              </a:r>
+              <a:endParaRPr lang="zh-CN" altLang="en-US" sz="1500" dirty="0">
+                <a:latin typeface="Calibri" panose="020F0502020204030204" pitchFamily="34" charset="0"/>
+                <a:cs typeface="Calibri" panose="020F0502020204030204" pitchFamily="34" charset="0"/>
+              </a:endParaRPr>
+            </a:p>
+          </p:txBody>
+        </p:sp>
+        <p:sp>
+          <p:nvSpPr>
+            <p:cNvPr id="78" name="TextBox 77">
+              <a:extLst>
+                <a:ext uri="{FF2B5EF4-FFF2-40B4-BE49-F238E27FC236}">
+                  <a16:creationId xmlns:a16="http://schemas.microsoft.com/office/drawing/2014/main" id="{6C7C950E-8482-4C1A-8952-0509B36D5D53}"/>
+                </a:ext>
+              </a:extLst>
+            </p:cNvPr>
+            <p:cNvSpPr txBox="1"/>
+            <p:nvPr/>
+          </p:nvSpPr>
+          <p:spPr>
+            <a:xfrm>
+              <a:off x="7885055" y="2140709"/>
+              <a:ext cx="1397047" cy="553998"/>
+            </a:xfrm>
+            <a:prstGeom prst="rect">
+              <a:avLst/>
+            </a:prstGeom>
+            <a:noFill/>
+          </p:spPr>
+          <p:txBody>
+            <a:bodyPr vert="horz" wrap="square">
+              <a:spAutoFit/>
+            </a:bodyPr>
+            <a:lstStyle/>
+            <a:p>
+              <a:pPr algn="ctr"/>
+              <a:r>
+                <a:rPr lang="en-US" altLang="zh-CN" sz="1500" spc="-5" dirty="0" err="1">
+                  <a:latin typeface="Calibri" panose="020F0502020204030204" pitchFamily="34" charset="0"/>
+                  <a:cs typeface="Calibri" panose="020F0502020204030204" pitchFamily="34" charset="0"/>
+                </a:rPr>
+                <a:t>Hanseniaspora</a:t>
+              </a:r>
+              <a:r>
+                <a:rPr lang="en-US" altLang="zh-CN" sz="1500" spc="-5" dirty="0">
+                  <a:latin typeface="Calibri" panose="020F0502020204030204" pitchFamily="34" charset="0"/>
+                  <a:cs typeface="Calibri" panose="020F0502020204030204" pitchFamily="34" charset="0"/>
+                </a:rPr>
+                <a:t> </a:t>
+              </a:r>
+              <a:r>
+                <a:rPr lang="en-US" altLang="zh-CN" sz="1500" spc="-5" dirty="0" err="1">
+                  <a:latin typeface="Calibri" panose="020F0502020204030204" pitchFamily="34" charset="0"/>
+                  <a:cs typeface="Calibri" panose="020F0502020204030204" pitchFamily="34" charset="0"/>
+                </a:rPr>
+                <a:t>guilliermondii</a:t>
+              </a:r>
+              <a:endParaRPr lang="zh-CN" altLang="en-US" sz="1500" dirty="0">
+                <a:latin typeface="Calibri" panose="020F0502020204030204" pitchFamily="34" charset="0"/>
+                <a:cs typeface="Calibri" panose="020F0502020204030204" pitchFamily="34" charset="0"/>
+              </a:endParaRPr>
+            </a:p>
+          </p:txBody>
+        </p:sp>
+        <p:pic>
+          <p:nvPicPr>
+            <p:cNvPr id="80" name="Picture 79" descr="A picture containing chart&#10;&#10;Description automatically generated">
+              <a:extLst>
+                <a:ext uri="{FF2B5EF4-FFF2-40B4-BE49-F238E27FC236}">
+                  <a16:creationId xmlns:a16="http://schemas.microsoft.com/office/drawing/2014/main" id="{2D1D77D4-C6AF-442F-BAA3-4826301FCB14}"/>
+                </a:ext>
+              </a:extLst>
+            </p:cNvPr>
+            <p:cNvPicPr>
+              <a:picLocks noChangeAspect="1"/>
+            </p:cNvPicPr>
+            <p:nvPr/>
+          </p:nvPicPr>
+          <p:blipFill rotWithShape="1">
+            <a:blip r:embed="rId10">
+              <a:extLst>
+                <a:ext uri="{28A0092B-C50C-407E-A947-70E740481C1C}">
+                  <a14:useLocalDpi xmlns:a14="http://schemas.microsoft.com/office/drawing/2010/main" val="0"/>
+                </a:ext>
+              </a:extLst>
+            </a:blip>
+            <a:srcRect l="72765" t="37568" r="2532" b="43911"/>
+            <a:stretch/>
+          </p:blipFill>
+          <p:spPr>
+            <a:xfrm>
+              <a:off x="9753506" y="2952992"/>
+              <a:ext cx="865102" cy="486467"/>
+            </a:xfrm>
+            <a:prstGeom prst="rect">
+              <a:avLst/>
+            </a:prstGeom>
+          </p:spPr>
+        </p:pic>
       </p:grpSp>
+      <p:sp>
+        <p:nvSpPr>
+          <p:cNvPr id="84" name="TextBox 83">
+            <a:extLst>
+              <a:ext uri="{FF2B5EF4-FFF2-40B4-BE49-F238E27FC236}">
+                <a16:creationId xmlns:a16="http://schemas.microsoft.com/office/drawing/2014/main" id="{FF5F2D1A-84A2-4374-8F4F-D44DC77D8CF4}"/>
+              </a:ext>
+            </a:extLst>
+          </p:cNvPr>
+          <p:cNvSpPr txBox="1"/>
+          <p:nvPr/>
+        </p:nvSpPr>
+        <p:spPr>
+          <a:xfrm>
+            <a:off x="4719611" y="106719"/>
+            <a:ext cx="322524" cy="400110"/>
+          </a:xfrm>
+          <a:prstGeom prst="rect">
+            <a:avLst/>
+          </a:prstGeom>
+          <a:noFill/>
+        </p:spPr>
+        <p:txBody>
+          <a:bodyPr wrap="none" rtlCol="0">
+            <a:spAutoFit/>
+          </a:bodyPr>
+          <a:lstStyle/>
+          <a:p>
+            <a:r>
+              <a:rPr lang="en-US" altLang="zh-CN" sz="2000" b="1" dirty="0">
+                <a:latin typeface="Calibri" panose="020F0502020204030204" pitchFamily="34" charset="0"/>
+                <a:cs typeface="Calibri" panose="020F0502020204030204" pitchFamily="34" charset="0"/>
+              </a:rPr>
+              <a:t>b</a:t>
+            </a:r>
+            <a:endParaRPr lang="zh-CN" altLang="en-US" sz="2000" b="1" dirty="0">
+              <a:latin typeface="Calibri" panose="020F0502020204030204" pitchFamily="34" charset="0"/>
+              <a:cs typeface="Calibri" panose="020F0502020204030204" pitchFamily="34" charset="0"/>
+            </a:endParaRPr>
+          </a:p>
+        </p:txBody>
+      </p:sp>
+      <p:sp>
+        <p:nvSpPr>
+          <p:cNvPr id="85" name="TextBox 84">
+            <a:extLst>
+              <a:ext uri="{FF2B5EF4-FFF2-40B4-BE49-F238E27FC236}">
+                <a16:creationId xmlns:a16="http://schemas.microsoft.com/office/drawing/2014/main" id="{308CC1C3-2666-4DFB-9A1D-4A10D2A1D033}"/>
+              </a:ext>
+            </a:extLst>
+          </p:cNvPr>
+          <p:cNvSpPr txBox="1"/>
+          <p:nvPr/>
+        </p:nvSpPr>
+        <p:spPr>
+          <a:xfrm>
+            <a:off x="404744" y="121359"/>
+            <a:ext cx="319318" cy="400110"/>
+          </a:xfrm>
+          <a:prstGeom prst="rect">
+            <a:avLst/>
+          </a:prstGeom>
+          <a:noFill/>
+        </p:spPr>
+        <p:txBody>
+          <a:bodyPr wrap="none" rtlCol="0">
+            <a:spAutoFit/>
+          </a:bodyPr>
+          <a:lstStyle/>
+          <a:p>
+            <a:r>
+              <a:rPr lang="en-US" altLang="zh-CN" sz="2000" b="1" dirty="0">
+                <a:latin typeface="Calibri" panose="020F0502020204030204" pitchFamily="34" charset="0"/>
+                <a:cs typeface="Calibri" panose="020F0502020204030204" pitchFamily="34" charset="0"/>
+              </a:rPr>
+              <a:t>a</a:t>
+            </a:r>
+            <a:endParaRPr lang="zh-CN" altLang="en-US" sz="2000" b="1" dirty="0">
+              <a:latin typeface="Calibri" panose="020F0502020204030204" pitchFamily="34" charset="0"/>
+              <a:cs typeface="Calibri" panose="020F0502020204030204" pitchFamily="34" charset="0"/>
+            </a:endParaRPr>
+          </a:p>
+        </p:txBody>
+      </p:sp>
+      <p:sp>
+        <p:nvSpPr>
+          <p:cNvPr id="40" name="TextBox 39">
+            <a:extLst>
+              <a:ext uri="{FF2B5EF4-FFF2-40B4-BE49-F238E27FC236}">
+                <a16:creationId xmlns:a16="http://schemas.microsoft.com/office/drawing/2014/main" id="{2C074E05-120A-4413-B749-81640A87F8CD}"/>
+              </a:ext>
+            </a:extLst>
+          </p:cNvPr>
+          <p:cNvSpPr txBox="1"/>
+          <p:nvPr/>
+        </p:nvSpPr>
+        <p:spPr>
+          <a:xfrm>
+            <a:off x="253683" y="5052060"/>
+            <a:ext cx="11450637" cy="338554"/>
+          </a:xfrm>
+          <a:prstGeom prst="rect">
+            <a:avLst/>
+          </a:prstGeom>
+          <a:noFill/>
+        </p:spPr>
+        <p:txBody>
+          <a:bodyPr wrap="square" rtlCol="0">
+            <a:spAutoFit/>
+          </a:bodyPr>
+          <a:lstStyle/>
+          <a:p>
+            <a:r>
+              <a:rPr lang="en-US" sz="1600" b="1" dirty="0"/>
+              <a:t>S </a:t>
+            </a:r>
+            <a:r>
+              <a:rPr lang="en-US" sz="1600" b="1"/>
+              <a:t>figure  </a:t>
+            </a:r>
+            <a:endParaRPr lang="en-HK" sz="1600" b="1" dirty="0"/>
+          </a:p>
+        </p:txBody>
+      </p:sp>
     </p:spTree>
     <p:extLst>
       <p:ext uri="{BB962C8B-B14F-4D97-AF65-F5344CB8AC3E}">
@@ -3894,7 +5143,7 @@
 <file path=ppt/theme/theme1.xml><?xml version="1.0" encoding="utf-8"?>
 <a:theme xmlns:a="http://schemas.openxmlformats.org/drawingml/2006/main" name="Office Theme">
   <a:themeElements>
-    <a:clrScheme name="Office Theme">
+    <a:clrScheme name="Office">
       <a:dk1>
         <a:sysClr val="windowText" lastClr="000000"/>
       </a:dk1>
@@ -3932,9 +5181,9 @@
         <a:srgbClr val="954F72"/>
       </a:folHlink>
     </a:clrScheme>
-    <a:fontScheme name="Office Theme">
+    <a:fontScheme name="Office">
       <a:majorFont>
-        <a:latin typeface="Calibri Light" panose="020F0302020204030204"/>
+        <a:latin typeface="等线 Light" panose="020F0302020204030204"/>
         <a:ea typeface=""/>
         <a:cs typeface=""/>
         <a:font script="Jpan" typeface="游ゴシック Light"/>
@@ -3967,9 +5216,26 @@
         <a:font script="Viet" typeface="Times New Roman"/>
         <a:font script="Uigh" typeface="Microsoft Uighur"/>
         <a:font script="Geor" typeface="Sylfaen"/>
+        <a:font script="Armn" typeface="Arial"/>
+        <a:font script="Bugi" typeface="Leelawadee UI"/>
+        <a:font script="Bopo" typeface="Microsoft JhengHei"/>
+        <a:font script="Java" typeface="Javanese Text"/>
+        <a:font script="Lisu" typeface="Segoe UI"/>
+        <a:font script="Mymr" typeface="Myanmar Text"/>
+        <a:font script="Nkoo" typeface="Ebrima"/>
+        <a:font script="Olck" typeface="Nirmala UI"/>
+        <a:font script="Osma" typeface="Ebrima"/>
+        <a:font script="Phag" typeface="Phagspa"/>
+        <a:font script="Syrn" typeface="Estrangelo Edessa"/>
+        <a:font script="Syrj" typeface="Estrangelo Edessa"/>
+        <a:font script="Syre" typeface="Estrangelo Edessa"/>
+        <a:font script="Sora" typeface="Nirmala UI"/>
+        <a:font script="Tale" typeface="Microsoft Tai Le"/>
+        <a:font script="Talu" typeface="Microsoft New Tai Lue"/>
+        <a:font script="Tfng" typeface="Ebrima"/>
       </a:majorFont>
       <a:minorFont>
-        <a:latin typeface="Calibri" panose="020F0502020204030204"/>
+        <a:latin typeface="等线" panose="020F0502020204030204"/>
         <a:ea typeface=""/>
         <a:cs typeface=""/>
         <a:font script="Jpan" typeface="游ゴシック"/>
@@ -4002,9 +5268,26 @@
         <a:font script="Viet" typeface="Arial"/>
         <a:font script="Uigh" typeface="Microsoft Uighur"/>
         <a:font script="Geor" typeface="Sylfaen"/>
+        <a:font script="Armn" typeface="Arial"/>
+        <a:font script="Bugi" typeface="Leelawadee UI"/>
+        <a:font script="Bopo" typeface="Microsoft JhengHei"/>
+        <a:font script="Java" typeface="Javanese Text"/>
+        <a:font script="Lisu" typeface="Segoe UI"/>
+        <a:font script="Mymr" typeface="Myanmar Text"/>
+        <a:font script="Nkoo" typeface="Ebrima"/>
+        <a:font script="Olck" typeface="Nirmala UI"/>
+        <a:font script="Osma" typeface="Ebrima"/>
+        <a:font script="Phag" typeface="Phagspa"/>
+        <a:font script="Syrn" typeface="Estrangelo Edessa"/>
+        <a:font script="Syrj" typeface="Estrangelo Edessa"/>
+        <a:font script="Syre" typeface="Estrangelo Edessa"/>
+        <a:font script="Sora" typeface="Nirmala UI"/>
+        <a:font script="Tale" typeface="Microsoft Tai Le"/>
+        <a:font script="Talu" typeface="Microsoft New Tai Lue"/>
+        <a:font script="Tfng" typeface="Ebrima"/>
       </a:minorFont>
     </a:fontScheme>
-    <a:fmtScheme name="Office Theme">
+    <a:fmtScheme name="Office">
       <a:fillStyleLst>
         <a:solidFill>
           <a:schemeClr val="phClr"/>
